--- a/stratified_graph_spectra.pptx
+++ b/stratified_graph_spectra.pptx
@@ -3385,7 +3385,7 @@
                 <a14:m>
                   <m:oMath xmlns:m="http://schemas.openxmlformats.org/officeDocument/2006/math">
                     <m:r>
-                      <a:rPr lang="en-US" sz="2800" b="0" i="1" smtClean="0">
+                      <a:rPr lang="en-US" sz="2800" b="0" i="0" smtClean="0">
                         <a:solidFill>
                           <a:schemeClr val="accent5">
                             <a:lumMod val="50000"/>
@@ -3397,7 +3397,7 @@
                       <m:t>𝒢</m:t>
                     </m:r>
                     <m:r>
-                      <a:rPr lang="en-US" sz="2800" b="0" i="1" smtClean="0">
+                      <a:rPr lang="en-US" sz="2800" b="0" i="0" smtClean="0">
                         <a:solidFill>
                           <a:schemeClr val="accent5">
                             <a:lumMod val="50000"/>
@@ -3411,7 +3411,7 @@
                     <m:d>
                       <m:dPr>
                         <m:ctrlPr>
-                          <a:rPr lang="en-US" sz="2800" i="1" smtClean="0">
+                          <a:rPr lang="en-US" sz="2800" smtClean="0">
                             <a:solidFill>
                               <a:schemeClr val="accent5">
                                 <a:lumMod val="50000"/>
@@ -3424,7 +3424,7 @@
                       </m:dPr>
                       <m:e>
                         <m:r>
-                          <a:rPr lang="en-US" sz="2800" b="0" i="1" smtClean="0">
+                          <a:rPr lang="en-US" sz="2800" b="0" i="0" smtClean="0">
                             <a:solidFill>
                               <a:schemeClr val="accent5">
                                 <a:lumMod val="50000"/>
@@ -3436,7 +3436,7 @@
                           <m:t>𝒱</m:t>
                         </m:r>
                         <m:r>
-                          <a:rPr lang="en-US" sz="2800" b="0" i="1" smtClean="0">
+                          <a:rPr lang="en-US" sz="2800" b="0" i="0" smtClean="0">
                             <a:solidFill>
                               <a:schemeClr val="accent5">
                                 <a:lumMod val="50000"/>
@@ -3448,7 +3448,7 @@
                           <m:t>,</m:t>
                         </m:r>
                         <m:r>
-                          <a:rPr lang="en-US" sz="2800" b="0" i="1" smtClean="0">
+                          <a:rPr lang="en-US" sz="2800" b="0" i="0" smtClean="0">
                             <a:solidFill>
                               <a:schemeClr val="accent5">
                                 <a:lumMod val="50000"/>
@@ -3488,7 +3488,7 @@
                     <m:sSub>
                       <m:sSubPr>
                         <m:ctrlPr>
-                          <a:rPr lang="en-US" sz="2800" i="1" smtClean="0">
+                          <a:rPr lang="en-US" sz="2800" smtClean="0">
                             <a:solidFill>
                               <a:schemeClr val="accent5">
                                 <a:lumMod val="50000"/>
@@ -3500,7 +3500,10 @@
                       </m:sSubPr>
                       <m:e>
                         <m:r>
-                          <a:rPr lang="en-US" sz="2800" i="1" smtClean="0">
+                          <m:rPr>
+                            <m:sty m:val="p"/>
+                          </m:rPr>
+                          <a:rPr lang="en-US" sz="2800" i="0" smtClean="0">
                             <a:solidFill>
                               <a:schemeClr val="accent5">
                                 <a:lumMod val="50000"/>
@@ -3509,12 +3512,12 @@
                             <a:latin typeface="Cambria Math" panose="02040503050406030204" pitchFamily="18" charset="0"/>
                             <a:ea typeface="Cambria Math" panose="02040503050406030204" pitchFamily="18" charset="0"/>
                           </a:rPr>
-                          <m:t>𝜌</m:t>
+                          <m:t>ρ</m:t>
                         </m:r>
                       </m:e>
                       <m:sub>
                         <m:r>
-                          <a:rPr lang="en-US" sz="2800" i="1" smtClean="0">
+                          <a:rPr lang="en-US" sz="2800" i="0" smtClean="0">
                             <a:solidFill>
                               <a:schemeClr val="accent5">
                                 <a:lumMod val="50000"/>
@@ -3582,7 +3585,7 @@
                 <a14:m>
                   <m:oMath xmlns:m="http://schemas.openxmlformats.org/officeDocument/2006/math">
                     <m:r>
-                      <a:rPr lang="en-US" sz="2800" b="0" i="1" smtClean="0">
+                      <a:rPr lang="en-US" sz="2800" b="0" i="0" smtClean="0">
                         <a:solidFill>
                           <a:schemeClr val="accent5">
                             <a:lumMod val="50000"/>
@@ -3593,7 +3596,10 @@
                       <m:t>1&lt;</m:t>
                     </m:r>
                     <m:r>
-                      <a:rPr lang="en-US" sz="2800" b="0" i="1" smtClean="0">
+                      <m:rPr>
+                        <m:sty m:val="p"/>
+                      </m:rPr>
+                      <a:rPr lang="en-US" sz="2800" b="0" i="0" smtClean="0">
                         <a:solidFill>
                           <a:schemeClr val="accent5">
                             <a:lumMod val="50000"/>
@@ -3601,10 +3607,10 @@
                         </a:solidFill>
                         <a:latin typeface="Cambria Math" panose="02040503050406030204" pitchFamily="18" charset="0"/>
                       </a:rPr>
-                      <m:t>𝐾</m:t>
+                      <m:t>K</m:t>
                     </m:r>
                     <m:r>
-                      <a:rPr lang="en-US" sz="2800" b="0" i="1" smtClean="0">
+                      <a:rPr lang="en-US" sz="2800" b="0" i="0" smtClean="0">
                         <a:solidFill>
                           <a:schemeClr val="accent5">
                             <a:lumMod val="50000"/>
@@ -3617,7 +3623,7 @@
                     <m:sSub>
                       <m:sSubPr>
                         <m:ctrlPr>
-                          <a:rPr lang="en-US" sz="2800" i="1">
+                          <a:rPr lang="en-US" sz="2800">
                             <a:solidFill>
                               <a:schemeClr val="accent5">
                                 <a:lumMod val="50000"/>
@@ -3629,7 +3635,10 @@
                       </m:sSubPr>
                       <m:e>
                         <m:r>
-                          <a:rPr lang="en-US" sz="2800" i="1">
+                          <m:rPr>
+                            <m:sty m:val="p"/>
+                          </m:rPr>
+                          <a:rPr lang="en-US" sz="2800" i="0">
                             <a:solidFill>
                               <a:schemeClr val="accent5">
                                 <a:lumMod val="50000"/>
@@ -3638,12 +3647,12 @@
                             <a:latin typeface="Cambria Math" panose="02040503050406030204" pitchFamily="18" charset="0"/>
                             <a:ea typeface="Cambria Math" panose="02040503050406030204" pitchFamily="18" charset="0"/>
                           </a:rPr>
-                          <m:t>𝜌</m:t>
+                          <m:t>ρ</m:t>
                         </m:r>
                       </m:e>
                       <m:sub>
                         <m:r>
-                          <a:rPr lang="en-US" sz="2800" i="1">
+                          <a:rPr lang="en-US" sz="2800" i="0">
                             <a:solidFill>
                               <a:schemeClr val="accent5">
                                 <a:lumMod val="50000"/>
@@ -3693,7 +3702,7 @@
                     <m:sSub>
                       <m:sSubPr>
                         <m:ctrlPr>
-                          <a:rPr lang="en-US" sz="2800" i="1" smtClean="0">
+                          <a:rPr lang="en-US" sz="2800" smtClean="0">
                             <a:solidFill>
                               <a:schemeClr val="accent5">
                                 <a:lumMod val="50000"/>
@@ -3751,7 +3760,7 @@
                     <m:d>
                       <m:dPr>
                         <m:ctrlPr>
-                          <a:rPr lang="en-US" sz="2800" i="1">
+                          <a:rPr lang="en-US" sz="2800">
                             <a:solidFill>
                               <a:schemeClr val="accent5">
                                 <a:lumMod val="50000"/>
@@ -3766,7 +3775,7 @@
                         <m:sSub>
                           <m:sSubPr>
                             <m:ctrlPr>
-                              <a:rPr lang="en-US" sz="2800" i="1" smtClean="0">
+                              <a:rPr lang="en-US" sz="2800" smtClean="0">
                                 <a:solidFill>
                                   <a:schemeClr val="accent5">
                                     <a:lumMod val="50000"/>
@@ -3824,7 +3833,7 @@
                         <m:sSub>
                           <m:sSubPr>
                             <m:ctrlPr>
-                              <a:rPr lang="en-US" sz="2800" i="1" smtClean="0">
+                              <a:rPr lang="en-US" sz="2800" smtClean="0">
                                 <a:solidFill>
                                   <a:schemeClr val="accent5">
                                     <a:lumMod val="50000"/>
@@ -3908,7 +3917,7 @@
                     <m:sSub>
                       <m:sSubPr>
                         <m:ctrlPr>
-                          <a:rPr lang="en-US" sz="3200" i="1">
+                          <a:rPr lang="en-US" sz="3200">
                             <a:solidFill>
                               <a:schemeClr val="accent5">
                                 <a:lumMod val="50000"/>
@@ -3995,7 +4004,7 @@
                     <m:sSub>
                       <m:sSubPr>
                         <m:ctrlPr>
-                          <a:rPr lang="en-US" sz="3200" i="1">
+                          <a:rPr lang="en-US" sz="3200">
                             <a:solidFill>
                               <a:schemeClr val="accent5">
                                 <a:lumMod val="50000"/>
@@ -4055,7 +4064,7 @@
                         <m:begChr m:val="{"/>
                         <m:endChr m:val="}"/>
                         <m:ctrlPr>
-                          <a:rPr lang="en-US" sz="3200" b="0" i="1" smtClean="0">
+                          <a:rPr lang="en-US" sz="3200" b="0" smtClean="0">
                             <a:solidFill>
                               <a:schemeClr val="accent5">
                                 <a:lumMod val="50000"/>
@@ -4082,7 +4091,7 @@
                         <m:sSub>
                           <m:sSubPr>
                             <m:ctrlPr>
-                              <a:rPr lang="en-US" sz="3200" b="0" i="1" smtClean="0">
+                              <a:rPr lang="en-US" sz="3200" b="0" smtClean="0">
                                 <a:solidFill>
                                   <a:schemeClr val="accent5">
                                     <a:lumMod val="50000"/>
@@ -4193,7 +4202,7 @@
                         <m:sSub>
                           <m:sSubPr>
                             <m:ctrlPr>
-                              <a:rPr lang="en-US" sz="3200" b="0" i="1" smtClean="0">
+                              <a:rPr lang="en-US" sz="3200" b="0" smtClean="0">
                                 <a:solidFill>
                                   <a:schemeClr val="accent5">
                                     <a:lumMod val="50000"/>
@@ -4239,7 +4248,7 @@
                         <m:d>
                           <m:dPr>
                             <m:ctrlPr>
-                              <a:rPr lang="en-US" sz="3200" b="0" i="1" smtClean="0">
+                              <a:rPr lang="en-US" sz="3200" b="0" smtClean="0">
                                 <a:solidFill>
                                   <a:schemeClr val="accent5">
                                     <a:lumMod val="50000"/>
@@ -4364,7 +4373,7 @@
                     <m:sSub>
                       <m:sSubPr>
                         <m:ctrlPr>
-                          <a:rPr lang="en-US" sz="2800" i="1">
+                          <a:rPr lang="en-US" sz="2800">
                             <a:solidFill>
                               <a:schemeClr val="accent5">
                                 <a:lumMod val="50000"/>
@@ -4380,7 +4389,7 @@
                           <m:rPr>
                             <m:sty m:val="p"/>
                           </m:rPr>
-                          <a:rPr lang="en-US" sz="2800">
+                          <a:rPr lang="en-US" sz="2800" i="0">
                             <a:solidFill>
                               <a:schemeClr val="accent5">
                                 <a:lumMod val="50000"/>
@@ -4394,7 +4403,7 @@
                       </m:e>
                       <m:sub>
                         <m:r>
-                          <a:rPr lang="en-US" sz="2800">
+                          <a:rPr lang="en-US" sz="2800" i="0">
                             <a:solidFill>
                               <a:schemeClr val="accent5">
                                 <a:lumMod val="50000"/>
@@ -4435,7 +4444,7 @@
                       <m:rPr>
                         <m:sty m:val="p"/>
                       </m:rPr>
-                      <a:rPr lang="en-US" sz="2800">
+                      <a:rPr lang="en-US" sz="2800" i="0">
                         <a:solidFill>
                           <a:schemeClr val="accent5">
                             <a:lumMod val="50000"/>
@@ -4464,7 +4473,7 @@
                       <m:rPr>
                         <m:sty m:val="p"/>
                       </m:rPr>
-                      <a:rPr lang="en-US" sz="2800">
+                      <a:rPr lang="en-US" sz="2800" i="0">
                         <a:solidFill>
                           <a:schemeClr val="accent5">
                             <a:lumMod val="50000"/>
@@ -4490,7 +4499,7 @@
                 <a14:m>
                   <m:oMath xmlns:m="http://schemas.openxmlformats.org/officeDocument/2006/math">
                     <m:r>
-                      <a:rPr lang="en-US" sz="2800" i="1">
+                      <a:rPr lang="en-US" sz="2800" i="0">
                         <a:solidFill>
                           <a:schemeClr val="accent5">
                             <a:lumMod val="50000"/>
@@ -4520,7 +4529,7 @@
                         <m:begChr m:val="{"/>
                         <m:endChr m:val="}"/>
                         <m:ctrlPr>
-                          <a:rPr lang="en-US" sz="2800" i="1" smtClean="0">
+                          <a:rPr lang="en-US" sz="2800" smtClean="0">
                             <a:solidFill>
                               <a:schemeClr val="accent5">
                                 <a:lumMod val="50000"/>
@@ -4534,7 +4543,7 @@
                         <m:sSub>
                           <m:sSubPr>
                             <m:ctrlPr>
-                              <a:rPr lang="en-US" sz="2800" i="1">
+                              <a:rPr lang="en-US" sz="2800">
                                 <a:solidFill>
                                   <a:schemeClr val="accent5">
                                     <a:lumMod val="50000"/>
@@ -4547,7 +4556,7 @@
                           </m:sSubPr>
                           <m:e>
                             <m:r>
-                              <a:rPr lang="en-US" sz="2800">
+                              <a:rPr lang="en-US" sz="2800" i="0">
                                 <a:solidFill>
                                   <a:schemeClr val="accent5">
                                     <a:lumMod val="50000"/>
@@ -4564,7 +4573,7 @@
                               <m:rPr>
                                 <m:sty m:val="p"/>
                               </m:rPr>
-                              <a:rPr lang="en-US" sz="2800">
+                              <a:rPr lang="en-US" sz="2800" i="0">
                                 <a:solidFill>
                                   <a:schemeClr val="accent5">
                                     <a:lumMod val="50000"/>
@@ -4622,7 +4631,7 @@
                 <a14:m>
                   <m:oMath xmlns:m="http://schemas.openxmlformats.org/officeDocument/2006/math">
                     <m:r>
-                      <a:rPr lang="en-US" sz="2800" i="1">
+                      <a:rPr lang="en-US" sz="2800" i="0">
                         <a:solidFill>
                           <a:schemeClr val="accent5">
                             <a:lumMod val="50000"/>
@@ -15217,12 +15226,20 @@
               <a:p>
                 <a:pPr lvl="2"/>
                 <a:r>
+                  <a:rPr lang="en-US" sz="2800" b="1" dirty="0" smtClean="0">
+                    <a:solidFill>
+                      <a:schemeClr val="accent5"/>
+                    </a:solidFill>
+                  </a:rPr>
+                  <a:t>IN-AGG</a:t>
+                </a:r>
+                <a:r>
                   <a:rPr lang="en-US" sz="2800" dirty="0" smtClean="0">
                     <a:solidFill>
                       <a:schemeClr val="accent5"/>
                     </a:solidFill>
                   </a:rPr>
-                  <a:t>IN-AGG is not similar to anyone.</a:t>
+                  <a:t> is not similar to anyone.</a:t>
                 </a:r>
                 <a:endParaRPr lang="en-US" sz="2800" dirty="0">
                   <a:solidFill>

--- a/stratified_graph_spectra.pptx
+++ b/stratified_graph_spectra.pptx
@@ -33,7 +33,8 @@
     <p:sldId id="283" r:id="rId27"/>
     <p:sldId id="266" r:id="rId28"/>
     <p:sldId id="267" r:id="rId29"/>
-    <p:sldId id="284" r:id="rId30"/>
+    <p:sldId id="285" r:id="rId30"/>
+    <p:sldId id="284" r:id="rId31"/>
   </p:sldIdLst>
   <p:sldSz cx="12192000" cy="6858000"/>
   <p:notesSz cx="6858000" cy="9144000"/>
@@ -3192,15 +3193,7 @@
                   <a:schemeClr val="accent5"/>
                 </a:solidFill>
               </a:rPr>
-              <a:t>Stratified Graphs (SGs</a:t>
-            </a:r>
-            <a:r>
-              <a:rPr lang="en-US" b="1" dirty="0" smtClean="0">
-                <a:solidFill>
-                  <a:schemeClr val="accent5"/>
-                </a:solidFill>
-              </a:rPr>
-              <a:t>)</a:t>
+              <a:t>Stratified Graphs (SGs)</a:t>
             </a:r>
           </a:p>
           <a:p>
@@ -3215,13 +3208,6 @@
               </a:rPr>
               <a:t>Consider adjacency beyond 1-hop.</a:t>
             </a:r>
-            <a:endParaRPr lang="en-US" dirty="0" smtClean="0">
-              <a:solidFill>
-                <a:schemeClr val="accent5">
-                  <a:lumMod val="50000"/>
-                </a:schemeClr>
-              </a:solidFill>
-            </a:endParaRPr>
           </a:p>
           <a:p>
             <a:r>
@@ -3230,15 +3216,7 @@
                   <a:schemeClr val="accent5"/>
                 </a:solidFill>
               </a:rPr>
-              <a:t>Stratified Graph Spectra (SGS) </a:t>
-            </a:r>
-            <a:r>
-              <a:rPr lang="en-US" b="1" dirty="0" smtClean="0">
-                <a:solidFill>
-                  <a:schemeClr val="accent5"/>
-                </a:solidFill>
-              </a:rPr>
-              <a:t>Methods</a:t>
+              <a:t>Stratified Graph Spectra (SGS) Methods</a:t>
             </a:r>
           </a:p>
           <a:p>
@@ -3333,8 +3311,8 @@
           </a:p>
         </p:txBody>
       </p:sp>
-      <mc:AlternateContent xmlns:mc="http://schemas.openxmlformats.org/markup-compatibility/2006">
-        <mc:Choice xmlns:a14="http://schemas.microsoft.com/office/drawing/2010/main" Requires="a14">
+      <mc:AlternateContent xmlns:mc="http://schemas.openxmlformats.org/markup-compatibility/2006" xmlns:a14="http://schemas.microsoft.com/office/drawing/2010/main">
+        <mc:Choice Requires="a14">
           <p:sp>
             <p:nvSpPr>
               <p:cNvPr id="3" name="Content Placeholder 2"/>
@@ -3411,7 +3389,7 @@
                     <m:d>
                       <m:dPr>
                         <m:ctrlPr>
-                          <a:rPr lang="en-US" sz="2800" smtClean="0">
+                          <a:rPr lang="en-US" sz="2800" i="1" smtClean="0">
                             <a:solidFill>
                               <a:schemeClr val="accent5">
                                 <a:lumMod val="50000"/>
@@ -3488,7 +3466,7 @@
                     <m:sSub>
                       <m:sSubPr>
                         <m:ctrlPr>
-                          <a:rPr lang="en-US" sz="2800" smtClean="0">
+                          <a:rPr lang="en-US" sz="2800" i="1" smtClean="0">
                             <a:solidFill>
                               <a:schemeClr val="accent5">
                                 <a:lumMod val="50000"/>
@@ -3623,7 +3601,7 @@
                     <m:sSub>
                       <m:sSubPr>
                         <m:ctrlPr>
-                          <a:rPr lang="en-US" sz="2800">
+                          <a:rPr lang="en-US" sz="2800" i="1">
                             <a:solidFill>
                               <a:schemeClr val="accent5">
                                 <a:lumMod val="50000"/>
@@ -3702,7 +3680,7 @@
                     <m:sSub>
                       <m:sSubPr>
                         <m:ctrlPr>
-                          <a:rPr lang="en-US" sz="2800" smtClean="0">
+                          <a:rPr lang="en-US" sz="2800" i="1" smtClean="0">
                             <a:solidFill>
                               <a:schemeClr val="accent5">
                                 <a:lumMod val="50000"/>
@@ -3760,7 +3738,7 @@
                     <m:d>
                       <m:dPr>
                         <m:ctrlPr>
-                          <a:rPr lang="en-US" sz="2800">
+                          <a:rPr lang="en-US" sz="2800" i="1">
                             <a:solidFill>
                               <a:schemeClr val="accent5">
                                 <a:lumMod val="50000"/>
@@ -3775,7 +3753,7 @@
                         <m:sSub>
                           <m:sSubPr>
                             <m:ctrlPr>
-                              <a:rPr lang="en-US" sz="2800" smtClean="0">
+                              <a:rPr lang="en-US" sz="2800" i="1" smtClean="0">
                                 <a:solidFill>
                                   <a:schemeClr val="accent5">
                                     <a:lumMod val="50000"/>
@@ -3833,7 +3811,7 @@
                         <m:sSub>
                           <m:sSubPr>
                             <m:ctrlPr>
-                              <a:rPr lang="en-US" sz="2800" smtClean="0">
+                              <a:rPr lang="en-US" sz="2800" i="1" smtClean="0">
                                 <a:solidFill>
                                   <a:schemeClr val="accent5">
                                     <a:lumMod val="50000"/>
@@ -3917,7 +3895,7 @@
                     <m:sSub>
                       <m:sSubPr>
                         <m:ctrlPr>
-                          <a:rPr lang="en-US" sz="3200">
+                          <a:rPr lang="en-US" sz="3200" i="1">
                             <a:solidFill>
                               <a:schemeClr val="accent5">
                                 <a:lumMod val="50000"/>
@@ -4004,7 +3982,7 @@
                     <m:sSub>
                       <m:sSubPr>
                         <m:ctrlPr>
-                          <a:rPr lang="en-US" sz="3200">
+                          <a:rPr lang="en-US" sz="3200" i="1">
                             <a:solidFill>
                               <a:schemeClr val="accent5">
                                 <a:lumMod val="50000"/>
@@ -4064,7 +4042,7 @@
                         <m:begChr m:val="{"/>
                         <m:endChr m:val="}"/>
                         <m:ctrlPr>
-                          <a:rPr lang="en-US" sz="3200" b="0" smtClean="0">
+                          <a:rPr lang="en-US" sz="3200" b="0" i="1" smtClean="0">
                             <a:solidFill>
                               <a:schemeClr val="accent5">
                                 <a:lumMod val="50000"/>
@@ -4091,7 +4069,7 @@
                         <m:sSub>
                           <m:sSubPr>
                             <m:ctrlPr>
-                              <a:rPr lang="en-US" sz="3200" b="0" smtClean="0">
+                              <a:rPr lang="en-US" sz="3200" b="0" i="1" smtClean="0">
                                 <a:solidFill>
                                   <a:schemeClr val="accent5">
                                     <a:lumMod val="50000"/>
@@ -4202,7 +4180,7 @@
                         <m:sSub>
                           <m:sSubPr>
                             <m:ctrlPr>
-                              <a:rPr lang="en-US" sz="3200" b="0" smtClean="0">
+                              <a:rPr lang="en-US" sz="3200" b="0" i="1" smtClean="0">
                                 <a:solidFill>
                                   <a:schemeClr val="accent5">
                                     <a:lumMod val="50000"/>
@@ -4248,7 +4226,7 @@
                         <m:d>
                           <m:dPr>
                             <m:ctrlPr>
-                              <a:rPr lang="en-US" sz="3200" b="0" smtClean="0">
+                              <a:rPr lang="en-US" sz="3200" b="0" i="1" smtClean="0">
                                 <a:solidFill>
                                   <a:schemeClr val="accent5">
                                     <a:lumMod val="50000"/>
@@ -4373,7 +4351,7 @@
                     <m:sSub>
                       <m:sSubPr>
                         <m:ctrlPr>
-                          <a:rPr lang="en-US" sz="2800">
+                          <a:rPr lang="en-US" sz="2800" i="1">
                             <a:solidFill>
                               <a:schemeClr val="accent5">
                                 <a:lumMod val="50000"/>
@@ -4529,7 +4507,7 @@
                         <m:begChr m:val="{"/>
                         <m:endChr m:val="}"/>
                         <m:ctrlPr>
-                          <a:rPr lang="en-US" sz="2800" smtClean="0">
+                          <a:rPr lang="en-US" sz="2800" i="1" smtClean="0">
                             <a:solidFill>
                               <a:schemeClr val="accent5">
                                 <a:lumMod val="50000"/>
@@ -4543,7 +4521,7 @@
                         <m:sSub>
                           <m:sSubPr>
                             <m:ctrlPr>
-                              <a:rPr lang="en-US" sz="2800">
+                              <a:rPr lang="en-US" sz="2800" i="1">
                                 <a:solidFill>
                                   <a:schemeClr val="accent5">
                                     <a:lumMod val="50000"/>
@@ -4665,7 +4643,7 @@
             </p:txBody>
           </p:sp>
         </mc:Choice>
-        <mc:Fallback>
+        <mc:Fallback xmlns="">
           <p:sp>
             <p:nvSpPr>
               <p:cNvPr id="3" name="Content Placeholder 2"/>
@@ -4924,8 +4902,8 @@
           </a:p>
         </p:txBody>
       </p:sp>
-      <mc:AlternateContent xmlns:mc="http://schemas.openxmlformats.org/markup-compatibility/2006">
-        <mc:Choice xmlns:a14="http://schemas.microsoft.com/office/drawing/2010/main" Requires="a14">
+      <mc:AlternateContent xmlns:mc="http://schemas.openxmlformats.org/markup-compatibility/2006" xmlns:a14="http://schemas.microsoft.com/office/drawing/2010/main">
+        <mc:Choice Requires="a14">
           <p:sp>
             <p:nvSpPr>
               <p:cNvPr id="3" name="Content Placeholder 2"/>
@@ -4966,17 +4944,7 @@
                       </a:schemeClr>
                     </a:solidFill>
                   </a:rPr>
-                  <a:t>undirected, unweighted and sel</a:t>
-                </a:r>
-                <a:r>
-                  <a:rPr lang="en-US" b="1" dirty="0" smtClean="0">
-                    <a:solidFill>
-                      <a:schemeClr val="accent5">
-                        <a:lumMod val="50000"/>
-                      </a:schemeClr>
-                    </a:solidFill>
-                  </a:rPr>
-                  <a:t>f-loop-less graphs</a:t>
+                  <a:t>undirected, unweighted and self-loop-less graphs</a:t>
                 </a:r>
                 <a:r>
                   <a:rPr lang="en-US" dirty="0" smtClean="0">
@@ -5266,7 +5234,7 @@
             </p:txBody>
           </p:sp>
         </mc:Choice>
-        <mc:Fallback>
+        <mc:Fallback xmlns="">
           <p:sp>
             <p:nvSpPr>
               <p:cNvPr id="3" name="Content Placeholder 2"/>
@@ -5951,17 +5919,7 @@
                       </a:schemeClr>
                     </a:solidFill>
                   </a:rPr>
-                  <a:t>onvert vector-valued signals to real-valued signals</a:t>
-                </a:r>
-                <a:r>
-                  <a:rPr lang="en-US" sz="2800" dirty="0" smtClean="0">
-                    <a:solidFill>
-                      <a:schemeClr val="accent5">
-                        <a:lumMod val="50000"/>
-                      </a:schemeClr>
-                    </a:solidFill>
-                  </a:rPr>
-                  <a:t>. </a:t>
+                  <a:t>onvert vector-valued signals to real-valued signals. </a:t>
                 </a:r>
                 <a:r>
                   <a:rPr lang="en-US" sz="2800" b="1" dirty="0" smtClean="0">
@@ -5996,17 +5954,7 @@
                       </a:schemeClr>
                     </a:solidFill>
                   </a:rPr>
-                  <a:t>For </a:t>
-                </a:r>
-                <a:r>
-                  <a:rPr lang="en-US" sz="2800" dirty="0" smtClean="0">
-                    <a:solidFill>
-                      <a:schemeClr val="accent5">
-                        <a:lumMod val="50000"/>
-                      </a:schemeClr>
-                    </a:solidFill>
-                  </a:rPr>
-                  <a:t>each </a:t>
+                  <a:t>For each </a:t>
                 </a:r>
                 <a14:m>
                   <m:oMath xmlns:m="http://schemas.openxmlformats.org/officeDocument/2006/math">
@@ -6081,27 +6029,7 @@
                       </a:schemeClr>
                     </a:solidFill>
                   </a:rPr>
-                  <a:t>Compute </a:t>
-                </a:r>
-                <a:r>
-                  <a:rPr lang="en-US" sz="2800" dirty="0" smtClean="0">
-                    <a:solidFill>
-                      <a:schemeClr val="accent5">
-                        <a:lumMod val="50000"/>
-                      </a:schemeClr>
-                    </a:solidFill>
-                  </a:rPr>
-                  <a:t>the (signed) </a:t>
-                </a:r>
-                <a:r>
-                  <a:rPr lang="en-US" sz="2800" dirty="0" smtClean="0">
-                    <a:solidFill>
-                      <a:schemeClr val="accent5">
-                        <a:lumMod val="50000"/>
-                      </a:schemeClr>
-                    </a:solidFill>
-                  </a:rPr>
-                  <a:t>incidence matrix </a:t>
+                  <a:t>Compute the (signed) incidence matrix </a:t>
                 </a:r>
                 <a14:m>
                   <m:oMath xmlns:m="http://schemas.openxmlformats.org/officeDocument/2006/math">
@@ -6521,11 +6449,9 @@
                     <m:sSub>
                       <m:sSubPr>
                         <m:ctrlPr>
-                          <a:rPr lang="en-US" sz="2800">
+                          <a:rPr lang="en-US" sz="2800" b="1" smtClean="0">
                             <a:solidFill>
-                              <a:schemeClr val="accent5">
-                                <a:lumMod val="50000"/>
-                              </a:schemeClr>
+                              <a:schemeClr val="accent2"/>
                             </a:solidFill>
                             <a:latin typeface="Cambria Math" panose="02040503050406030204" pitchFamily="18" charset="0"/>
                             <a:ea typeface="Cambria Math" panose="02040503050406030204" pitchFamily="18" charset="0"/>
@@ -6534,42 +6460,33 @@
                       </m:sSubPr>
                       <m:e>
                         <m:r>
-                          <a:rPr lang="en-US" sz="2800" i="0">
+                          <a:rPr lang="en-US" sz="2800" b="1" i="0">
                             <a:solidFill>
-                              <a:schemeClr val="accent5">
-                                <a:lumMod val="50000"/>
-                              </a:schemeClr>
+                              <a:schemeClr val="accent2"/>
                             </a:solidFill>
                             <a:latin typeface="Cambria Math" panose="02040503050406030204" pitchFamily="18" charset="0"/>
                             <a:ea typeface="Cambria Math" panose="02040503050406030204" pitchFamily="18" charset="0"/>
                           </a:rPr>
-                          <m:t>ℬ</m:t>
+                          <m:t>𝓑</m:t>
                         </m:r>
                       </m:e>
                       <m:sub>
                         <m:r>
-                          <m:rPr>
-                            <m:sty m:val="p"/>
-                          </m:rPr>
-                          <a:rPr lang="en-US" sz="2800" i="0">
+                          <a:rPr lang="en-US" sz="2800" b="1" i="0">
                             <a:solidFill>
-                              <a:schemeClr val="accent5">
-                                <a:lumMod val="50000"/>
-                              </a:schemeClr>
+                              <a:schemeClr val="accent2"/>
                             </a:solidFill>
                             <a:latin typeface="Cambria Math" panose="02040503050406030204" pitchFamily="18" charset="0"/>
                             <a:ea typeface="Cambria Math" panose="02040503050406030204" pitchFamily="18" charset="0"/>
                           </a:rPr>
-                          <m:t>K</m:t>
+                          <m:t>𝐊</m:t>
                         </m:r>
                       </m:sub>
                     </m:sSub>
                     <m:r>
-                      <a:rPr lang="en-US" sz="2800" i="0" smtClean="0">
+                      <a:rPr lang="en-US" sz="2800" b="1" i="0" smtClean="0">
                         <a:solidFill>
-                          <a:schemeClr val="accent5">
-                            <a:lumMod val="50000"/>
-                          </a:schemeClr>
+                          <a:schemeClr val="accent2"/>
                         </a:solidFill>
                         <a:latin typeface="Cambria Math" panose="02040503050406030204" pitchFamily="18" charset="0"/>
                         <a:ea typeface="Cambria Math" panose="02040503050406030204" pitchFamily="18" charset="0"/>
@@ -6579,11 +6496,9 @@
                     <m:sSub>
                       <m:sSubPr>
                         <m:ctrlPr>
-                          <a:rPr lang="en-US" sz="2800" smtClean="0">
+                          <a:rPr lang="en-US" sz="2800" b="1" smtClean="0">
                             <a:solidFill>
-                              <a:schemeClr val="accent5">
-                                <a:lumMod val="50000"/>
-                              </a:schemeClr>
+                              <a:schemeClr val="accent2"/>
                             </a:solidFill>
                             <a:latin typeface="Cambria Math" panose="02040503050406030204" pitchFamily="18" charset="0"/>
                             <a:ea typeface="Cambria Math" panose="02040503050406030204" pitchFamily="18" charset="0"/>
@@ -6595,11 +6510,9 @@
                           <m:accPr>
                             <m:chr m:val="̂"/>
                             <m:ctrlPr>
-                              <a:rPr lang="en-US" sz="2800" smtClean="0">
+                              <a:rPr lang="en-US" sz="2800" b="1" smtClean="0">
                                 <a:solidFill>
-                                  <a:schemeClr val="accent5">
-                                    <a:lumMod val="50000"/>
-                                  </a:schemeClr>
+                                  <a:schemeClr val="accent2"/>
                                 </a:solidFill>
                                 <a:latin typeface="Cambria Math" panose="02040503050406030204" pitchFamily="18" charset="0"/>
                                 <a:ea typeface="Cambria Math" panose="02040503050406030204" pitchFamily="18" charset="0"/>
@@ -6608,61 +6521,57 @@
                           </m:accPr>
                           <m:e>
                             <m:r>
-                              <m:rPr>
-                                <m:sty m:val="p"/>
-                              </m:rPr>
-                              <a:rPr lang="en-US" sz="2800" b="0" i="0" smtClean="0">
+                              <a:rPr lang="en-US" sz="2800" b="1" i="0" smtClean="0">
                                 <a:solidFill>
-                                  <a:schemeClr val="accent5">
-                                    <a:lumMod val="50000"/>
-                                  </a:schemeClr>
+                                  <a:schemeClr val="accent2"/>
                                 </a:solidFill>
                                 <a:latin typeface="Cambria Math" panose="02040503050406030204" pitchFamily="18" charset="0"/>
                                 <a:ea typeface="Cambria Math" panose="02040503050406030204" pitchFamily="18" charset="0"/>
                               </a:rPr>
-                              <m:t>f</m:t>
+                              <m:t>𝐟</m:t>
                             </m:r>
                           </m:e>
                         </m:acc>
                       </m:e>
                       <m:sub>
                         <m:r>
-                          <m:rPr>
-                            <m:sty m:val="p"/>
-                          </m:rPr>
-                          <a:rPr lang="en-US" sz="2800" b="0" i="0" smtClean="0">
+                          <a:rPr lang="en-US" sz="2800" b="1" i="0" smtClean="0">
                             <a:solidFill>
-                              <a:schemeClr val="accent5">
-                                <a:lumMod val="50000"/>
-                              </a:schemeClr>
+                              <a:schemeClr val="accent2"/>
                             </a:solidFill>
                             <a:latin typeface="Cambria Math" panose="02040503050406030204" pitchFamily="18" charset="0"/>
                             <a:ea typeface="Cambria Math" panose="02040503050406030204" pitchFamily="18" charset="0"/>
                           </a:rPr>
-                          <m:t>K</m:t>
+                          <m:t>𝐊</m:t>
                         </m:r>
                       </m:sub>
                     </m:sSub>
                     <m:r>
-                      <a:rPr lang="en-US" sz="2800" b="0" i="0" smtClean="0">
+                      <a:rPr lang="en-US" sz="2800" b="1" i="0" smtClean="0">
                         <a:solidFill>
-                          <a:schemeClr val="accent5">
-                            <a:lumMod val="50000"/>
-                          </a:schemeClr>
+                          <a:schemeClr val="accent2"/>
                         </a:solidFill>
                         <a:latin typeface="Cambria Math" panose="02040503050406030204" pitchFamily="18" charset="0"/>
                         <a:ea typeface="Cambria Math" panose="02040503050406030204" pitchFamily="18" charset="0"/>
                       </a:rPr>
-                      <m:t>=∇</m:t>
+                      <m:t>=</m:t>
+                    </m:r>
+                    <m:r>
+                      <a:rPr lang="en-US" sz="2800" b="1" i="0" smtClean="0">
+                        <a:solidFill>
+                          <a:schemeClr val="accent2"/>
+                        </a:solidFill>
+                        <a:latin typeface="Cambria Math" panose="02040503050406030204" pitchFamily="18" charset="0"/>
+                        <a:ea typeface="Cambria Math" panose="02040503050406030204" pitchFamily="18" charset="0"/>
+                      </a:rPr>
+                      <m:t>𝛁</m:t>
                     </m:r>
                     <m:sSub>
                       <m:sSubPr>
                         <m:ctrlPr>
-                          <a:rPr lang="en-US" sz="2800" b="0" smtClean="0">
+                          <a:rPr lang="en-US" sz="2800" b="1" smtClean="0">
                             <a:solidFill>
-                              <a:schemeClr val="accent5">
-                                <a:lumMod val="50000"/>
-                              </a:schemeClr>
+                              <a:schemeClr val="accent2"/>
                             </a:solidFill>
                             <a:latin typeface="Cambria Math" panose="02040503050406030204" pitchFamily="18" charset="0"/>
                             <a:ea typeface="Cambria Math" panose="02040503050406030204" pitchFamily="18" charset="0"/>
@@ -6671,36 +6580,26 @@
                       </m:sSubPr>
                       <m:e>
                         <m:r>
-                          <m:rPr>
-                            <m:sty m:val="p"/>
-                          </m:rPr>
-                          <a:rPr lang="en-US" sz="2800" b="0" i="0" smtClean="0">
+                          <a:rPr lang="en-US" sz="2800" b="1" i="0" smtClean="0">
                             <a:solidFill>
-                              <a:schemeClr val="accent5">
-                                <a:lumMod val="50000"/>
-                              </a:schemeClr>
+                              <a:schemeClr val="accent2"/>
                             </a:solidFill>
                             <a:latin typeface="Cambria Math" panose="02040503050406030204" pitchFamily="18" charset="0"/>
                             <a:ea typeface="Cambria Math" panose="02040503050406030204" pitchFamily="18" charset="0"/>
                           </a:rPr>
-                          <m:t>s</m:t>
+                          <m:t>𝐬</m:t>
                         </m:r>
                       </m:e>
                       <m:sub>
                         <m:r>
-                          <m:rPr>
-                            <m:sty m:val="p"/>
-                          </m:rPr>
-                          <a:rPr lang="en-US" sz="2800" b="0" i="0" smtClean="0">
+                          <a:rPr lang="en-US" sz="2800" b="1" i="0" smtClean="0">
                             <a:solidFill>
-                              <a:schemeClr val="accent5">
-                                <a:lumMod val="50000"/>
-                              </a:schemeClr>
+                              <a:schemeClr val="accent2"/>
                             </a:solidFill>
                             <a:latin typeface="Cambria Math" panose="02040503050406030204" pitchFamily="18" charset="0"/>
                             <a:ea typeface="Cambria Math" panose="02040503050406030204" pitchFamily="18" charset="0"/>
                           </a:rPr>
-                          <m:t>K</m:t>
+                          <m:t>𝐊</m:t>
                         </m:r>
                       </m:sub>
                     </m:sSub>
@@ -6721,11 +6620,9 @@
                     <m:sSub>
                       <m:sSubPr>
                         <m:ctrlPr>
-                          <a:rPr lang="en-US" sz="2800">
+                          <a:rPr lang="en-US" sz="2800" b="1" smtClean="0">
                             <a:solidFill>
-                              <a:schemeClr val="accent5">
-                                <a:lumMod val="50000"/>
-                              </a:schemeClr>
+                              <a:schemeClr val="accent2"/>
                             </a:solidFill>
                             <a:latin typeface="Cambria Math" panose="02040503050406030204" pitchFamily="18" charset="0"/>
                             <a:ea typeface="Cambria Math" panose="02040503050406030204" pitchFamily="18" charset="0"/>
@@ -6737,11 +6634,9 @@
                           <m:accPr>
                             <m:chr m:val="̂"/>
                             <m:ctrlPr>
-                              <a:rPr lang="en-US" sz="2800">
+                              <a:rPr lang="en-US" sz="2800" b="1">
                                 <a:solidFill>
-                                  <a:schemeClr val="accent5">
-                                    <a:lumMod val="50000"/>
-                                  </a:schemeClr>
+                                  <a:schemeClr val="accent2"/>
                                 </a:solidFill>
                                 <a:latin typeface="Cambria Math" panose="02040503050406030204" pitchFamily="18" charset="0"/>
                                 <a:ea typeface="Cambria Math" panose="02040503050406030204" pitchFamily="18" charset="0"/>
@@ -6750,44 +6645,42 @@
                           </m:accPr>
                           <m:e>
                             <m:r>
-                              <m:rPr>
-                                <m:sty m:val="p"/>
-                              </m:rPr>
-                              <a:rPr lang="en-US" sz="2800" i="0">
+                              <a:rPr lang="en-US" sz="2800" b="1" i="0">
                                 <a:solidFill>
-                                  <a:schemeClr val="accent5">
-                                    <a:lumMod val="50000"/>
-                                  </a:schemeClr>
+                                  <a:schemeClr val="accent2"/>
                                 </a:solidFill>
                                 <a:latin typeface="Cambria Math" panose="02040503050406030204" pitchFamily="18" charset="0"/>
                                 <a:ea typeface="Cambria Math" panose="02040503050406030204" pitchFamily="18" charset="0"/>
                               </a:rPr>
-                              <m:t>f</m:t>
+                              <m:t>𝐟</m:t>
                             </m:r>
                           </m:e>
                         </m:acc>
                       </m:e>
                       <m:sub>
                         <m:r>
-                          <m:rPr>
-                            <m:sty m:val="p"/>
-                          </m:rPr>
-                          <a:rPr lang="en-US" sz="2800" i="0">
+                          <a:rPr lang="en-US" sz="2800" b="1" i="0">
                             <a:solidFill>
-                              <a:schemeClr val="accent5">
-                                <a:lumMod val="50000"/>
-                              </a:schemeClr>
+                              <a:schemeClr val="accent2"/>
                             </a:solidFill>
                             <a:latin typeface="Cambria Math" panose="02040503050406030204" pitchFamily="18" charset="0"/>
                             <a:ea typeface="Cambria Math" panose="02040503050406030204" pitchFamily="18" charset="0"/>
                           </a:rPr>
-                          <m:t>K</m:t>
+                          <m:t>𝐊</m:t>
                         </m:r>
                       </m:sub>
                     </m:sSub>
                   </m:oMath>
                 </a14:m>
                 <a:r>
+                  <a:rPr lang="en-US" sz="2800" b="1" dirty="0" smtClean="0">
+                    <a:solidFill>
+                      <a:schemeClr val="accent2"/>
+                    </a:solidFill>
+                  </a:rPr>
+                  <a:t> is desired real-valued signal</a:t>
+                </a:r>
+                <a:r>
                   <a:rPr lang="en-US" sz="2800" dirty="0" smtClean="0">
                     <a:solidFill>
                       <a:schemeClr val="accent5">
@@ -6795,7 +6688,7 @@
                       </a:schemeClr>
                     </a:solidFill>
                   </a:rPr>
-                  <a:t> is desired real-valued signal, and </a:t>
+                  <a:t>, and </a:t>
                 </a:r>
                 <a14:m>
                   <m:oMath xmlns:m="http://schemas.openxmlformats.org/officeDocument/2006/math">
@@ -7415,7 +7308,274 @@
   <p:timing>
     <p:tnLst>
       <p:par>
-        <p:cTn id="1" dur="indefinite" restart="never" nodeType="tmRoot"/>
+        <p:cTn id="1" dur="indefinite" restart="never" nodeType="tmRoot">
+          <p:childTnLst>
+            <p:seq concurrent="1" nextAc="seek">
+              <p:cTn id="2" dur="indefinite" nodeType="mainSeq">
+                <p:childTnLst>
+                  <p:par>
+                    <p:cTn id="3" fill="hold">
+                      <p:stCondLst>
+                        <p:cond delay="indefinite"/>
+                      </p:stCondLst>
+                      <p:childTnLst>
+                        <p:par>
+                          <p:cTn id="4" fill="hold">
+                            <p:stCondLst>
+                              <p:cond delay="0"/>
+                            </p:stCondLst>
+                            <p:childTnLst>
+                              <p:par>
+                                <p:cTn id="5" presetID="10" presetClass="entr" presetSubtype="0" fill="hold" nodeType="clickEffect">
+                                  <p:stCondLst>
+                                    <p:cond delay="0"/>
+                                  </p:stCondLst>
+                                  <p:childTnLst>
+                                    <p:set>
+                                      <p:cBhvr>
+                                        <p:cTn id="6" dur="1" fill="hold">
+                                          <p:stCondLst>
+                                            <p:cond delay="0"/>
+                                          </p:stCondLst>
+                                        </p:cTn>
+                                        <p:tgtEl>
+                                          <p:spTgt spid="3">
+                                            <p:txEl>
+                                              <p:pRg st="4" end="4"/>
+                                            </p:txEl>
+                                          </p:spTgt>
+                                        </p:tgtEl>
+                                        <p:attrNameLst>
+                                          <p:attrName>style.visibility</p:attrName>
+                                        </p:attrNameLst>
+                                      </p:cBhvr>
+                                      <p:to>
+                                        <p:strVal val="visible"/>
+                                      </p:to>
+                                    </p:set>
+                                    <p:animEffect transition="in" filter="fade">
+                                      <p:cBhvr>
+                                        <p:cTn id="7" dur="500"/>
+                                        <p:tgtEl>
+                                          <p:spTgt spid="3">
+                                            <p:txEl>
+                                              <p:pRg st="4" end="4"/>
+                                            </p:txEl>
+                                          </p:spTgt>
+                                        </p:tgtEl>
+                                      </p:cBhvr>
+                                    </p:animEffect>
+                                  </p:childTnLst>
+                                </p:cTn>
+                              </p:par>
+                            </p:childTnLst>
+                          </p:cTn>
+                        </p:par>
+                      </p:childTnLst>
+                    </p:cTn>
+                  </p:par>
+                  <p:par>
+                    <p:cTn id="8" fill="hold">
+                      <p:stCondLst>
+                        <p:cond delay="indefinite"/>
+                      </p:stCondLst>
+                      <p:childTnLst>
+                        <p:par>
+                          <p:cTn id="9" fill="hold">
+                            <p:stCondLst>
+                              <p:cond delay="0"/>
+                            </p:stCondLst>
+                            <p:childTnLst>
+                              <p:par>
+                                <p:cTn id="10" presetID="10" presetClass="entr" presetSubtype="0" fill="hold" nodeType="clickEffect">
+                                  <p:stCondLst>
+                                    <p:cond delay="0"/>
+                                  </p:stCondLst>
+                                  <p:childTnLst>
+                                    <p:set>
+                                      <p:cBhvr>
+                                        <p:cTn id="11" dur="1" fill="hold">
+                                          <p:stCondLst>
+                                            <p:cond delay="0"/>
+                                          </p:stCondLst>
+                                        </p:cTn>
+                                        <p:tgtEl>
+                                          <p:spTgt spid="3">
+                                            <p:txEl>
+                                              <p:pRg st="5" end="5"/>
+                                            </p:txEl>
+                                          </p:spTgt>
+                                        </p:tgtEl>
+                                        <p:attrNameLst>
+                                          <p:attrName>style.visibility</p:attrName>
+                                        </p:attrNameLst>
+                                      </p:cBhvr>
+                                      <p:to>
+                                        <p:strVal val="visible"/>
+                                      </p:to>
+                                    </p:set>
+                                    <p:animEffect transition="in" filter="fade">
+                                      <p:cBhvr>
+                                        <p:cTn id="12" dur="500"/>
+                                        <p:tgtEl>
+                                          <p:spTgt spid="3">
+                                            <p:txEl>
+                                              <p:pRg st="5" end="5"/>
+                                            </p:txEl>
+                                          </p:spTgt>
+                                        </p:tgtEl>
+                                      </p:cBhvr>
+                                    </p:animEffect>
+                                  </p:childTnLst>
+                                </p:cTn>
+                              </p:par>
+                            </p:childTnLst>
+                          </p:cTn>
+                        </p:par>
+                      </p:childTnLst>
+                    </p:cTn>
+                  </p:par>
+                  <p:par>
+                    <p:cTn id="13" fill="hold">
+                      <p:stCondLst>
+                        <p:cond delay="indefinite"/>
+                      </p:stCondLst>
+                      <p:childTnLst>
+                        <p:par>
+                          <p:cTn id="14" fill="hold">
+                            <p:stCondLst>
+                              <p:cond delay="0"/>
+                            </p:stCondLst>
+                            <p:childTnLst>
+                              <p:par>
+                                <p:cTn id="15" presetID="10" presetClass="entr" presetSubtype="0" fill="hold" nodeType="clickEffect">
+                                  <p:stCondLst>
+                                    <p:cond delay="0"/>
+                                  </p:stCondLst>
+                                  <p:childTnLst>
+                                    <p:set>
+                                      <p:cBhvr>
+                                        <p:cTn id="16" dur="1" fill="hold">
+                                          <p:stCondLst>
+                                            <p:cond delay="0"/>
+                                          </p:stCondLst>
+                                        </p:cTn>
+                                        <p:tgtEl>
+                                          <p:spTgt spid="3">
+                                            <p:txEl>
+                                              <p:pRg st="6" end="6"/>
+                                            </p:txEl>
+                                          </p:spTgt>
+                                        </p:tgtEl>
+                                        <p:attrNameLst>
+                                          <p:attrName>style.visibility</p:attrName>
+                                        </p:attrNameLst>
+                                      </p:cBhvr>
+                                      <p:to>
+                                        <p:strVal val="visible"/>
+                                      </p:to>
+                                    </p:set>
+                                    <p:animEffect transition="in" filter="fade">
+                                      <p:cBhvr>
+                                        <p:cTn id="17" dur="500"/>
+                                        <p:tgtEl>
+                                          <p:spTgt spid="3">
+                                            <p:txEl>
+                                              <p:pRg st="6" end="6"/>
+                                            </p:txEl>
+                                          </p:spTgt>
+                                        </p:tgtEl>
+                                      </p:cBhvr>
+                                    </p:animEffect>
+                                  </p:childTnLst>
+                                </p:cTn>
+                              </p:par>
+                            </p:childTnLst>
+                          </p:cTn>
+                        </p:par>
+                      </p:childTnLst>
+                    </p:cTn>
+                  </p:par>
+                  <p:par>
+                    <p:cTn id="18" fill="hold">
+                      <p:stCondLst>
+                        <p:cond delay="indefinite"/>
+                      </p:stCondLst>
+                      <p:childTnLst>
+                        <p:par>
+                          <p:cTn id="19" fill="hold">
+                            <p:stCondLst>
+                              <p:cond delay="0"/>
+                            </p:stCondLst>
+                            <p:childTnLst>
+                              <p:par>
+                                <p:cTn id="20" presetID="10" presetClass="entr" presetSubtype="0" fill="hold" nodeType="clickEffect">
+                                  <p:stCondLst>
+                                    <p:cond delay="0"/>
+                                  </p:stCondLst>
+                                  <p:childTnLst>
+                                    <p:set>
+                                      <p:cBhvr>
+                                        <p:cTn id="21" dur="1" fill="hold">
+                                          <p:stCondLst>
+                                            <p:cond delay="0"/>
+                                          </p:stCondLst>
+                                        </p:cTn>
+                                        <p:tgtEl>
+                                          <p:spTgt spid="3">
+                                            <p:txEl>
+                                              <p:pRg st="7" end="7"/>
+                                            </p:txEl>
+                                          </p:spTgt>
+                                        </p:tgtEl>
+                                        <p:attrNameLst>
+                                          <p:attrName>style.visibility</p:attrName>
+                                        </p:attrNameLst>
+                                      </p:cBhvr>
+                                      <p:to>
+                                        <p:strVal val="visible"/>
+                                      </p:to>
+                                    </p:set>
+                                    <p:animEffect transition="in" filter="fade">
+                                      <p:cBhvr>
+                                        <p:cTn id="22" dur="500"/>
+                                        <p:tgtEl>
+                                          <p:spTgt spid="3">
+                                            <p:txEl>
+                                              <p:pRg st="7" end="7"/>
+                                            </p:txEl>
+                                          </p:spTgt>
+                                        </p:tgtEl>
+                                      </p:cBhvr>
+                                    </p:animEffect>
+                                  </p:childTnLst>
+                                </p:cTn>
+                              </p:par>
+                            </p:childTnLst>
+                          </p:cTn>
+                        </p:par>
+                      </p:childTnLst>
+                    </p:cTn>
+                  </p:par>
+                </p:childTnLst>
+              </p:cTn>
+              <p:prevCondLst>
+                <p:cond evt="onPrev" delay="0">
+                  <p:tgtEl>
+                    <p:sldTgt/>
+                  </p:tgtEl>
+                </p:cond>
+              </p:prevCondLst>
+              <p:nextCondLst>
+                <p:cond evt="onNext" delay="0">
+                  <p:tgtEl>
+                    <p:sldTgt/>
+                  </p:tgtEl>
+                </p:cond>
+              </p:nextCondLst>
+            </p:seq>
+          </p:childTnLst>
+        </p:cTn>
       </p:par>
     </p:tnLst>
   </p:timing>
@@ -7527,17 +7687,7 @@
                       </a:schemeClr>
                     </a:solidFill>
                   </a:rPr>
-                  <a:t>Convert vector-valued signals to real-valued signals. </a:t>
-                </a:r>
-                <a:r>
-                  <a:rPr lang="en-US" sz="2800" dirty="0" smtClean="0">
-                    <a:solidFill>
-                      <a:schemeClr val="accent5">
-                        <a:lumMod val="50000"/>
-                      </a:schemeClr>
-                    </a:solidFill>
-                  </a:rPr>
-                  <a:t>Instead of solving a linear least square problem, </a:t>
+                  <a:t>Convert vector-valued signals to real-valued signals. Instead of solving a linear least square problem, </a:t>
                 </a:r>
                 <a:r>
                   <a:rPr lang="en-US" sz="2800" b="1" dirty="0" smtClean="0">
@@ -7545,15 +7695,7 @@
                       <a:schemeClr val="accent5"/>
                     </a:solidFill>
                   </a:rPr>
-                  <a:t>use local </a:t>
-                </a:r>
-                <a:r>
-                  <a:rPr lang="en-US" sz="2800" b="1" dirty="0" smtClean="0">
-                    <a:solidFill>
-                      <a:schemeClr val="accent5"/>
-                    </a:solidFill>
-                  </a:rPr>
-                  <a:t>aggregations to approximate the desired real-valued signals</a:t>
+                  <a:t>use local aggregations to approximate the desired real-valued signals</a:t>
                 </a:r>
                 <a:r>
                   <a:rPr lang="en-US" sz="2800" dirty="0" smtClean="0">
@@ -7597,7 +7739,7 @@
                     <m:sSub>
                       <m:sSubPr>
                         <m:ctrlPr>
-                          <a:rPr lang="en-US" sz="2800">
+                          <a:rPr lang="en-US" sz="2800" i="1">
                             <a:solidFill>
                               <a:schemeClr val="accent5">
                                 <a:lumMod val="50000"/>
@@ -7684,7 +7826,7 @@
                     <m:sSub>
                       <m:sSubPr>
                         <m:ctrlPr>
-                          <a:rPr lang="en-US" sz="2800" smtClean="0">
+                          <a:rPr lang="en-US" sz="2800" i="1" smtClean="0">
                             <a:solidFill>
                               <a:schemeClr val="accent5">
                                 <a:lumMod val="50000"/>
@@ -7745,7 +7887,7 @@
                     <m:sSub>
                       <m:sSubPr>
                         <m:ctrlPr>
-                          <a:rPr lang="en-US" sz="2800">
+                          <a:rPr lang="en-US" sz="2800" i="1">
                             <a:solidFill>
                               <a:schemeClr val="accent5">
                                 <a:lumMod val="50000"/>
@@ -7810,12 +7952,12 @@
                         <a:latin typeface="Cambria Math" panose="02040503050406030204" pitchFamily="18" charset="0"/>
                         <a:ea typeface="Cambria Math" panose="02040503050406030204" pitchFamily="18" charset="0"/>
                       </a:rPr>
-                      <m:t>∇</m:t>
+                      <m:t>𝛻</m:t>
                     </m:r>
                     <m:sSub>
                       <m:sSubPr>
                         <m:ctrlPr>
-                          <a:rPr lang="en-US" sz="2800">
+                          <a:rPr lang="en-US" sz="2800" i="1">
                             <a:solidFill>
                               <a:schemeClr val="accent5">
                                 <a:lumMod val="50000"/>
@@ -7878,7 +8020,7 @@
                     <m:d>
                       <m:dPr>
                         <m:ctrlPr>
-                          <a:rPr lang="en-US" sz="2800" smtClean="0">
+                          <a:rPr lang="en-US" sz="2800" i="1" smtClean="0">
                             <a:solidFill>
                               <a:schemeClr val="accent5">
                                 <a:lumMod val="50000"/>
@@ -7922,7 +8064,7 @@
                     <m:d>
                       <m:dPr>
                         <m:ctrlPr>
-                          <a:rPr lang="en-US" sz="2800" smtClean="0">
+                          <a:rPr lang="en-US" sz="2800" i="1" smtClean="0">
                             <a:solidFill>
                               <a:schemeClr val="accent5">
                                 <a:lumMod val="50000"/>
@@ -7968,7 +8110,7 @@
                         <m:chr m:val="∑"/>
                         <m:supHide m:val="on"/>
                         <m:ctrlPr>
-                          <a:rPr lang="en-US" sz="2800" b="0" smtClean="0">
+                          <a:rPr lang="en-US" sz="2800" b="0" i="1" smtClean="0">
                             <a:solidFill>
                               <a:schemeClr val="accent5">
                                 <a:lumMod val="50000"/>
@@ -8043,7 +8185,7 @@
                         <m:d>
                           <m:dPr>
                             <m:ctrlPr>
-                              <a:rPr lang="en-US" sz="2800" b="0" smtClean="0">
+                              <a:rPr lang="en-US" sz="2800" b="0" i="1" smtClean="0">
                                 <a:solidFill>
                                   <a:schemeClr val="accent5">
                                     <a:lumMod val="50000"/>
@@ -8065,7 +8207,7 @@
                                 <a:latin typeface="Cambria Math" panose="02040503050406030204" pitchFamily="18" charset="0"/>
                                 <a:ea typeface="Cambria Math" panose="02040503050406030204" pitchFamily="18" charset="0"/>
                               </a:rPr>
-                              <m:t>∇</m:t>
+                              <m:t>𝛻</m:t>
                             </m:r>
                             <m:r>
                               <m:rPr>
@@ -8087,7 +8229,7 @@
                         <m:d>
                           <m:dPr>
                             <m:ctrlPr>
-                              <a:rPr lang="en-US" sz="2800">
+                              <a:rPr lang="en-US" sz="2800" i="1">
                                 <a:solidFill>
                                   <a:schemeClr val="accent5">
                                     <a:lumMod val="50000"/>
@@ -8177,11 +8319,9 @@
                     <m:sSub>
                       <m:sSubPr>
                         <m:ctrlPr>
-                          <a:rPr lang="en-US" sz="2800">
+                          <a:rPr lang="en-US" sz="2800" b="1" i="1" smtClean="0">
                             <a:solidFill>
-                              <a:schemeClr val="accent5">
-                                <a:lumMod val="50000"/>
-                              </a:schemeClr>
+                              <a:schemeClr val="accent2"/>
                             </a:solidFill>
                             <a:latin typeface="Cambria Math" panose="02040503050406030204" pitchFamily="18" charset="0"/>
                             <a:ea typeface="Cambria Math" panose="02040503050406030204" pitchFamily="18" charset="0"/>
@@ -8193,11 +8333,9 @@
                           <m:accPr>
                             <m:chr m:val="̂"/>
                             <m:ctrlPr>
-                              <a:rPr lang="en-US" sz="2800">
+                              <a:rPr lang="en-US" sz="2800" b="1" i="1">
                                 <a:solidFill>
-                                  <a:schemeClr val="accent5">
-                                    <a:lumMod val="50000"/>
-                                  </a:schemeClr>
+                                  <a:schemeClr val="accent2"/>
                                 </a:solidFill>
                                 <a:latin typeface="Cambria Math" panose="02040503050406030204" pitchFamily="18" charset="0"/>
                                 <a:ea typeface="Cambria Math" panose="02040503050406030204" pitchFamily="18" charset="0"/>
@@ -8206,49 +8344,37 @@
                           </m:accPr>
                           <m:e>
                             <m:r>
-                              <m:rPr>
-                                <m:sty m:val="p"/>
-                              </m:rPr>
-                              <a:rPr lang="en-US" sz="2800" i="0">
+                              <a:rPr lang="en-US" sz="2800" b="1" i="0">
                                 <a:solidFill>
-                                  <a:schemeClr val="accent5">
-                                    <a:lumMod val="50000"/>
-                                  </a:schemeClr>
+                                  <a:schemeClr val="accent2"/>
                                 </a:solidFill>
                                 <a:latin typeface="Cambria Math" panose="02040503050406030204" pitchFamily="18" charset="0"/>
                                 <a:ea typeface="Cambria Math" panose="02040503050406030204" pitchFamily="18" charset="0"/>
                               </a:rPr>
-                              <m:t>f</m:t>
+                              <m:t>𝐟</m:t>
                             </m:r>
                           </m:e>
                         </m:acc>
                       </m:e>
                       <m:sub>
                         <m:r>
-                          <m:rPr>
-                            <m:sty m:val="p"/>
-                          </m:rPr>
-                          <a:rPr lang="en-US" sz="2800" i="0">
+                          <a:rPr lang="en-US" sz="2800" b="1" i="0">
                             <a:solidFill>
-                              <a:schemeClr val="accent5">
-                                <a:lumMod val="50000"/>
-                              </a:schemeClr>
+                              <a:schemeClr val="accent2"/>
                             </a:solidFill>
                             <a:latin typeface="Cambria Math" panose="02040503050406030204" pitchFamily="18" charset="0"/>
                             <a:ea typeface="Cambria Math" panose="02040503050406030204" pitchFamily="18" charset="0"/>
                           </a:rPr>
-                          <m:t>K</m:t>
+                          <m:t>𝐊</m:t>
                         </m:r>
                       </m:sub>
                     </m:sSub>
                     <m:d>
                       <m:dPr>
                         <m:ctrlPr>
-                          <a:rPr lang="en-US" sz="2800" smtClean="0">
+                          <a:rPr lang="en-US" sz="2800" b="1" i="1" smtClean="0">
                             <a:solidFill>
-                              <a:schemeClr val="accent5">
-                                <a:lumMod val="50000"/>
-                              </a:schemeClr>
+                              <a:schemeClr val="accent2"/>
                             </a:solidFill>
                             <a:latin typeface="Cambria Math" panose="02040503050406030204" pitchFamily="18" charset="0"/>
                             <a:ea typeface="Cambria Math" panose="02040503050406030204" pitchFamily="18" charset="0"/>
@@ -8257,28 +8383,21 @@
                       </m:dPr>
                       <m:e>
                         <m:r>
-                          <m:rPr>
-                            <m:sty m:val="p"/>
-                          </m:rPr>
-                          <a:rPr lang="en-US" sz="2800" b="0" i="0" smtClean="0">
+                          <a:rPr lang="en-US" sz="2800" b="1" i="0" smtClean="0">
                             <a:solidFill>
-                              <a:schemeClr val="accent5">
-                                <a:lumMod val="50000"/>
-                              </a:schemeClr>
+                              <a:schemeClr val="accent2"/>
                             </a:solidFill>
                             <a:latin typeface="Cambria Math" panose="02040503050406030204" pitchFamily="18" charset="0"/>
                             <a:ea typeface="Cambria Math" panose="02040503050406030204" pitchFamily="18" charset="0"/>
                           </a:rPr>
-                          <m:t>v</m:t>
+                          <m:t>𝐯</m:t>
                         </m:r>
                       </m:e>
                     </m:d>
                     <m:r>
-                      <a:rPr lang="en-US" sz="2800" b="0" i="0" smtClean="0">
+                      <a:rPr lang="en-US" sz="2800" b="1" i="0" smtClean="0">
                         <a:solidFill>
-                          <a:schemeClr val="accent5">
-                            <a:lumMod val="50000"/>
-                          </a:schemeClr>
+                          <a:schemeClr val="accent2"/>
                         </a:solidFill>
                         <a:latin typeface="Cambria Math" panose="02040503050406030204" pitchFamily="18" charset="0"/>
                         <a:ea typeface="Cambria Math" panose="02040503050406030204" pitchFamily="18" charset="0"/>
@@ -8286,11 +8405,9 @@
                       <m:t>=</m:t>
                     </m:r>
                     <m:r>
-                      <a:rPr lang="en-US" sz="2800" b="0" i="0" smtClean="0">
+                      <a:rPr lang="en-US" sz="2800" b="1" i="0" smtClean="0">
                         <a:solidFill>
-                          <a:schemeClr val="accent5">
-                            <a:lumMod val="50000"/>
-                          </a:schemeClr>
+                          <a:schemeClr val="accent2"/>
                         </a:solidFill>
                         <a:latin typeface="Cambria Math" panose="02040503050406030204" pitchFamily="18" charset="0"/>
                         <a:ea typeface="Cambria Math" panose="02040503050406030204" pitchFamily="18" charset="0"/>
@@ -8302,11 +8419,9 @@
                         <m:begChr m:val="["/>
                         <m:endChr m:val="]"/>
                         <m:ctrlPr>
-                          <a:rPr lang="en-US" sz="2800" b="0" smtClean="0">
+                          <a:rPr lang="en-US" sz="2800" b="1" i="1" smtClean="0">
                             <a:solidFill>
-                              <a:schemeClr val="accent5">
-                                <a:lumMod val="50000"/>
-                              </a:schemeClr>
+                              <a:schemeClr val="accent2"/>
                             </a:solidFill>
                             <a:latin typeface="Cambria Math" panose="02040503050406030204" pitchFamily="18" charset="0"/>
                             <a:ea typeface="Cambria Math" panose="02040503050406030204" pitchFamily="18" charset="0"/>
@@ -8317,11 +8432,9 @@
                         <m:d>
                           <m:dPr>
                             <m:ctrlPr>
-                              <a:rPr lang="en-US" sz="2800">
+                              <a:rPr lang="en-US" sz="2800" b="1" i="1">
                                 <a:solidFill>
-                                  <a:schemeClr val="accent5">
-                                    <a:lumMod val="50000"/>
-                                  </a:schemeClr>
+                                  <a:schemeClr val="accent2"/>
                                 </a:solidFill>
                                 <a:latin typeface="Cambria Math" panose="02040503050406030204" pitchFamily="18" charset="0"/>
                                 <a:ea typeface="Cambria Math" panose="02040503050406030204" pitchFamily="18" charset="0"/>
@@ -8330,42 +8443,33 @@
                           </m:dPr>
                           <m:e>
                             <m:r>
-                              <a:rPr lang="en-US" sz="2800" i="0">
+                              <a:rPr lang="en-US" sz="2800" b="1" i="0">
                                 <a:solidFill>
-                                  <a:schemeClr val="accent5">
-                                    <a:lumMod val="50000"/>
-                                  </a:schemeClr>
+                                  <a:schemeClr val="accent2"/>
                                 </a:solidFill>
                                 <a:latin typeface="Cambria Math" panose="02040503050406030204" pitchFamily="18" charset="0"/>
                                 <a:ea typeface="Cambria Math" panose="02040503050406030204" pitchFamily="18" charset="0"/>
                               </a:rPr>
-                              <m:t>∇</m:t>
+                              <m:t>𝛁</m:t>
                             </m:r>
                             <m:r>
-                              <m:rPr>
-                                <m:sty m:val="p"/>
-                              </m:rPr>
-                              <a:rPr lang="en-US" sz="2800" i="0">
+                              <a:rPr lang="en-US" sz="2800" b="1" i="0">
                                 <a:solidFill>
-                                  <a:schemeClr val="accent5">
-                                    <a:lumMod val="50000"/>
-                                  </a:schemeClr>
+                                  <a:schemeClr val="accent2"/>
                                 </a:solidFill>
                                 <a:latin typeface="Cambria Math" panose="02040503050406030204" pitchFamily="18" charset="0"/>
                                 <a:ea typeface="Cambria Math" panose="02040503050406030204" pitchFamily="18" charset="0"/>
                               </a:rPr>
-                              <m:t>s</m:t>
+                              <m:t>𝐬</m:t>
                             </m:r>
                           </m:e>
                         </m:d>
                         <m:d>
                           <m:dPr>
                             <m:ctrlPr>
-                              <a:rPr lang="en-US" sz="2800">
+                              <a:rPr lang="en-US" sz="2800" b="1" i="1">
                                 <a:solidFill>
-                                  <a:schemeClr val="accent5">
-                                    <a:lumMod val="50000"/>
-                                  </a:schemeClr>
+                                  <a:schemeClr val="accent2"/>
                                 </a:solidFill>
                                 <a:latin typeface="Cambria Math" panose="02040503050406030204" pitchFamily="18" charset="0"/>
                                 <a:ea typeface="Cambria Math" panose="02040503050406030204" pitchFamily="18" charset="0"/>
@@ -8374,26 +8478,19 @@
                           </m:dPr>
                           <m:e>
                             <m:r>
-                              <m:rPr>
-                                <m:sty m:val="p"/>
-                              </m:rPr>
-                              <a:rPr lang="en-US" sz="2800" i="0">
+                              <a:rPr lang="en-US" sz="2800" b="1" i="0">
                                 <a:solidFill>
-                                  <a:schemeClr val="accent5">
-                                    <a:lumMod val="50000"/>
-                                  </a:schemeClr>
+                                  <a:schemeClr val="accent2"/>
                                 </a:solidFill>
                                 <a:latin typeface="Cambria Math" panose="02040503050406030204" pitchFamily="18" charset="0"/>
                                 <a:ea typeface="Cambria Math" panose="02040503050406030204" pitchFamily="18" charset="0"/>
                               </a:rPr>
-                              <m:t>u</m:t>
+                              <m:t>𝐮</m:t>
                             </m:r>
                             <m:r>
-                              <a:rPr lang="en-US" sz="2800" i="0">
+                              <a:rPr lang="en-US" sz="2800" b="1" i="0">
                                 <a:solidFill>
-                                  <a:schemeClr val="accent5">
-                                    <a:lumMod val="50000"/>
-                                  </a:schemeClr>
+                                  <a:schemeClr val="accent2"/>
                                 </a:solidFill>
                                 <a:latin typeface="Cambria Math" panose="02040503050406030204" pitchFamily="18" charset="0"/>
                                 <a:ea typeface="Cambria Math" panose="02040503050406030204" pitchFamily="18" charset="0"/>
@@ -8401,19 +8498,14 @@
                               <m:t>,</m:t>
                             </m:r>
                             <m:r>
-                              <m:rPr>
-                                <m:sty m:val="p"/>
-                              </m:rPr>
-                              <a:rPr lang="en-US" sz="2800" i="0">
+                              <a:rPr lang="en-US" sz="2800" b="1" i="0">
                                 <a:solidFill>
-                                  <a:schemeClr val="accent5">
-                                    <a:lumMod val="50000"/>
-                                  </a:schemeClr>
+                                  <a:schemeClr val="accent2"/>
                                 </a:solidFill>
                                 <a:latin typeface="Cambria Math" panose="02040503050406030204" pitchFamily="18" charset="0"/>
                                 <a:ea typeface="Cambria Math" panose="02040503050406030204" pitchFamily="18" charset="0"/>
                               </a:rPr>
-                              <m:t>v</m:t>
+                              <m:t>𝐯</m:t>
                             </m:r>
                           </m:e>
                         </m:d>
@@ -8422,11 +8514,9 @@
                     <m:sSub>
                       <m:sSubPr>
                         <m:ctrlPr>
-                          <a:rPr lang="en-US" sz="2800" b="0" smtClean="0">
+                          <a:rPr lang="en-US" sz="2800" b="1" i="1" smtClean="0">
                             <a:solidFill>
-                              <a:schemeClr val="accent5">
-                                <a:lumMod val="50000"/>
-                              </a:schemeClr>
+                              <a:schemeClr val="accent2"/>
                             </a:solidFill>
                             <a:latin typeface="Cambria Math" panose="02040503050406030204" pitchFamily="18" charset="0"/>
                             <a:ea typeface="Cambria Math" panose="02040503050406030204" pitchFamily="18" charset="0"/>
@@ -8435,11 +8525,9 @@
                       </m:sSubPr>
                       <m:e>
                         <m:r>
-                          <a:rPr lang="en-US" sz="2800" b="0" i="0" smtClean="0">
+                          <a:rPr lang="en-US" sz="2800" b="1" i="0" smtClean="0">
                             <a:solidFill>
-                              <a:schemeClr val="accent5">
-                                <a:lumMod val="50000"/>
-                              </a:schemeClr>
+                              <a:schemeClr val="accent2"/>
                             </a:solidFill>
                             <a:latin typeface="Cambria Math" panose="02040503050406030204" pitchFamily="18" charset="0"/>
                             <a:ea typeface="Cambria Math" panose="02040503050406030204" pitchFamily="18" charset="0"/>
@@ -8452,11 +8540,9 @@
                           <m:rPr>
                             <m:brk m:alnAt="7"/>
                           </m:rPr>
-                          <a:rPr lang="en-US" sz="2800" i="0">
+                          <a:rPr lang="en-US" sz="2800" b="1" i="0">
                             <a:solidFill>
-                              <a:schemeClr val="accent5">
-                                <a:lumMod val="50000"/>
-                              </a:schemeClr>
+                              <a:schemeClr val="accent2"/>
                             </a:solidFill>
                             <a:latin typeface="Cambria Math" panose="02040503050406030204" pitchFamily="18" charset="0"/>
                             <a:ea typeface="Cambria Math" panose="02040503050406030204" pitchFamily="18" charset="0"/>
@@ -8464,26 +8550,19 @@
                           <m:t>∀</m:t>
                         </m:r>
                         <m:r>
-                          <m:rPr>
-                            <m:sty m:val="p"/>
-                          </m:rPr>
-                          <a:rPr lang="en-US" sz="2800" i="0">
+                          <a:rPr lang="en-US" sz="2800" b="1" i="0">
                             <a:solidFill>
-                              <a:schemeClr val="accent5">
-                                <a:lumMod val="50000"/>
-                              </a:schemeClr>
+                              <a:schemeClr val="accent2"/>
                             </a:solidFill>
                             <a:latin typeface="Cambria Math" panose="02040503050406030204" pitchFamily="18" charset="0"/>
                             <a:ea typeface="Cambria Math" panose="02040503050406030204" pitchFamily="18" charset="0"/>
                           </a:rPr>
-                          <m:t>u</m:t>
+                          <m:t>𝐮</m:t>
                         </m:r>
                         <m:r>
-                          <a:rPr lang="en-US" sz="2800" i="0">
+                          <a:rPr lang="en-US" sz="2800" b="1" i="0">
                             <a:solidFill>
-                              <a:schemeClr val="accent5">
-                                <a:lumMod val="50000"/>
-                              </a:schemeClr>
+                              <a:schemeClr val="accent2"/>
                             </a:solidFill>
                             <a:latin typeface="Cambria Math" panose="02040503050406030204" pitchFamily="18" charset="0"/>
                             <a:ea typeface="Cambria Math" panose="02040503050406030204" pitchFamily="18" charset="0"/>
@@ -8491,28 +8570,21 @@
                           <m:t>~</m:t>
                         </m:r>
                         <m:r>
-                          <m:rPr>
-                            <m:sty m:val="p"/>
-                          </m:rPr>
-                          <a:rPr lang="en-US" sz="2800" i="0">
+                          <a:rPr lang="en-US" sz="2800" b="1" i="0">
                             <a:solidFill>
-                              <a:schemeClr val="accent5">
-                                <a:lumMod val="50000"/>
-                              </a:schemeClr>
+                              <a:schemeClr val="accent2"/>
                             </a:solidFill>
                             <a:latin typeface="Cambria Math" panose="02040503050406030204" pitchFamily="18" charset="0"/>
                             <a:ea typeface="Cambria Math" panose="02040503050406030204" pitchFamily="18" charset="0"/>
                           </a:rPr>
-                          <m:t>v</m:t>
+                          <m:t>𝐯</m:t>
                         </m:r>
                       </m:sub>
                     </m:sSub>
                     <m:r>
-                      <a:rPr lang="en-US" sz="2800" b="0" i="0" smtClean="0">
+                      <a:rPr lang="en-US" sz="2800" b="1" i="0" smtClean="0">
                         <a:solidFill>
-                          <a:schemeClr val="accent5">
-                            <a:lumMod val="50000"/>
-                          </a:schemeClr>
+                          <a:schemeClr val="accent2"/>
                         </a:solidFill>
                         <a:latin typeface="Cambria Math" panose="02040503050406030204" pitchFamily="18" charset="0"/>
                         <a:ea typeface="Cambria Math" panose="02040503050406030204" pitchFamily="18" charset="0"/>
@@ -8522,11 +8594,9 @@
                     <m:f>
                       <m:fPr>
                         <m:ctrlPr>
-                          <a:rPr lang="en-US" sz="2800" b="0" smtClean="0">
+                          <a:rPr lang="en-US" sz="2800" b="1" i="1" smtClean="0">
                             <a:solidFill>
-                              <a:schemeClr val="accent5">
-                                <a:lumMod val="50000"/>
-                              </a:schemeClr>
+                              <a:schemeClr val="accent2"/>
                             </a:solidFill>
                             <a:latin typeface="Cambria Math" panose="02040503050406030204" pitchFamily="18" charset="0"/>
                             <a:ea typeface="Cambria Math" panose="02040503050406030204" pitchFamily="18" charset="0"/>
@@ -8535,11 +8605,9 @@
                       </m:fPr>
                       <m:num>
                         <m:r>
-                          <a:rPr lang="en-US" sz="2800" i="0">
+                          <a:rPr lang="en-US" sz="2800" b="1" i="0">
                             <a:solidFill>
-                              <a:schemeClr val="accent5">
-                                <a:lumMod val="50000"/>
-                              </a:schemeClr>
+                              <a:schemeClr val="accent2"/>
                             </a:solidFill>
                             <a:latin typeface="Cambria Math" panose="02040503050406030204" pitchFamily="18" charset="0"/>
                             <a:ea typeface="Cambria Math" panose="02040503050406030204" pitchFamily="18" charset="0"/>
@@ -8549,11 +8617,9 @@
                         <m:sSub>
                           <m:sSubPr>
                             <m:ctrlPr>
-                              <a:rPr lang="en-US" sz="2800">
+                              <a:rPr lang="en-US" sz="2800" b="1" i="1">
                                 <a:solidFill>
-                                  <a:schemeClr val="accent5">
-                                    <a:lumMod val="50000"/>
-                                  </a:schemeClr>
+                                  <a:schemeClr val="accent2"/>
                                 </a:solidFill>
                                 <a:latin typeface="Cambria Math" panose="02040503050406030204" pitchFamily="18" charset="0"/>
                                 <a:ea typeface="Cambria Math" panose="02040503050406030204" pitchFamily="18" charset="0"/>
@@ -8562,36 +8628,26 @@
                           </m:sSubPr>
                           <m:e>
                             <m:r>
-                              <m:rPr>
-                                <m:sty m:val="p"/>
-                              </m:rPr>
-                              <a:rPr lang="en-US" sz="2800" i="0">
+                              <a:rPr lang="en-US" sz="2800" b="1" i="0">
                                 <a:solidFill>
-                                  <a:schemeClr val="accent5">
-                                    <a:lumMod val="50000"/>
-                                  </a:schemeClr>
+                                  <a:schemeClr val="accent2"/>
                                 </a:solidFill>
                                 <a:latin typeface="Cambria Math" panose="02040503050406030204" pitchFamily="18" charset="0"/>
                                 <a:ea typeface="Cambria Math" panose="02040503050406030204" pitchFamily="18" charset="0"/>
                               </a:rPr>
-                              <m:t>s</m:t>
+                              <m:t>𝐬</m:t>
                             </m:r>
                           </m:e>
                           <m:sub>
                             <m:r>
-                              <m:rPr>
-                                <m:sty m:val="p"/>
-                              </m:rPr>
-                              <a:rPr lang="en-US" sz="2800" i="0">
+                              <a:rPr lang="en-US" sz="2800" b="1" i="0">
                                 <a:solidFill>
-                                  <a:schemeClr val="accent5">
-                                    <a:lumMod val="50000"/>
-                                  </a:schemeClr>
+                                  <a:schemeClr val="accent2"/>
                                 </a:solidFill>
                                 <a:latin typeface="Cambria Math" panose="02040503050406030204" pitchFamily="18" charset="0"/>
                                 <a:ea typeface="Cambria Math" panose="02040503050406030204" pitchFamily="18" charset="0"/>
                               </a:rPr>
-                              <m:t>K</m:t>
+                              <m:t>𝐊</m:t>
                             </m:r>
                           </m:sub>
                         </m:sSub>
@@ -8602,11 +8658,9 @@
                             <m:begChr m:val="|"/>
                             <m:endChr m:val="|"/>
                             <m:ctrlPr>
-                              <a:rPr lang="en-US" sz="2800" b="0" smtClean="0">
+                              <a:rPr lang="en-US" sz="2800" b="1" i="1" smtClean="0">
                                 <a:solidFill>
-                                  <a:schemeClr val="accent5">
-                                    <a:lumMod val="50000"/>
-                                  </a:schemeClr>
+                                  <a:schemeClr val="accent2"/>
                                 </a:solidFill>
                                 <a:latin typeface="Cambria Math" panose="02040503050406030204" pitchFamily="18" charset="0"/>
                                 <a:ea typeface="Cambria Math" panose="02040503050406030204" pitchFamily="18" charset="0"/>
@@ -8615,25 +8669,21 @@
                           </m:dPr>
                           <m:e>
                             <m:r>
-                              <a:rPr lang="en-US" sz="2800" b="0" i="0" smtClean="0">
+                              <a:rPr lang="en-US" sz="2800" b="1" i="0" smtClean="0">
                                 <a:solidFill>
-                                  <a:schemeClr val="accent5">
-                                    <a:lumMod val="50000"/>
-                                  </a:schemeClr>
+                                  <a:schemeClr val="accent2"/>
                                 </a:solidFill>
                                 <a:latin typeface="Cambria Math" panose="02040503050406030204" pitchFamily="18" charset="0"/>
                                 <a:ea typeface="Cambria Math" panose="02040503050406030204" pitchFamily="18" charset="0"/>
                               </a:rPr>
-                              <m:t>𝒩</m:t>
+                              <m:t>𝓝</m:t>
                             </m:r>
                             <m:d>
                               <m:dPr>
                                 <m:ctrlPr>
-                                  <a:rPr lang="en-US" sz="2800" b="0" smtClean="0">
+                                  <a:rPr lang="en-US" sz="2800" b="1" i="1" smtClean="0">
                                     <a:solidFill>
-                                      <a:schemeClr val="accent5">
-                                        <a:lumMod val="50000"/>
-                                      </a:schemeClr>
+                                      <a:schemeClr val="accent2"/>
                                     </a:solidFill>
                                     <a:latin typeface="Cambria Math" panose="02040503050406030204" pitchFamily="18" charset="0"/>
                                     <a:ea typeface="Cambria Math" panose="02040503050406030204" pitchFamily="18" charset="0"/>
@@ -8642,31 +8692,34 @@
                               </m:dPr>
                               <m:e>
                                 <m:r>
-                                  <m:rPr>
-                                    <m:sty m:val="p"/>
-                                  </m:rPr>
-                                  <a:rPr lang="en-US" sz="2800" b="0" i="0" smtClean="0">
+                                  <a:rPr lang="en-US" sz="2800" b="1" i="0" smtClean="0">
                                     <a:solidFill>
-                                      <a:schemeClr val="accent5">
-                                        <a:lumMod val="50000"/>
-                                      </a:schemeClr>
+                                      <a:schemeClr val="accent2"/>
                                     </a:solidFill>
                                     <a:latin typeface="Cambria Math" panose="02040503050406030204" pitchFamily="18" charset="0"/>
                                     <a:ea typeface="Cambria Math" panose="02040503050406030204" pitchFamily="18" charset="0"/>
                                   </a:rPr>
-                                  <m:t>v</m:t>
+                                  <m:t>𝐯</m:t>
                                 </m:r>
                                 <m:r>
-                                  <a:rPr lang="en-US" sz="2800" b="0" i="0" smtClean="0">
+                                  <a:rPr lang="en-US" sz="2800" b="1" i="0" smtClean="0">
                                     <a:solidFill>
-                                      <a:schemeClr val="accent5">
-                                        <a:lumMod val="50000"/>
-                                      </a:schemeClr>
+                                      <a:schemeClr val="accent2"/>
                                     </a:solidFill>
                                     <a:latin typeface="Cambria Math" panose="02040503050406030204" pitchFamily="18" charset="0"/>
                                     <a:ea typeface="Cambria Math" panose="02040503050406030204" pitchFamily="18" charset="0"/>
                                   </a:rPr>
-                                  <m:t>, 1</m:t>
+                                  <m:t>, </m:t>
+                                </m:r>
+                                <m:r>
+                                  <a:rPr lang="en-US" sz="2800" b="1" i="0" smtClean="0">
+                                    <a:solidFill>
+                                      <a:schemeClr val="accent2"/>
+                                    </a:solidFill>
+                                    <a:latin typeface="Cambria Math" panose="02040503050406030204" pitchFamily="18" charset="0"/>
+                                    <a:ea typeface="Cambria Math" panose="02040503050406030204" pitchFamily="18" charset="0"/>
+                                  </a:rPr>
+                                  <m:t>𝟏</m:t>
                                 </m:r>
                               </m:e>
                             </m:d>
@@ -8703,7 +8756,7 @@
                     <m:d>
                       <m:dPr>
                         <m:ctrlPr>
-                          <a:rPr lang="en-US" sz="2800">
+                          <a:rPr lang="en-US" sz="2800" i="1">
                             <a:solidFill>
                               <a:schemeClr val="accent5">
                                 <a:lumMod val="50000"/>
@@ -8815,7 +8868,7 @@
                     <m:sSub>
                       <m:sSubPr>
                         <m:ctrlPr>
-                          <a:rPr lang="en-US" sz="2800">
+                          <a:rPr lang="en-US" sz="2800" i="1">
                             <a:solidFill>
                               <a:schemeClr val="accent5">
                                 <a:lumMod val="50000"/>
@@ -8831,7 +8884,7 @@
                           <m:accPr>
                             <m:chr m:val="̂"/>
                             <m:ctrlPr>
-                              <a:rPr lang="en-US" sz="2800">
+                              <a:rPr lang="en-US" sz="2800" i="1">
                                 <a:solidFill>
                                   <a:schemeClr val="accent5">
                                     <a:lumMod val="50000"/>
@@ -8946,7 +8999,213 @@
   <p:timing>
     <p:tnLst>
       <p:par>
-        <p:cTn id="1" dur="indefinite" restart="never" nodeType="tmRoot"/>
+        <p:cTn id="1" dur="indefinite" restart="never" nodeType="tmRoot">
+          <p:childTnLst>
+            <p:seq concurrent="1" nextAc="seek">
+              <p:cTn id="2" dur="indefinite" nodeType="mainSeq">
+                <p:childTnLst>
+                  <p:par>
+                    <p:cTn id="3" fill="hold">
+                      <p:stCondLst>
+                        <p:cond delay="indefinite"/>
+                      </p:stCondLst>
+                      <p:childTnLst>
+                        <p:par>
+                          <p:cTn id="4" fill="hold">
+                            <p:stCondLst>
+                              <p:cond delay="0"/>
+                            </p:stCondLst>
+                            <p:childTnLst>
+                              <p:par>
+                                <p:cTn id="5" presetID="10" presetClass="entr" presetSubtype="0" fill="hold" nodeType="clickEffect">
+                                  <p:stCondLst>
+                                    <p:cond delay="0"/>
+                                  </p:stCondLst>
+                                  <p:childTnLst>
+                                    <p:set>
+                                      <p:cBhvr>
+                                        <p:cTn id="6" dur="1" fill="hold">
+                                          <p:stCondLst>
+                                            <p:cond delay="0"/>
+                                          </p:stCondLst>
+                                        </p:cTn>
+                                        <p:tgtEl>
+                                          <p:spTgt spid="3">
+                                            <p:txEl>
+                                              <p:pRg st="4" end="4"/>
+                                            </p:txEl>
+                                          </p:spTgt>
+                                        </p:tgtEl>
+                                        <p:attrNameLst>
+                                          <p:attrName>style.visibility</p:attrName>
+                                        </p:attrNameLst>
+                                      </p:cBhvr>
+                                      <p:to>
+                                        <p:strVal val="visible"/>
+                                      </p:to>
+                                    </p:set>
+                                    <p:animEffect transition="in" filter="fade">
+                                      <p:cBhvr>
+                                        <p:cTn id="7" dur="500"/>
+                                        <p:tgtEl>
+                                          <p:spTgt spid="3">
+                                            <p:txEl>
+                                              <p:pRg st="4" end="4"/>
+                                            </p:txEl>
+                                          </p:spTgt>
+                                        </p:tgtEl>
+                                      </p:cBhvr>
+                                    </p:animEffect>
+                                  </p:childTnLst>
+                                </p:cTn>
+                              </p:par>
+                            </p:childTnLst>
+                          </p:cTn>
+                        </p:par>
+                      </p:childTnLst>
+                    </p:cTn>
+                  </p:par>
+                  <p:par>
+                    <p:cTn id="8" fill="hold">
+                      <p:stCondLst>
+                        <p:cond delay="indefinite"/>
+                      </p:stCondLst>
+                      <p:childTnLst>
+                        <p:par>
+                          <p:cTn id="9" fill="hold">
+                            <p:stCondLst>
+                              <p:cond delay="0"/>
+                            </p:stCondLst>
+                            <p:childTnLst>
+                              <p:par>
+                                <p:cTn id="10" presetID="10" presetClass="entr" presetSubtype="0" fill="hold" nodeType="clickEffect">
+                                  <p:stCondLst>
+                                    <p:cond delay="0"/>
+                                  </p:stCondLst>
+                                  <p:childTnLst>
+                                    <p:set>
+                                      <p:cBhvr>
+                                        <p:cTn id="11" dur="1" fill="hold">
+                                          <p:stCondLst>
+                                            <p:cond delay="0"/>
+                                          </p:stCondLst>
+                                        </p:cTn>
+                                        <p:tgtEl>
+                                          <p:spTgt spid="3">
+                                            <p:txEl>
+                                              <p:pRg st="5" end="5"/>
+                                            </p:txEl>
+                                          </p:spTgt>
+                                        </p:tgtEl>
+                                        <p:attrNameLst>
+                                          <p:attrName>style.visibility</p:attrName>
+                                        </p:attrNameLst>
+                                      </p:cBhvr>
+                                      <p:to>
+                                        <p:strVal val="visible"/>
+                                      </p:to>
+                                    </p:set>
+                                    <p:animEffect transition="in" filter="fade">
+                                      <p:cBhvr>
+                                        <p:cTn id="12" dur="500"/>
+                                        <p:tgtEl>
+                                          <p:spTgt spid="3">
+                                            <p:txEl>
+                                              <p:pRg st="5" end="5"/>
+                                            </p:txEl>
+                                          </p:spTgt>
+                                        </p:tgtEl>
+                                      </p:cBhvr>
+                                    </p:animEffect>
+                                  </p:childTnLst>
+                                </p:cTn>
+                              </p:par>
+                            </p:childTnLst>
+                          </p:cTn>
+                        </p:par>
+                      </p:childTnLst>
+                    </p:cTn>
+                  </p:par>
+                  <p:par>
+                    <p:cTn id="13" fill="hold">
+                      <p:stCondLst>
+                        <p:cond delay="indefinite"/>
+                      </p:stCondLst>
+                      <p:childTnLst>
+                        <p:par>
+                          <p:cTn id="14" fill="hold">
+                            <p:stCondLst>
+                              <p:cond delay="0"/>
+                            </p:stCondLst>
+                            <p:childTnLst>
+                              <p:par>
+                                <p:cTn id="15" presetID="10" presetClass="entr" presetSubtype="0" fill="hold" nodeType="clickEffect">
+                                  <p:stCondLst>
+                                    <p:cond delay="0"/>
+                                  </p:stCondLst>
+                                  <p:childTnLst>
+                                    <p:set>
+                                      <p:cBhvr>
+                                        <p:cTn id="16" dur="1" fill="hold">
+                                          <p:stCondLst>
+                                            <p:cond delay="0"/>
+                                          </p:stCondLst>
+                                        </p:cTn>
+                                        <p:tgtEl>
+                                          <p:spTgt spid="3">
+                                            <p:txEl>
+                                              <p:pRg st="6" end="6"/>
+                                            </p:txEl>
+                                          </p:spTgt>
+                                        </p:tgtEl>
+                                        <p:attrNameLst>
+                                          <p:attrName>style.visibility</p:attrName>
+                                        </p:attrNameLst>
+                                      </p:cBhvr>
+                                      <p:to>
+                                        <p:strVal val="visible"/>
+                                      </p:to>
+                                    </p:set>
+                                    <p:animEffect transition="in" filter="fade">
+                                      <p:cBhvr>
+                                        <p:cTn id="17" dur="500"/>
+                                        <p:tgtEl>
+                                          <p:spTgt spid="3">
+                                            <p:txEl>
+                                              <p:pRg st="6" end="6"/>
+                                            </p:txEl>
+                                          </p:spTgt>
+                                        </p:tgtEl>
+                                      </p:cBhvr>
+                                    </p:animEffect>
+                                  </p:childTnLst>
+                                </p:cTn>
+                              </p:par>
+                            </p:childTnLst>
+                          </p:cTn>
+                        </p:par>
+                      </p:childTnLst>
+                    </p:cTn>
+                  </p:par>
+                </p:childTnLst>
+              </p:cTn>
+              <p:prevCondLst>
+                <p:cond evt="onPrev" delay="0">
+                  <p:tgtEl>
+                    <p:sldTgt/>
+                  </p:tgtEl>
+                </p:cond>
+              </p:prevCondLst>
+              <p:nextCondLst>
+                <p:cond evt="onNext" delay="0">
+                  <p:tgtEl>
+                    <p:sldTgt/>
+                  </p:tgtEl>
+                </p:cond>
+              </p:nextCondLst>
+            </p:seq>
+          </p:childTnLst>
+        </p:cTn>
       </p:par>
     </p:tnLst>
   </p:timing>
@@ -8998,15 +9257,7 @@
                   <a:schemeClr val="tx2"/>
                 </a:solidFill>
               </a:rPr>
-              <a:t>Adjacent </a:t>
-            </a:r>
-            <a:r>
-              <a:rPr lang="en-US" b="1" dirty="0" smtClean="0">
-                <a:solidFill>
-                  <a:schemeClr val="tx2"/>
-                </a:solidFill>
-              </a:rPr>
-              <a:t>Difference Based </a:t>
+              <a:t>Adjacent Difference Based </a:t>
             </a:r>
             <a:r>
               <a:rPr lang="en-US" b="1" dirty="0">
@@ -9099,13 +9350,6 @@
                   </a:rPr>
                   <a:t>. </a:t>
                 </a:r>
-                <a:endParaRPr lang="en-US" sz="2800" dirty="0" smtClean="0">
-                  <a:solidFill>
-                    <a:schemeClr val="accent5">
-                      <a:lumMod val="50000"/>
-                    </a:schemeClr>
-                  </a:solidFill>
-                </a:endParaRPr>
               </a:p>
               <a:p>
                 <a:r>
@@ -9138,7 +9382,7 @@
                     <m:sSub>
                       <m:sSubPr>
                         <m:ctrlPr>
-                          <a:rPr lang="en-US" sz="2800">
+                          <a:rPr lang="en-US" sz="2800" i="1">
                             <a:solidFill>
                               <a:schemeClr val="accent5">
                                 <a:lumMod val="50000"/>
@@ -9208,7 +9452,7 @@
                     <m:sSubSup>
                       <m:sSubSupPr>
                         <m:ctrlPr>
-                          <a:rPr lang="en-US" sz="2800">
+                          <a:rPr lang="en-US" sz="2800" i="1">
                             <a:solidFill>
                               <a:schemeClr val="accent5">
                                 <a:lumMod val="50000"/>
@@ -9313,11 +9557,9 @@
                     <m:sSup>
                       <m:sSupPr>
                         <m:ctrlPr>
-                          <a:rPr lang="en-US" sz="2800" smtClean="0">
+                          <a:rPr lang="en-US" sz="2800" b="1" i="1" smtClean="0">
                             <a:solidFill>
-                              <a:schemeClr val="accent5">
-                                <a:lumMod val="50000"/>
-                              </a:schemeClr>
+                              <a:schemeClr val="accent2"/>
                             </a:solidFill>
                             <a:latin typeface="Cambria Math" panose="02040503050406030204" pitchFamily="18" charset="0"/>
                           </a:rPr>
@@ -9325,43 +9567,34 @@
                       </m:sSupPr>
                       <m:e>
                         <m:r>
-                          <a:rPr lang="en-US" sz="2800" i="0" smtClean="0">
+                          <a:rPr lang="en-US" sz="2800" b="1" i="0" smtClean="0">
                             <a:solidFill>
-                              <a:schemeClr val="accent5">
-                                <a:lumMod val="50000"/>
-                              </a:schemeClr>
+                              <a:schemeClr val="accent2"/>
                             </a:solidFill>
                             <a:latin typeface="Cambria Math" panose="02040503050406030204" pitchFamily="18" charset="0"/>
                             <a:ea typeface="Cambria Math" panose="02040503050406030204" pitchFamily="18" charset="0"/>
                           </a:rPr>
-                          <m:t>ℳ</m:t>
+                          <m:t>𝓜</m:t>
                         </m:r>
                       </m:e>
                       <m:sup>
                         <m:r>
-                          <m:rPr>
-                            <m:sty m:val="p"/>
-                          </m:rPr>
-                          <a:rPr lang="en-US" sz="2800" b="0" i="0" smtClean="0">
+                          <a:rPr lang="en-US" sz="2800" b="1" i="0" smtClean="0">
                             <a:solidFill>
-                              <a:schemeClr val="accent5">
-                                <a:lumMod val="50000"/>
-                              </a:schemeClr>
+                              <a:schemeClr val="accent2"/>
                             </a:solidFill>
                             <a:latin typeface="Cambria Math" panose="02040503050406030204" pitchFamily="18" charset="0"/>
                           </a:rPr>
-                          <m:t>K</m:t>
+                          <m:t>𝐊</m:t>
                         </m:r>
                       </m:sup>
                     </m:sSup>
                     <m:d>
                       <m:dPr>
                         <m:ctrlPr>
-                          <a:rPr lang="en-US" sz="2800" smtClean="0">
+                          <a:rPr lang="en-US" sz="2800" b="1" i="1" smtClean="0">
                             <a:solidFill>
-                              <a:schemeClr val="accent5">
-                                <a:lumMod val="50000"/>
-                              </a:schemeClr>
+                              <a:schemeClr val="accent2"/>
                             </a:solidFill>
                             <a:latin typeface="Cambria Math" panose="02040503050406030204" pitchFamily="18" charset="0"/>
                           </a:rPr>
@@ -9369,27 +9602,20 @@
                       </m:dPr>
                       <m:e>
                         <m:r>
-                          <m:rPr>
-                            <m:sty m:val="p"/>
-                          </m:rPr>
-                          <a:rPr lang="en-US" sz="2800" b="0" i="0" smtClean="0">
+                          <a:rPr lang="en-US" sz="2800" b="1" i="0" smtClean="0">
                             <a:solidFill>
-                              <a:schemeClr val="accent5">
-                                <a:lumMod val="50000"/>
-                              </a:schemeClr>
+                              <a:schemeClr val="accent2"/>
                             </a:solidFill>
                             <a:latin typeface="Cambria Math" panose="02040503050406030204" pitchFamily="18" charset="0"/>
                           </a:rPr>
-                          <m:t>i</m:t>
+                          <m:t>𝐢</m:t>
                         </m:r>
                       </m:e>
                     </m:d>
                     <m:r>
-                      <a:rPr lang="en-US" sz="2800" b="0" i="0" smtClean="0">
+                      <a:rPr lang="en-US" sz="2800" b="1" i="0" smtClean="0">
                         <a:solidFill>
-                          <a:schemeClr val="accent5">
-                            <a:lumMod val="50000"/>
-                          </a:schemeClr>
+                          <a:schemeClr val="accent2"/>
                         </a:solidFill>
                         <a:latin typeface="Cambria Math" panose="02040503050406030204" pitchFamily="18" charset="0"/>
                       </a:rPr>
@@ -9398,11 +9624,9 @@
                     <m:f>
                       <m:fPr>
                         <m:ctrlPr>
-                          <a:rPr lang="en-US" sz="2800" b="0" smtClean="0">
+                          <a:rPr lang="en-US" sz="2800" b="1" i="1" smtClean="0">
                             <a:solidFill>
-                              <a:schemeClr val="accent5">
-                                <a:lumMod val="50000"/>
-                              </a:schemeClr>
+                              <a:schemeClr val="accent2"/>
                             </a:solidFill>
                             <a:latin typeface="Cambria Math" panose="02040503050406030204" pitchFamily="18" charset="0"/>
                           </a:rPr>
@@ -9414,11 +9638,9 @@
                             <m:begChr m:val="⟨"/>
                             <m:endChr m:val="⟩"/>
                             <m:ctrlPr>
-                              <a:rPr lang="en-US" sz="2800">
+                              <a:rPr lang="en-US" sz="2800" b="1" i="1">
                                 <a:solidFill>
-                                  <a:schemeClr val="accent5">
-                                    <a:lumMod val="50000"/>
-                                  </a:schemeClr>
+                                  <a:schemeClr val="accent2"/>
                                 </a:solidFill>
                                 <a:latin typeface="Cambria Math" panose="02040503050406030204" pitchFamily="18" charset="0"/>
                               </a:rPr>
@@ -9426,25 +9648,21 @@
                           </m:dPr>
                           <m:e>
                             <m:r>
-                              <a:rPr lang="en-US" sz="2800" i="0">
+                              <a:rPr lang="en-US" sz="2800" b="1" i="0">
                                 <a:solidFill>
-                                  <a:schemeClr val="accent5">
-                                    <a:lumMod val="50000"/>
-                                  </a:schemeClr>
+                                  <a:schemeClr val="accent2"/>
                                 </a:solidFill>
                                 <a:latin typeface="Cambria Math" panose="02040503050406030204" pitchFamily="18" charset="0"/>
                                 <a:ea typeface="Cambria Math" panose="02040503050406030204" pitchFamily="18" charset="0"/>
                               </a:rPr>
-                              <m:t>∇</m:t>
+                              <m:t>𝛁</m:t>
                             </m:r>
                             <m:sSub>
                               <m:sSubPr>
                                 <m:ctrlPr>
-                                  <a:rPr lang="en-US" sz="2800">
+                                  <a:rPr lang="en-US" sz="2800" b="1" i="1">
                                     <a:solidFill>
-                                      <a:schemeClr val="accent5">
-                                        <a:lumMod val="50000"/>
-                                      </a:schemeClr>
+                                      <a:schemeClr val="accent2"/>
                                     </a:solidFill>
                                     <a:latin typeface="Cambria Math" panose="02040503050406030204" pitchFamily="18" charset="0"/>
                                     <a:ea typeface="Cambria Math" panose="02040503050406030204" pitchFamily="18" charset="0"/>
@@ -9453,45 +9671,33 @@
                               </m:sSubPr>
                               <m:e>
                                 <m:r>
-                                  <m:rPr>
-                                    <m:sty m:val="p"/>
-                                  </m:rPr>
-                                  <a:rPr lang="en-US" sz="2800" i="0">
+                                  <a:rPr lang="en-US" sz="2800" b="1" i="0">
                                     <a:solidFill>
-                                      <a:schemeClr val="accent5">
-                                        <a:lumMod val="50000"/>
-                                      </a:schemeClr>
+                                      <a:schemeClr val="accent2"/>
                                     </a:solidFill>
                                     <a:latin typeface="Cambria Math" panose="02040503050406030204" pitchFamily="18" charset="0"/>
                                     <a:ea typeface="Cambria Math" panose="02040503050406030204" pitchFamily="18" charset="0"/>
                                   </a:rPr>
-                                  <m:t>s</m:t>
+                                  <m:t>𝐬</m:t>
                                 </m:r>
                               </m:e>
                               <m:sub>
                                 <m:r>
-                                  <m:rPr>
-                                    <m:sty m:val="p"/>
-                                  </m:rPr>
-                                  <a:rPr lang="en-US" sz="2800" i="0">
+                                  <a:rPr lang="en-US" sz="2800" b="1" i="0">
                                     <a:solidFill>
-                                      <a:schemeClr val="accent5">
-                                        <a:lumMod val="50000"/>
-                                      </a:schemeClr>
+                                      <a:schemeClr val="accent2"/>
                                     </a:solidFill>
                                     <a:latin typeface="Cambria Math" panose="02040503050406030204" pitchFamily="18" charset="0"/>
                                     <a:ea typeface="Cambria Math" panose="02040503050406030204" pitchFamily="18" charset="0"/>
                                   </a:rPr>
-                                  <m:t>K</m:t>
+                                  <m:t>𝐊</m:t>
                                 </m:r>
                               </m:sub>
                             </m:sSub>
                             <m:r>
-                              <a:rPr lang="en-US" sz="2800" i="0">
+                              <a:rPr lang="en-US" sz="2800" b="1" i="0">
                                 <a:solidFill>
-                                  <a:schemeClr val="accent5">
-                                    <a:lumMod val="50000"/>
-                                  </a:schemeClr>
+                                  <a:schemeClr val="accent2"/>
                                 </a:solidFill>
                                 <a:latin typeface="Cambria Math" panose="02040503050406030204" pitchFamily="18" charset="0"/>
                                 <a:ea typeface="Cambria Math" panose="02040503050406030204" pitchFamily="18" charset="0"/>
@@ -9499,25 +9705,21 @@
                               <m:t>,</m:t>
                             </m:r>
                             <m:r>
-                              <a:rPr lang="en-US" sz="2800" i="0">
+                              <a:rPr lang="en-US" sz="2800" b="1" i="0">
                                 <a:solidFill>
-                                  <a:schemeClr val="accent5">
-                                    <a:lumMod val="50000"/>
-                                  </a:schemeClr>
+                                  <a:schemeClr val="accent2"/>
                                 </a:solidFill>
                                 <a:latin typeface="Cambria Math" panose="02040503050406030204" pitchFamily="18" charset="0"/>
                                 <a:ea typeface="Cambria Math" panose="02040503050406030204" pitchFamily="18" charset="0"/>
                               </a:rPr>
-                              <m:t>∇</m:t>
+                              <m:t>𝛁</m:t>
                             </m:r>
                             <m:sSubSup>
                               <m:sSubSupPr>
                                 <m:ctrlPr>
-                                  <a:rPr lang="en-US" sz="2800">
+                                  <a:rPr lang="en-US" sz="2800" b="1" i="1">
                                     <a:solidFill>
-                                      <a:schemeClr val="accent5">
-                                        <a:lumMod val="50000"/>
-                                      </a:schemeClr>
+                                      <a:schemeClr val="accent2"/>
                                     </a:solidFill>
                                     <a:latin typeface="Cambria Math" panose="02040503050406030204" pitchFamily="18" charset="0"/>
                                     <a:ea typeface="Cambria Math" panose="02040503050406030204" pitchFamily="18" charset="0"/>
@@ -9526,53 +9728,38 @@
                               </m:sSubSupPr>
                               <m:e>
                                 <m:r>
-                                  <m:rPr>
-                                    <m:sty m:val="p"/>
-                                  </m:rPr>
-                                  <a:rPr lang="en-US" sz="2800" i="0">
+                                  <a:rPr lang="en-US" sz="2800" b="1" i="0">
                                     <a:solidFill>
-                                      <a:schemeClr val="accent5">
-                                        <a:lumMod val="50000"/>
-                                      </a:schemeClr>
+                                      <a:schemeClr val="accent2"/>
                                     </a:solidFill>
                                     <a:latin typeface="Cambria Math" panose="02040503050406030204" pitchFamily="18" charset="0"/>
                                     <a:ea typeface="Cambria Math" panose="02040503050406030204" pitchFamily="18" charset="0"/>
                                   </a:rPr>
-                                  <m:t>u</m:t>
+                                  <m:t>𝐮</m:t>
                                 </m:r>
                               </m:e>
                               <m:sub>
                                 <m:r>
-                                  <m:rPr>
-                                    <m:sty m:val="p"/>
-                                  </m:rPr>
-                                  <a:rPr lang="en-US" sz="2800" i="0">
+                                  <a:rPr lang="en-US" sz="2800" b="1" i="0">
                                     <a:solidFill>
-                                      <a:schemeClr val="accent5">
-                                        <a:lumMod val="50000"/>
-                                      </a:schemeClr>
+                                      <a:schemeClr val="accent2"/>
                                     </a:solidFill>
                                     <a:latin typeface="Cambria Math" panose="02040503050406030204" pitchFamily="18" charset="0"/>
                                     <a:ea typeface="Cambria Math" panose="02040503050406030204" pitchFamily="18" charset="0"/>
                                   </a:rPr>
-                                  <m:t>i</m:t>
+                                  <m:t>𝐢</m:t>
                                 </m:r>
                               </m:sub>
                               <m:sup>
                                 <m:r>
-                                  <m:rPr>
-                                    <m:sty m:val="p"/>
-                                  </m:rPr>
-                                  <a:rPr lang="en-US" sz="2800" i="0">
+                                  <a:rPr lang="en-US" sz="2800" b="1" i="0">
                                     <a:solidFill>
-                                      <a:schemeClr val="accent5">
-                                        <a:lumMod val="50000"/>
-                                      </a:schemeClr>
+                                      <a:schemeClr val="accent2"/>
                                     </a:solidFill>
                                     <a:latin typeface="Cambria Math" panose="02040503050406030204" pitchFamily="18" charset="0"/>
                                     <a:ea typeface="Cambria Math" panose="02040503050406030204" pitchFamily="18" charset="0"/>
                                   </a:rPr>
-                                  <m:t>K</m:t>
+                                  <m:t>𝐊</m:t>
                                 </m:r>
                               </m:sup>
                             </m:sSubSup>
@@ -9583,11 +9770,9 @@
                         <m:sSub>
                           <m:sSubPr>
                             <m:ctrlPr>
-                              <a:rPr lang="en-US" sz="2800" b="0" smtClean="0">
+                              <a:rPr lang="en-US" sz="2800" b="1" i="1" smtClean="0">
                                 <a:solidFill>
-                                  <a:schemeClr val="accent5">
-                                    <a:lumMod val="50000"/>
-                                  </a:schemeClr>
+                                  <a:schemeClr val="accent2"/>
                                 </a:solidFill>
                                 <a:latin typeface="Cambria Math" panose="02040503050406030204" pitchFamily="18" charset="0"/>
                               </a:rPr>
@@ -9595,35 +9780,25 @@
                           </m:sSubPr>
                           <m:e>
                             <m:r>
-                              <m:rPr>
-                                <m:sty m:val="p"/>
-                              </m:rPr>
-                              <a:rPr lang="en-US" sz="2800" b="0" i="0" smtClean="0">
+                              <a:rPr lang="en-US" sz="2800" b="1" i="0" smtClean="0">
                                 <a:solidFill>
-                                  <a:schemeClr val="accent5">
-                                    <a:lumMod val="50000"/>
-                                  </a:schemeClr>
+                                  <a:schemeClr val="accent2"/>
                                 </a:solidFill>
                                 <a:latin typeface="Cambria Math" panose="02040503050406030204" pitchFamily="18" charset="0"/>
                                 <a:ea typeface="Cambria Math" panose="02040503050406030204" pitchFamily="18" charset="0"/>
                               </a:rPr>
-                              <m:t>λ</m:t>
+                              <m:t>𝛌</m:t>
                             </m:r>
                           </m:e>
                           <m:sub>
                             <m:r>
-                              <m:rPr>
-                                <m:sty m:val="p"/>
-                              </m:rPr>
-                              <a:rPr lang="en-US" sz="2800" b="0" i="0" smtClean="0">
+                              <a:rPr lang="en-US" sz="2800" b="1" i="0" smtClean="0">
                                 <a:solidFill>
-                                  <a:schemeClr val="accent5">
-                                    <a:lumMod val="50000"/>
-                                  </a:schemeClr>
+                                  <a:schemeClr val="accent2"/>
                                 </a:solidFill>
                                 <a:latin typeface="Cambria Math" panose="02040503050406030204" pitchFamily="18" charset="0"/>
                               </a:rPr>
-                              <m:t>i</m:t>
+                              <m:t>𝐢</m:t>
                             </m:r>
                           </m:sub>
                         </m:sSub>
@@ -9641,13 +9816,6 @@
                   </a:rPr>
                   <a:t>.</a:t>
                 </a:r>
-                <a:endParaRPr lang="en-US" sz="2800" dirty="0" smtClean="0">
-                  <a:solidFill>
-                    <a:schemeClr val="accent5">
-                      <a:lumMod val="50000"/>
-                    </a:schemeClr>
-                  </a:solidFill>
-                </a:endParaRPr>
               </a:p>
             </p:txBody>
           </p:sp>
@@ -9773,11 +9941,6 @@
               </a:rPr>
               <a:t>LN-VX)</a:t>
             </a:r>
-            <a:endParaRPr lang="en-US" b="1" dirty="0">
-              <a:solidFill>
-                <a:schemeClr val="tx2"/>
-              </a:solidFill>
-            </a:endParaRPr>
           </a:p>
         </p:txBody>
       </p:sp>
@@ -9801,7 +9964,7 @@
             </p:spPr>
             <p:txBody>
               <a:bodyPr>
-                <a:normAutofit/>
+                <a:normAutofit lnSpcReduction="10000"/>
               </a:bodyPr>
               <a:lstStyle/>
               <a:p>
@@ -9832,12 +9995,12 @@
                         <a:latin typeface="Cambria Math" panose="02040503050406030204" pitchFamily="18" charset="0"/>
                         <a:ea typeface="Cambria Math" panose="02040503050406030204" pitchFamily="18" charset="0"/>
                       </a:rPr>
-                      <m:t>∇</m:t>
+                      <m:t>𝛻</m:t>
                     </m:r>
                     <m:sSub>
                       <m:sSubPr>
                         <m:ctrlPr>
-                          <a:rPr lang="en-US" sz="2800">
+                          <a:rPr lang="en-US" sz="2800" i="1">
                             <a:solidFill>
                               <a:schemeClr val="accent5">
                                 <a:lumMod val="50000"/>
@@ -9900,17 +10063,9 @@
                     <a:solidFill>
                       <a:schemeClr val="accent2"/>
                     </a:solidFill>
-                  </a:rPr>
-                  <a:t>GOTO </a:t>
-                </a:r>
-                <a:r>
-                  <a:rPr lang="en-US" sz="2800" dirty="0" smtClean="0">
-                    <a:solidFill>
-                      <a:schemeClr val="accent2"/>
-                    </a:solidFill>
                     <a:hlinkClick r:id="rId2" action="ppaction://hlinksldjump"/>
                   </a:rPr>
-                  <a:t>next slide</a:t>
+                  <a:t>GOTO next slide</a:t>
                 </a:r>
                 <a:r>
                   <a:rPr lang="en-US" sz="2800" dirty="0" smtClean="0">
@@ -9945,7 +10100,7 @@
                     <m:sSub>
                       <m:sSubPr>
                         <m:ctrlPr>
-                          <a:rPr lang="en-US" sz="2800" b="1">
+                          <a:rPr lang="en-US" sz="2800" b="1" i="1">
                             <a:solidFill>
                               <a:schemeClr val="accent5"/>
                             </a:solidFill>
@@ -9999,7 +10154,104 @@
                   </a:rPr>
                   <a:t>.</a:t>
                 </a:r>
-                <a:endParaRPr lang="en-US" sz="2800" dirty="0" smtClean="0">
+              </a:p>
+              <a:p>
+                <a:r>
+                  <a:rPr lang="en-US" b="1" dirty="0" smtClean="0">
+                    <a:solidFill>
+                      <a:schemeClr val="accent5">
+                        <a:lumMod val="50000"/>
+                      </a:schemeClr>
+                    </a:solidFill>
+                  </a:rPr>
+                  <a:t>Algorithm Outline</a:t>
+                </a:r>
+                <a:r>
+                  <a:rPr lang="en-US" b="1" dirty="0" smtClean="0">
+                    <a:solidFill>
+                      <a:schemeClr val="accent5">
+                        <a:lumMod val="50000"/>
+                      </a:schemeClr>
+                    </a:solidFill>
+                  </a:rPr>
+                  <a:t>:</a:t>
+                </a:r>
+              </a:p>
+              <a:p>
+                <a:pPr marL="457200" lvl="1" indent="0">
+                  <a:buNone/>
+                </a:pPr>
+                <a:r>
+                  <a:rPr lang="en-US" sz="2800" dirty="0">
+                    <a:solidFill>
+                      <a:schemeClr val="accent5">
+                        <a:lumMod val="50000"/>
+                      </a:schemeClr>
+                    </a:solidFill>
+                  </a:rPr>
+                  <a:t>For each </a:t>
+                </a:r>
+                <a14:m>
+                  <m:oMath xmlns:m="http://schemas.openxmlformats.org/officeDocument/2006/math">
+                    <m:sSub>
+                      <m:sSubPr>
+                        <m:ctrlPr>
+                          <a:rPr lang="en-US" sz="2800" i="1">
+                            <a:solidFill>
+                              <a:schemeClr val="accent5">
+                                <a:lumMod val="50000"/>
+                              </a:schemeClr>
+                            </a:solidFill>
+                            <a:latin typeface="Cambria Math" panose="02040503050406030204" pitchFamily="18" charset="0"/>
+                            <a:ea typeface="Cambria Math" panose="02040503050406030204" pitchFamily="18" charset="0"/>
+                          </a:rPr>
+                        </m:ctrlPr>
+                      </m:sSubPr>
+                      <m:e>
+                        <m:r>
+                          <a:rPr lang="en-US" sz="2800">
+                            <a:solidFill>
+                              <a:schemeClr val="accent5">
+                                <a:lumMod val="50000"/>
+                              </a:schemeClr>
+                            </a:solidFill>
+                            <a:latin typeface="Cambria Math" panose="02040503050406030204" pitchFamily="18" charset="0"/>
+                            <a:ea typeface="Cambria Math" panose="02040503050406030204" pitchFamily="18" charset="0"/>
+                          </a:rPr>
+                          <m:t>𝒢</m:t>
+                        </m:r>
+                      </m:e>
+                      <m:sub>
+                        <m:r>
+                          <m:rPr>
+                            <m:sty m:val="p"/>
+                          </m:rPr>
+                          <a:rPr lang="en-US" sz="2800">
+                            <a:solidFill>
+                              <a:schemeClr val="accent5">
+                                <a:lumMod val="50000"/>
+                              </a:schemeClr>
+                            </a:solidFill>
+                            <a:latin typeface="Cambria Math" panose="02040503050406030204" pitchFamily="18" charset="0"/>
+                            <a:ea typeface="Cambria Math" panose="02040503050406030204" pitchFamily="18" charset="0"/>
+                          </a:rPr>
+                          <m:t>K</m:t>
+                        </m:r>
+                      </m:sub>
+                    </m:sSub>
+                  </m:oMath>
+                </a14:m>
+                <a:r>
+                  <a:rPr lang="en-US" sz="2800" dirty="0">
+                    <a:solidFill>
+                      <a:schemeClr val="accent5">
+                        <a:lumMod val="50000"/>
+                      </a:schemeClr>
+                    </a:solidFill>
+                  </a:rPr>
+                  <a:t>, </a:t>
+                </a:r>
+                <a:endParaRPr lang="en-US" sz="2800" b="1" dirty="0" smtClean="0">
                   <a:solidFill>
                     <a:schemeClr val="accent5">
                       <a:lumMod val="50000"/>
@@ -10008,21 +10260,19 @@
                 </a:endParaRPr>
               </a:p>
               <a:p>
-                <a:r>
-                  <a:rPr lang="en-US" b="1" dirty="0" smtClean="0">
+                <a:pPr marL="971550" lvl="1" indent="-514350">
+                  <a:buAutoNum type="arabicParenBoth"/>
+                </a:pPr>
+                <a:r>
+                  <a:rPr lang="en-US" sz="2800" dirty="0" smtClean="0">
                     <a:solidFill>
                       <a:schemeClr val="accent5">
                         <a:lumMod val="50000"/>
                       </a:schemeClr>
                     </a:solidFill>
                   </a:rPr>
-                  <a:t>Algorithm Outline:</a:t>
-                </a:r>
-              </a:p>
-              <a:p>
-                <a:pPr marL="971550" lvl="1" indent="-514350">
-                  <a:buAutoNum type="arabicParenBoth"/>
-                </a:pPr>
+                  <a:t>Compute </a:t>
+                </a:r>
                 <a:r>
                   <a:rPr lang="en-US" sz="2800" dirty="0" smtClean="0">
                     <a:solidFill>
@@ -10031,14 +10281,14 @@
                       </a:schemeClr>
                     </a:solidFill>
                   </a:rPr>
-                  <a:t>Compute the GFT </a:t>
+                  <a:t>the GFT </a:t>
                 </a:r>
                 <a14:m>
                   <m:oMath xmlns:m="http://schemas.openxmlformats.org/officeDocument/2006/math">
                     <m:sSubSup>
                       <m:sSubSupPr>
                         <m:ctrlPr>
-                          <a:rPr lang="en-US" sz="2800" smtClean="0">
+                          <a:rPr lang="en-US" sz="2800" i="1" smtClean="0">
                             <a:solidFill>
                               <a:schemeClr val="accent5">
                                 <a:lumMod val="50000"/>
@@ -10053,7 +10303,7 @@
                           <m:accPr>
                             <m:chr m:val="̂"/>
                             <m:ctrlPr>
-                              <a:rPr lang="en-US" sz="2800" smtClean="0">
+                              <a:rPr lang="en-US" sz="2800" i="1" smtClean="0">
                                 <a:solidFill>
                                   <a:schemeClr val="accent5">
                                     <a:lumMod val="50000"/>
@@ -10139,12 +10389,12 @@
                         <a:latin typeface="Cambria Math" panose="02040503050406030204" pitchFamily="18" charset="0"/>
                         <a:ea typeface="Cambria Math" panose="02040503050406030204" pitchFamily="18" charset="0"/>
                       </a:rPr>
-                      <m:t>∇</m:t>
+                      <m:t>𝛻</m:t>
                     </m:r>
                     <m:sSub>
                       <m:sSubPr>
                         <m:ctrlPr>
-                          <a:rPr lang="en-US" sz="2800">
+                          <a:rPr lang="en-US" sz="2800" i="1">
                             <a:solidFill>
                               <a:schemeClr val="accent5">
                                 <a:lumMod val="50000"/>
@@ -10208,6 +10458,14 @@
                   <a:buAutoNum type="arabicParenBoth"/>
                 </a:pPr>
                 <a:r>
+                  <a:rPr lang="en-US" sz="2800" b="1" dirty="0" smtClean="0">
+                    <a:solidFill>
+                      <a:schemeClr val="accent2"/>
+                    </a:solidFill>
+                  </a:rPr>
+                  <a:t>Learn two matrices transforming the eigenbasis</a:t>
+                </a:r>
+                <a:r>
                   <a:rPr lang="en-US" sz="2800" dirty="0" smtClean="0">
                     <a:solidFill>
                       <a:schemeClr val="accent5">
@@ -10215,7 +10473,7 @@
                       </a:schemeClr>
                     </a:solidFill>
                   </a:rPr>
-                  <a:t>Learn two matrices transforming the eigenbasis of line graph (</a:t>
+                  <a:t> of line graph (</a:t>
                 </a:r>
                 <a14:m>
                   <m:oMath xmlns:m="http://schemas.openxmlformats.org/officeDocument/2006/math">
@@ -10237,7 +10495,7 @@
                     <m:d>
                       <m:dPr>
                         <m:ctrlPr>
-                          <a:rPr lang="en-US" sz="2800">
+                          <a:rPr lang="en-US" sz="2800" i="1">
                             <a:solidFill>
                               <a:schemeClr val="accent5">
                                 <a:lumMod val="50000"/>
@@ -10252,7 +10510,7 @@
                         <m:sSub>
                           <m:sSubPr>
                             <m:ctrlPr>
-                              <a:rPr lang="en-US" sz="2800">
+                              <a:rPr lang="en-US" sz="2800" i="1">
                                 <a:solidFill>
                                   <a:schemeClr val="accent5">
                                     <a:lumMod val="50000"/>
@@ -10314,11 +10572,9 @@
                     <m:func>
                       <m:funcPr>
                         <m:ctrlPr>
-                          <a:rPr lang="en-US" sz="2800" smtClean="0">
+                          <a:rPr lang="en-US" sz="2800" b="1" i="1" smtClean="0">
                             <a:solidFill>
-                              <a:schemeClr val="accent5">
-                                <a:lumMod val="50000"/>
-                              </a:schemeClr>
+                              <a:schemeClr val="accent2"/>
                             </a:solidFill>
                             <a:latin typeface="Cambria Math" panose="02040503050406030204" pitchFamily="18" charset="0"/>
                           </a:rPr>
@@ -10328,11 +10584,9 @@
                         <m:limLow>
                           <m:limLowPr>
                             <m:ctrlPr>
-                              <a:rPr lang="en-US" sz="2800" smtClean="0">
+                              <a:rPr lang="en-US" sz="2800" b="1" i="1" smtClean="0">
                                 <a:solidFill>
-                                  <a:schemeClr val="accent5">
-                                    <a:lumMod val="50000"/>
-                                  </a:schemeClr>
+                                  <a:schemeClr val="accent2"/>
                                 </a:solidFill>
                                 <a:latin typeface="Cambria Math" panose="02040503050406030204" pitchFamily="18" charset="0"/>
                               </a:rPr>
@@ -10340,43 +10594,22 @@
                           </m:limLowPr>
                           <m:e>
                             <m:r>
-                              <m:rPr>
-                                <m:sty m:val="p"/>
-                              </m:rPr>
-                              <a:rPr lang="en-US" sz="2800" b="0" i="0" smtClean="0">
+                              <a:rPr lang="en-US" sz="2800" b="1" i="0" smtClean="0">
                                 <a:solidFill>
-                                  <a:schemeClr val="accent5">
-                                    <a:lumMod val="50000"/>
-                                  </a:schemeClr>
+                                  <a:schemeClr val="accent2"/>
                                 </a:solidFill>
                                 <a:latin typeface="Cambria Math" panose="02040503050406030204" pitchFamily="18" charset="0"/>
                               </a:rPr>
-                              <m:t>arg</m:t>
-                            </m:r>
-                            <m:r>
-                              <m:rPr>
-                                <m:sty m:val="p"/>
-                              </m:rPr>
-                              <a:rPr lang="en-US" sz="2800" i="0" smtClean="0">
-                                <a:solidFill>
-                                  <a:schemeClr val="accent5">
-                                    <a:lumMod val="50000"/>
-                                  </a:schemeClr>
-                                </a:solidFill>
-                                <a:latin typeface="Cambria Math" panose="02040503050406030204" pitchFamily="18" charset="0"/>
-                              </a:rPr>
-                              <m:t>min</m:t>
+                              <m:t>𝐚𝐫𝐠𝐦𝐢𝐧</m:t>
                             </m:r>
                           </m:e>
                           <m:lim>
                             <m:sSub>
                               <m:sSubPr>
                                 <m:ctrlPr>
-                                  <a:rPr lang="en-US" sz="2800" smtClean="0">
+                                  <a:rPr lang="en-US" sz="2800" b="1" i="1" smtClean="0">
                                     <a:solidFill>
-                                      <a:schemeClr val="accent5">
-                                        <a:lumMod val="50000"/>
-                                      </a:schemeClr>
+                                      <a:schemeClr val="accent2"/>
                                     </a:solidFill>
                                     <a:latin typeface="Cambria Math" panose="02040503050406030204" pitchFamily="18" charset="0"/>
                                   </a:rPr>
@@ -10384,41 +10617,32 @@
                               </m:sSubPr>
                               <m:e>
                                 <m:r>
-                                  <a:rPr lang="en-US" sz="2800" i="0" smtClean="0">
+                                  <a:rPr lang="en-US" sz="2800" b="1" i="0" smtClean="0">
                                     <a:solidFill>
-                                      <a:schemeClr val="accent5">
-                                        <a:lumMod val="50000"/>
-                                      </a:schemeClr>
+                                      <a:schemeClr val="accent2"/>
                                     </a:solidFill>
                                     <a:latin typeface="Cambria Math" panose="02040503050406030204" pitchFamily="18" charset="0"/>
                                     <a:ea typeface="Cambria Math" panose="02040503050406030204" pitchFamily="18" charset="0"/>
                                   </a:rPr>
-                                  <m:t>ℋ</m:t>
+                                  <m:t>𝓗</m:t>
                                 </m:r>
                               </m:e>
                               <m:sub>
                                 <m:r>
-                                  <m:rPr>
-                                    <m:sty m:val="p"/>
-                                  </m:rPr>
-                                  <a:rPr lang="en-US" sz="2800" b="0" i="0" smtClean="0">
+                                  <a:rPr lang="en-US" sz="2800" b="1" i="0" smtClean="0">
                                     <a:solidFill>
-                                      <a:schemeClr val="accent5">
-                                        <a:lumMod val="50000"/>
-                                      </a:schemeClr>
+                                      <a:schemeClr val="accent2"/>
                                     </a:solidFill>
                                     <a:latin typeface="Cambria Math" panose="02040503050406030204" pitchFamily="18" charset="0"/>
                                   </a:rPr>
-                                  <m:t>ln</m:t>
+                                  <m:t>𝐥𝐧</m:t>
                                 </m:r>
                               </m:sub>
                             </m:sSub>
                             <m:r>
-                              <a:rPr lang="en-US" sz="2800" b="0" i="0" smtClean="0">
+                              <a:rPr lang="en-US" sz="2800" b="1" i="0" smtClean="0">
                                 <a:solidFill>
-                                  <a:schemeClr val="accent5">
-                                    <a:lumMod val="50000"/>
-                                  </a:schemeClr>
+                                  <a:schemeClr val="accent2"/>
                                 </a:solidFill>
                                 <a:latin typeface="Cambria Math" panose="02040503050406030204" pitchFamily="18" charset="0"/>
                               </a:rPr>
@@ -10427,11 +10651,9 @@
                             <m:sSub>
                               <m:sSubPr>
                                 <m:ctrlPr>
-                                  <a:rPr lang="en-US" sz="2800" b="0" smtClean="0">
+                                  <a:rPr lang="en-US" sz="2800" b="1" i="1" smtClean="0">
                                     <a:solidFill>
-                                      <a:schemeClr val="accent5">
-                                        <a:lumMod val="50000"/>
-                                      </a:schemeClr>
+                                      <a:schemeClr val="accent2"/>
                                     </a:solidFill>
                                     <a:latin typeface="Cambria Math" panose="02040503050406030204" pitchFamily="18" charset="0"/>
                                   </a:rPr>
@@ -10439,32 +10661,25 @@
                               </m:sSubPr>
                               <m:e>
                                 <m:r>
-                                  <a:rPr lang="en-US" sz="2800" b="0" i="0" smtClean="0">
+                                  <a:rPr lang="en-US" sz="2800" b="1" i="0" smtClean="0">
                                     <a:solidFill>
-                                      <a:schemeClr val="accent5">
-                                        <a:lumMod val="50000"/>
-                                      </a:schemeClr>
+                                      <a:schemeClr val="accent2"/>
                                     </a:solidFill>
                                     <a:latin typeface="Cambria Math" panose="02040503050406030204" pitchFamily="18" charset="0"/>
                                     <a:ea typeface="Cambria Math" panose="02040503050406030204" pitchFamily="18" charset="0"/>
                                   </a:rPr>
-                                  <m:t>ℋ</m:t>
+                                  <m:t>𝓗</m:t>
                                 </m:r>
                               </m:e>
                               <m:sub>
                                 <m:r>
-                                  <m:rPr>
-                                    <m:sty m:val="p"/>
-                                  </m:rPr>
-                                  <a:rPr lang="en-US" sz="2800" b="0" i="0" smtClean="0">
+                                  <a:rPr lang="en-US" sz="2800" b="1" i="0" smtClean="0">
                                     <a:solidFill>
-                                      <a:schemeClr val="accent5">
-                                        <a:lumMod val="50000"/>
-                                      </a:schemeClr>
+                                      <a:schemeClr val="accent2"/>
                                     </a:solidFill>
                                     <a:latin typeface="Cambria Math" panose="02040503050406030204" pitchFamily="18" charset="0"/>
                                   </a:rPr>
-                                  <m:t>vx</m:t>
+                                  <m:t>𝐯𝐱</m:t>
                                 </m:r>
                               </m:sub>
                             </m:sSub>
@@ -10473,27 +10688,20 @@
                       </m:fName>
                       <m:e>
                         <m:r>
-                          <m:rPr>
-                            <m:sty m:val="p"/>
-                          </m:rPr>
-                          <a:rPr lang="en-US" sz="2800" b="0" i="0" smtClean="0">
+                          <a:rPr lang="en-US" sz="2800" b="1" i="0" smtClean="0">
                             <a:solidFill>
-                              <a:schemeClr val="accent5">
-                                <a:lumMod val="50000"/>
-                              </a:schemeClr>
+                              <a:schemeClr val="accent2"/>
                             </a:solidFill>
                             <a:latin typeface="Cambria Math" panose="02040503050406030204" pitchFamily="18" charset="0"/>
                           </a:rPr>
-                          <m:t>MSE</m:t>
+                          <m:t>𝐌𝐒𝐄</m:t>
                         </m:r>
                         <m:d>
                           <m:dPr>
                             <m:ctrlPr>
-                              <a:rPr lang="en-US" sz="2800" b="0" smtClean="0">
+                              <a:rPr lang="en-US" sz="2800" b="1" i="1" smtClean="0">
                                 <a:solidFill>
-                                  <a:schemeClr val="accent5">
-                                    <a:lumMod val="50000"/>
-                                  </a:schemeClr>
+                                  <a:schemeClr val="accent2"/>
                                 </a:solidFill>
                                 <a:latin typeface="Cambria Math" panose="02040503050406030204" pitchFamily="18" charset="0"/>
                               </a:rPr>
@@ -10503,11 +10711,9 @@
                             <m:sSubSup>
                               <m:sSubSupPr>
                                 <m:ctrlPr>
-                                  <a:rPr lang="en-US" sz="2800" b="0" smtClean="0">
+                                  <a:rPr lang="en-US" sz="2800" b="1" i="1" smtClean="0">
                                     <a:solidFill>
-                                      <a:schemeClr val="accent5">
-                                        <a:lumMod val="50000"/>
-                                      </a:schemeClr>
+                                      <a:schemeClr val="accent2"/>
                                     </a:solidFill>
                                     <a:latin typeface="Cambria Math" panose="02040503050406030204" pitchFamily="18" charset="0"/>
                                   </a:rPr>
@@ -10515,57 +10721,43 @@
                               </m:sSubSupPr>
                               <m:e>
                                 <m:r>
-                                  <a:rPr lang="en-US" sz="2800" b="0" i="0" smtClean="0">
+                                  <a:rPr lang="en-US" sz="2800" b="1" i="0" smtClean="0">
                                     <a:solidFill>
-                                      <a:schemeClr val="accent5">
-                                        <a:lumMod val="50000"/>
-                                      </a:schemeClr>
+                                      <a:schemeClr val="accent2"/>
                                     </a:solidFill>
                                     <a:latin typeface="Cambria Math" panose="02040503050406030204" pitchFamily="18" charset="0"/>
                                     <a:ea typeface="Cambria Math" panose="02040503050406030204" pitchFamily="18" charset="0"/>
                                   </a:rPr>
-                                  <m:t>𝒰</m:t>
+                                  <m:t>𝓤</m:t>
                                 </m:r>
                               </m:e>
                               <m:sub>
                                 <m:r>
-                                  <m:rPr>
-                                    <m:sty m:val="p"/>
-                                  </m:rPr>
-                                  <a:rPr lang="en-US" sz="2800" b="0" i="0" smtClean="0">
+                                  <a:rPr lang="en-US" sz="2800" b="1" i="0" smtClean="0">
                                     <a:solidFill>
-                                      <a:schemeClr val="accent5">
-                                        <a:lumMod val="50000"/>
-                                      </a:schemeClr>
+                                      <a:schemeClr val="accent2"/>
                                     </a:solidFill>
                                     <a:latin typeface="Cambria Math" panose="02040503050406030204" pitchFamily="18" charset="0"/>
                                   </a:rPr>
-                                  <m:t>K</m:t>
+                                  <m:t>𝐊</m:t>
                                 </m:r>
                               </m:sub>
                               <m:sup>
                                 <m:r>
-                                  <m:rPr>
-                                    <m:sty m:val="p"/>
-                                  </m:rPr>
-                                  <a:rPr lang="en-US" sz="2800" b="0" i="0" smtClean="0">
+                                  <a:rPr lang="en-US" sz="2800" b="1" i="0" smtClean="0">
                                     <a:solidFill>
-                                      <a:schemeClr val="accent5">
-                                        <a:lumMod val="50000"/>
-                                      </a:schemeClr>
+                                      <a:schemeClr val="accent2"/>
                                     </a:solidFill>
                                     <a:latin typeface="Cambria Math" panose="02040503050406030204" pitchFamily="18" charset="0"/>
                                   </a:rPr>
-                                  <m:t>T</m:t>
+                                  <m:t>𝐓</m:t>
                                 </m:r>
                               </m:sup>
                             </m:sSubSup>
                             <m:r>
-                              <a:rPr lang="en-US" sz="2800" b="0" i="0" smtClean="0">
+                              <a:rPr lang="en-US" sz="2800" b="1" i="0" smtClean="0">
                                 <a:solidFill>
-                                  <a:schemeClr val="accent5">
-                                    <a:lumMod val="50000"/>
-                                  </a:schemeClr>
+                                  <a:schemeClr val="accent2"/>
                                 </a:solidFill>
                                 <a:latin typeface="Cambria Math" panose="02040503050406030204" pitchFamily="18" charset="0"/>
                               </a:rPr>
@@ -10574,11 +10766,9 @@
                             <m:sSub>
                               <m:sSubPr>
                                 <m:ctrlPr>
-                                  <a:rPr lang="en-US" sz="2800">
+                                  <a:rPr lang="en-US" sz="2800" b="1" i="1">
                                     <a:solidFill>
-                                      <a:schemeClr val="accent5">
-                                        <a:lumMod val="50000"/>
-                                      </a:schemeClr>
+                                      <a:schemeClr val="accent2"/>
                                     </a:solidFill>
                                     <a:latin typeface="Cambria Math" panose="02040503050406030204" pitchFamily="18" charset="0"/>
                                   </a:rPr>
@@ -10586,41 +10776,32 @@
                               </m:sSubPr>
                               <m:e>
                                 <m:r>
-                                  <a:rPr lang="en-US" sz="2800" i="0">
+                                  <a:rPr lang="en-US" sz="2800" b="1" i="0">
                                     <a:solidFill>
-                                      <a:schemeClr val="accent5">
-                                        <a:lumMod val="50000"/>
-                                      </a:schemeClr>
+                                      <a:schemeClr val="accent2"/>
                                     </a:solidFill>
                                     <a:latin typeface="Cambria Math" panose="02040503050406030204" pitchFamily="18" charset="0"/>
                                     <a:ea typeface="Cambria Math" panose="02040503050406030204" pitchFamily="18" charset="0"/>
                                   </a:rPr>
-                                  <m:t>ℋ</m:t>
+                                  <m:t>𝓗</m:t>
                                 </m:r>
                               </m:e>
                               <m:sub>
                                 <m:r>
-                                  <m:rPr>
-                                    <m:sty m:val="p"/>
-                                  </m:rPr>
-                                  <a:rPr lang="en-US" sz="2800" i="0">
+                                  <a:rPr lang="en-US" sz="2800" b="1" i="0">
                                     <a:solidFill>
-                                      <a:schemeClr val="accent5">
-                                        <a:lumMod val="50000"/>
-                                      </a:schemeClr>
+                                      <a:schemeClr val="accent2"/>
                                     </a:solidFill>
                                     <a:latin typeface="Cambria Math" panose="02040503050406030204" pitchFamily="18" charset="0"/>
                                   </a:rPr>
-                                  <m:t>ln</m:t>
+                                  <m:t>𝐥𝐧</m:t>
                                 </m:r>
                               </m:sub>
                             </m:sSub>
                             <m:r>
-                              <a:rPr lang="en-US" sz="2800" i="0" smtClean="0">
+                              <a:rPr lang="en-US" sz="2800" b="1" i="0" smtClean="0">
                                 <a:solidFill>
-                                  <a:schemeClr val="accent5">
-                                    <a:lumMod val="50000"/>
-                                  </a:schemeClr>
+                                  <a:schemeClr val="accent2"/>
                                 </a:solidFill>
                                 <a:latin typeface="Cambria Math" panose="02040503050406030204" pitchFamily="18" charset="0"/>
                                 <a:ea typeface="Cambria Math" panose="02040503050406030204" pitchFamily="18" charset="0"/>
@@ -10628,28 +10809,21 @@
                               <m:t>∙</m:t>
                             </m:r>
                             <m:r>
-                              <m:rPr>
-                                <m:sty m:val="p"/>
-                              </m:rPr>
-                              <a:rPr lang="en-US" sz="2800" b="0" i="0" smtClean="0">
+                              <a:rPr lang="en-US" sz="2800" b="1" i="0" smtClean="0">
                                 <a:solidFill>
-                                  <a:schemeClr val="accent5">
-                                    <a:lumMod val="50000"/>
-                                  </a:schemeClr>
+                                  <a:schemeClr val="accent2"/>
                                 </a:solidFill>
                                 <a:latin typeface="Cambria Math" panose="02040503050406030204" pitchFamily="18" charset="0"/>
                                 <a:ea typeface="Cambria Math" panose="02040503050406030204" pitchFamily="18" charset="0"/>
                               </a:rPr>
-                              <m:t>L</m:t>
+                              <m:t>𝐋</m:t>
                             </m:r>
                             <m:d>
                               <m:dPr>
                                 <m:ctrlPr>
-                                  <a:rPr lang="en-US" sz="2800" b="0" smtClean="0">
+                                  <a:rPr lang="en-US" sz="2800" b="1" i="1" smtClean="0">
                                     <a:solidFill>
-                                      <a:schemeClr val="accent5">
-                                        <a:lumMod val="50000"/>
-                                      </a:schemeClr>
+                                      <a:schemeClr val="accent2"/>
                                     </a:solidFill>
                                     <a:latin typeface="Cambria Math" panose="02040503050406030204" pitchFamily="18" charset="0"/>
                                     <a:ea typeface="Cambria Math" panose="02040503050406030204" pitchFamily="18" charset="0"/>
@@ -10660,11 +10834,9 @@
                                 <m:sSub>
                                   <m:sSubPr>
                                     <m:ctrlPr>
-                                      <a:rPr lang="en-US" sz="2800" b="0" smtClean="0">
+                                      <a:rPr lang="en-US" sz="2800" b="1" i="1" smtClean="0">
                                         <a:solidFill>
-                                          <a:schemeClr val="accent5">
-                                            <a:lumMod val="50000"/>
-                                          </a:schemeClr>
+                                          <a:schemeClr val="accent2"/>
                                         </a:solidFill>
                                         <a:latin typeface="Cambria Math" panose="02040503050406030204" pitchFamily="18" charset="0"/>
                                         <a:ea typeface="Cambria Math" panose="02040503050406030204" pitchFamily="18" charset="0"/>
@@ -10673,44 +10845,35 @@
                                   </m:sSubPr>
                                   <m:e>
                                     <m:r>
-                                      <a:rPr lang="en-US" sz="2800" b="0" i="0" smtClean="0">
+                                      <a:rPr lang="en-US" sz="2800" b="1" i="0" smtClean="0">
                                         <a:solidFill>
-                                          <a:schemeClr val="accent5">
-                                            <a:lumMod val="50000"/>
-                                          </a:schemeClr>
+                                          <a:schemeClr val="accent2"/>
                                         </a:solidFill>
                                         <a:latin typeface="Cambria Math" panose="02040503050406030204" pitchFamily="18" charset="0"/>
                                         <a:ea typeface="Cambria Math" panose="02040503050406030204" pitchFamily="18" charset="0"/>
                                       </a:rPr>
-                                      <m:t>𝒰</m:t>
+                                      <m:t>𝓤</m:t>
                                     </m:r>
                                   </m:e>
                                   <m:sub>
                                     <m:r>
-                                      <m:rPr>
-                                        <m:sty m:val="p"/>
-                                      </m:rPr>
-                                      <a:rPr lang="en-US" sz="2800" b="0" i="0" smtClean="0">
+                                      <a:rPr lang="en-US" sz="2800" b="1" i="0" smtClean="0">
                                         <a:solidFill>
-                                          <a:schemeClr val="accent5">
-                                            <a:lumMod val="50000"/>
-                                          </a:schemeClr>
+                                          <a:schemeClr val="accent2"/>
                                         </a:solidFill>
                                         <a:latin typeface="Cambria Math" panose="02040503050406030204" pitchFamily="18" charset="0"/>
                                         <a:ea typeface="Cambria Math" panose="02040503050406030204" pitchFamily="18" charset="0"/>
                                       </a:rPr>
-                                      <m:t>K</m:t>
+                                      <m:t>𝐊</m:t>
                                     </m:r>
                                   </m:sub>
                                 </m:sSub>
                               </m:e>
                             </m:d>
                             <m:r>
-                              <a:rPr lang="en-US" sz="2800" i="0" smtClean="0">
+                              <a:rPr lang="en-US" sz="2800" b="1" i="0" smtClean="0">
                                 <a:solidFill>
-                                  <a:schemeClr val="accent5">
-                                    <a:lumMod val="50000"/>
-                                  </a:schemeClr>
+                                  <a:schemeClr val="accent2"/>
                                 </a:solidFill>
                                 <a:latin typeface="Cambria Math" panose="02040503050406030204" pitchFamily="18" charset="0"/>
                                 <a:ea typeface="Cambria Math" panose="02040503050406030204" pitchFamily="18" charset="0"/>
@@ -10720,11 +10883,9 @@
                             <m:sSub>
                               <m:sSubPr>
                                 <m:ctrlPr>
-                                  <a:rPr lang="en-US" sz="2800">
+                                  <a:rPr lang="en-US" sz="2800" b="1" i="1">
                                     <a:solidFill>
-                                      <a:schemeClr val="accent5">
-                                        <a:lumMod val="50000"/>
-                                      </a:schemeClr>
+                                      <a:schemeClr val="accent2"/>
                                     </a:solidFill>
                                     <a:latin typeface="Cambria Math" panose="02040503050406030204" pitchFamily="18" charset="0"/>
                                   </a:rPr>
@@ -10732,32 +10893,25 @@
                               </m:sSubPr>
                               <m:e>
                                 <m:r>
-                                  <a:rPr lang="en-US" sz="2800" i="0">
+                                  <a:rPr lang="en-US" sz="2800" b="1" i="0">
                                     <a:solidFill>
-                                      <a:schemeClr val="accent5">
-                                        <a:lumMod val="50000"/>
-                                      </a:schemeClr>
+                                      <a:schemeClr val="accent2"/>
                                     </a:solidFill>
                                     <a:latin typeface="Cambria Math" panose="02040503050406030204" pitchFamily="18" charset="0"/>
                                     <a:ea typeface="Cambria Math" panose="02040503050406030204" pitchFamily="18" charset="0"/>
                                   </a:rPr>
-                                  <m:t>ℋ</m:t>
+                                  <m:t>𝓗</m:t>
                                 </m:r>
                               </m:e>
                               <m:sub>
                                 <m:r>
-                                  <m:rPr>
-                                    <m:sty m:val="p"/>
-                                  </m:rPr>
-                                  <a:rPr lang="en-US" sz="2800" i="0">
+                                  <a:rPr lang="en-US" sz="2800" b="1" i="0">
                                     <a:solidFill>
-                                      <a:schemeClr val="accent5">
-                                        <a:lumMod val="50000"/>
-                                      </a:schemeClr>
+                                      <a:schemeClr val="accent2"/>
                                     </a:solidFill>
                                     <a:latin typeface="Cambria Math" panose="02040503050406030204" pitchFamily="18" charset="0"/>
                                   </a:rPr>
-                                  <m:t>vx</m:t>
+                                  <m:t>𝐯𝐱</m:t>
                                 </m:r>
                               </m:sub>
                             </m:sSub>
@@ -10797,11 +10951,9 @@
                     <m:sSup>
                       <m:sSupPr>
                         <m:ctrlPr>
-                          <a:rPr lang="en-US" sz="2800" smtClean="0">
+                          <a:rPr lang="en-US" sz="2800" b="1" i="1" smtClean="0">
                             <a:solidFill>
-                              <a:schemeClr val="accent5">
-                                <a:lumMod val="50000"/>
-                              </a:schemeClr>
+                              <a:schemeClr val="accent2"/>
                             </a:solidFill>
                             <a:latin typeface="Cambria Math" panose="02040503050406030204" pitchFamily="18" charset="0"/>
                           </a:rPr>
@@ -10811,11 +10963,9 @@
                         <m:d>
                           <m:dPr>
                             <m:ctrlPr>
-                              <a:rPr lang="en-US" sz="2800" smtClean="0">
+                              <a:rPr lang="en-US" sz="2800" b="1" i="1" smtClean="0">
                                 <a:solidFill>
-                                  <a:schemeClr val="accent5">
-                                    <a:lumMod val="50000"/>
-                                  </a:schemeClr>
+                                  <a:schemeClr val="accent2"/>
                                 </a:solidFill>
                                 <a:latin typeface="Cambria Math" panose="02040503050406030204" pitchFamily="18" charset="0"/>
                               </a:rPr>
@@ -10825,11 +10975,9 @@
                             <m:sSubSup>
                               <m:sSubSupPr>
                                 <m:ctrlPr>
-                                  <a:rPr lang="en-US" sz="2800" smtClean="0">
+                                  <a:rPr lang="en-US" sz="2800" b="1" i="1" smtClean="0">
                                     <a:solidFill>
-                                      <a:schemeClr val="accent5">
-                                        <a:lumMod val="50000"/>
-                                      </a:schemeClr>
+                                      <a:schemeClr val="accent2"/>
                                     </a:solidFill>
                                     <a:latin typeface="Cambria Math" panose="02040503050406030204" pitchFamily="18" charset="0"/>
                                   </a:rPr>
@@ -10837,46 +10985,37 @@
                               </m:sSubSupPr>
                               <m:e>
                                 <m:r>
-                                  <a:rPr lang="en-US" sz="2800" i="0">
+                                  <a:rPr lang="en-US" sz="2800" b="1" i="0">
                                     <a:solidFill>
-                                      <a:schemeClr val="accent5">
-                                        <a:lumMod val="50000"/>
-                                      </a:schemeClr>
+                                      <a:schemeClr val="accent2"/>
                                     </a:solidFill>
                                     <a:latin typeface="Cambria Math" panose="02040503050406030204" pitchFamily="18" charset="0"/>
                                     <a:ea typeface="Cambria Math" panose="02040503050406030204" pitchFamily="18" charset="0"/>
                                   </a:rPr>
-                                  <m:t>𝒰</m:t>
+                                  <m:t>𝓤</m:t>
                                 </m:r>
                               </m:e>
                               <m:sub>
                                 <m:r>
-                                  <m:rPr>
-                                    <m:sty m:val="p"/>
-                                  </m:rPr>
-                                  <a:rPr lang="en-US" sz="2800" b="0" i="0" smtClean="0">
+                                  <a:rPr lang="en-US" sz="2800" b="1" i="0" smtClean="0">
                                     <a:solidFill>
-                                      <a:schemeClr val="accent5">
-                                        <a:lumMod val="50000"/>
-                                      </a:schemeClr>
+                                      <a:schemeClr val="accent2"/>
                                     </a:solidFill>
                                     <a:latin typeface="Cambria Math" panose="02040503050406030204" pitchFamily="18" charset="0"/>
                                   </a:rPr>
-                                  <m:t>K</m:t>
+                                  <m:t>𝐊</m:t>
                                 </m:r>
                               </m:sub>
                               <m:sup>
                                 <m:r>
-                                  <a:rPr lang="en-US" sz="2800" i="0" smtClean="0">
+                                  <a:rPr lang="en-US" sz="2800" b="1" i="0" smtClean="0">
                                     <a:solidFill>
-                                      <a:schemeClr val="accent5">
-                                        <a:lumMod val="50000"/>
-                                      </a:schemeClr>
+                                      <a:schemeClr val="accent2"/>
                                     </a:solidFill>
                                     <a:latin typeface="Cambria Math" panose="02040503050406030204" pitchFamily="18" charset="0"/>
                                     <a:ea typeface="Cambria Math" panose="02040503050406030204" pitchFamily="18" charset="0"/>
                                   </a:rPr>
-                                  <m:t>𝓌</m:t>
+                                  <m:t>𝔀</m:t>
                                 </m:r>
                               </m:sup>
                             </m:sSubSup>
@@ -10885,27 +11024,20 @@
                       </m:e>
                       <m:sup>
                         <m:r>
-                          <m:rPr>
-                            <m:sty m:val="p"/>
-                          </m:rPr>
-                          <a:rPr lang="en-US" sz="2800" b="0" i="0" smtClean="0">
+                          <a:rPr lang="en-US" sz="2800" b="1" i="0" smtClean="0">
                             <a:solidFill>
-                              <a:schemeClr val="accent5">
-                                <a:lumMod val="50000"/>
-                              </a:schemeClr>
+                              <a:schemeClr val="accent2"/>
                             </a:solidFill>
                             <a:latin typeface="Cambria Math" panose="02040503050406030204" pitchFamily="18" charset="0"/>
                           </a:rPr>
-                          <m:t>T</m:t>
+                          <m:t>𝐓</m:t>
                         </m:r>
                       </m:sup>
                     </m:sSup>
                     <m:r>
-                      <a:rPr lang="en-US" sz="2800" b="0" i="0" smtClean="0">
+                      <a:rPr lang="en-US" sz="2800" b="1" i="0" smtClean="0">
                         <a:solidFill>
-                          <a:schemeClr val="accent5">
-                            <a:lumMod val="50000"/>
-                          </a:schemeClr>
+                          <a:schemeClr val="accent2"/>
                         </a:solidFill>
                         <a:latin typeface="Cambria Math" panose="02040503050406030204" pitchFamily="18" charset="0"/>
                       </a:rPr>
@@ -10914,11 +11046,9 @@
                     <m:sSub>
                       <m:sSubPr>
                         <m:ctrlPr>
-                          <a:rPr lang="en-US" sz="2800">
+                          <a:rPr lang="en-US" sz="2800" b="1" i="1">
                             <a:solidFill>
-                              <a:schemeClr val="accent5">
-                                <a:lumMod val="50000"/>
-                              </a:schemeClr>
+                              <a:schemeClr val="accent2"/>
                             </a:solidFill>
                             <a:latin typeface="Cambria Math" panose="02040503050406030204" pitchFamily="18" charset="0"/>
                           </a:rPr>
@@ -10926,41 +11056,32 @@
                       </m:sSubPr>
                       <m:e>
                         <m:r>
-                          <a:rPr lang="en-US" sz="2800" i="0">
+                          <a:rPr lang="en-US" sz="2800" b="1" i="0">
                             <a:solidFill>
-                              <a:schemeClr val="accent5">
-                                <a:lumMod val="50000"/>
-                              </a:schemeClr>
+                              <a:schemeClr val="accent2"/>
                             </a:solidFill>
                             <a:latin typeface="Cambria Math" panose="02040503050406030204" pitchFamily="18" charset="0"/>
                             <a:ea typeface="Cambria Math" panose="02040503050406030204" pitchFamily="18" charset="0"/>
                           </a:rPr>
-                          <m:t>ℋ</m:t>
+                          <m:t>𝓗</m:t>
                         </m:r>
                       </m:e>
                       <m:sub>
                         <m:r>
-                          <m:rPr>
-                            <m:sty m:val="p"/>
-                          </m:rPr>
-                          <a:rPr lang="en-US" sz="2800" i="0">
+                          <a:rPr lang="en-US" sz="2800" b="1" i="0">
                             <a:solidFill>
-                              <a:schemeClr val="accent5">
-                                <a:lumMod val="50000"/>
-                              </a:schemeClr>
+                              <a:schemeClr val="accent2"/>
                             </a:solidFill>
                             <a:latin typeface="Cambria Math" panose="02040503050406030204" pitchFamily="18" charset="0"/>
                           </a:rPr>
-                          <m:t>ln</m:t>
+                          <m:t>𝐥𝐧</m:t>
                         </m:r>
                       </m:sub>
                     </m:sSub>
                     <m:r>
-                      <a:rPr lang="en-US" sz="2800" i="0">
+                      <a:rPr lang="en-US" sz="2800" b="1" i="0">
                         <a:solidFill>
-                          <a:schemeClr val="accent5">
-                            <a:lumMod val="50000"/>
-                          </a:schemeClr>
+                          <a:schemeClr val="accent2"/>
                         </a:solidFill>
                         <a:latin typeface="Cambria Math" panose="02040503050406030204" pitchFamily="18" charset="0"/>
                         <a:ea typeface="Cambria Math" panose="02040503050406030204" pitchFamily="18" charset="0"/>
@@ -10970,11 +11091,9 @@
                     <m:sSup>
                       <m:sSupPr>
                         <m:ctrlPr>
-                          <a:rPr lang="en-US" sz="2800" smtClean="0">
+                          <a:rPr lang="en-US" sz="2800" b="1" i="1" smtClean="0">
                             <a:solidFill>
-                              <a:schemeClr val="accent5">
-                                <a:lumMod val="50000"/>
-                              </a:schemeClr>
+                              <a:schemeClr val="accent2"/>
                             </a:solidFill>
                             <a:latin typeface="Cambria Math" panose="02040503050406030204" pitchFamily="18" charset="0"/>
                             <a:ea typeface="Cambria Math" panose="02040503050406030204" pitchFamily="18" charset="0"/>
@@ -10983,44 +11102,35 @@
                       </m:sSupPr>
                       <m:e>
                         <m:r>
-                          <m:rPr>
-                            <m:sty m:val="p"/>
-                          </m:rPr>
-                          <a:rPr lang="en-US" sz="2800" i="0">
+                          <a:rPr lang="en-US" sz="2800" b="1" i="0">
                             <a:solidFill>
-                              <a:schemeClr val="accent5">
-                                <a:lumMod val="50000"/>
-                              </a:schemeClr>
+                              <a:schemeClr val="accent2"/>
                             </a:solidFill>
                             <a:latin typeface="Cambria Math" panose="02040503050406030204" pitchFamily="18" charset="0"/>
                             <a:ea typeface="Cambria Math" panose="02040503050406030204" pitchFamily="18" charset="0"/>
                           </a:rPr>
-                          <m:t>L</m:t>
+                          <m:t>𝐋</m:t>
                         </m:r>
                       </m:e>
                       <m:sup>
                         <m:r>
-                          <a:rPr lang="en-US" sz="2800" i="0">
+                          <a:rPr lang="en-US" sz="2800" b="1" i="0">
                             <a:solidFill>
-                              <a:schemeClr val="accent5">
-                                <a:lumMod val="50000"/>
-                              </a:schemeClr>
+                              <a:schemeClr val="accent2"/>
                             </a:solidFill>
                             <a:latin typeface="Cambria Math" panose="02040503050406030204" pitchFamily="18" charset="0"/>
                             <a:ea typeface="Cambria Math" panose="02040503050406030204" pitchFamily="18" charset="0"/>
                           </a:rPr>
-                          <m:t>𝓌</m:t>
+                          <m:t>𝔀</m:t>
                         </m:r>
                       </m:sup>
                     </m:sSup>
                     <m:d>
                       <m:dPr>
                         <m:ctrlPr>
-                          <a:rPr lang="en-US" sz="2800">
+                          <a:rPr lang="en-US" sz="2800" b="1" i="1">
                             <a:solidFill>
-                              <a:schemeClr val="accent5">
-                                <a:lumMod val="50000"/>
-                              </a:schemeClr>
+                              <a:schemeClr val="accent2"/>
                             </a:solidFill>
                             <a:latin typeface="Cambria Math" panose="02040503050406030204" pitchFamily="18" charset="0"/>
                             <a:ea typeface="Cambria Math" panose="02040503050406030204" pitchFamily="18" charset="0"/>
@@ -11031,11 +11141,9 @@
                         <m:sSub>
                           <m:sSubPr>
                             <m:ctrlPr>
-                              <a:rPr lang="en-US" sz="2800">
+                              <a:rPr lang="en-US" sz="2800" b="1" i="1">
                                 <a:solidFill>
-                                  <a:schemeClr val="accent5">
-                                    <a:lumMod val="50000"/>
-                                  </a:schemeClr>
+                                  <a:schemeClr val="accent2"/>
                                 </a:solidFill>
                                 <a:latin typeface="Cambria Math" panose="02040503050406030204" pitchFamily="18" charset="0"/>
                                 <a:ea typeface="Cambria Math" panose="02040503050406030204" pitchFamily="18" charset="0"/>
@@ -11044,44 +11152,35 @@
                           </m:sSubPr>
                           <m:e>
                             <m:r>
-                              <a:rPr lang="en-US" sz="2800" i="0">
+                              <a:rPr lang="en-US" sz="2800" b="1" i="0">
                                 <a:solidFill>
-                                  <a:schemeClr val="accent5">
-                                    <a:lumMod val="50000"/>
-                                  </a:schemeClr>
+                                  <a:schemeClr val="accent2"/>
                                 </a:solidFill>
                                 <a:latin typeface="Cambria Math" panose="02040503050406030204" pitchFamily="18" charset="0"/>
                                 <a:ea typeface="Cambria Math" panose="02040503050406030204" pitchFamily="18" charset="0"/>
                               </a:rPr>
-                              <m:t>𝒰</m:t>
+                              <m:t>𝓤</m:t>
                             </m:r>
                           </m:e>
                           <m:sub>
                             <m:r>
-                              <m:rPr>
-                                <m:sty m:val="p"/>
-                              </m:rPr>
-                              <a:rPr lang="en-US" sz="2800" i="0">
+                              <a:rPr lang="en-US" sz="2800" b="1" i="0">
                                 <a:solidFill>
-                                  <a:schemeClr val="accent5">
-                                    <a:lumMod val="50000"/>
-                                  </a:schemeClr>
+                                  <a:schemeClr val="accent2"/>
                                 </a:solidFill>
                                 <a:latin typeface="Cambria Math" panose="02040503050406030204" pitchFamily="18" charset="0"/>
                                 <a:ea typeface="Cambria Math" panose="02040503050406030204" pitchFamily="18" charset="0"/>
                               </a:rPr>
-                              <m:t>K</m:t>
+                              <m:t>𝐊</m:t>
                             </m:r>
                           </m:sub>
                         </m:sSub>
                       </m:e>
                     </m:d>
                     <m:r>
-                      <a:rPr lang="en-US" sz="2800" i="0">
+                      <a:rPr lang="en-US" sz="2800" b="1" i="0">
                         <a:solidFill>
-                          <a:schemeClr val="accent5">
-                            <a:lumMod val="50000"/>
-                          </a:schemeClr>
+                          <a:schemeClr val="accent2"/>
                         </a:solidFill>
                         <a:latin typeface="Cambria Math" panose="02040503050406030204" pitchFamily="18" charset="0"/>
                         <a:ea typeface="Cambria Math" panose="02040503050406030204" pitchFamily="18" charset="0"/>
@@ -11091,11 +11190,9 @@
                     <m:sSub>
                       <m:sSubPr>
                         <m:ctrlPr>
-                          <a:rPr lang="en-US" sz="2800">
+                          <a:rPr lang="en-US" sz="2800" b="1" i="1">
                             <a:solidFill>
-                              <a:schemeClr val="accent5">
-                                <a:lumMod val="50000"/>
-                              </a:schemeClr>
+                              <a:schemeClr val="accent2"/>
                             </a:solidFill>
                             <a:latin typeface="Cambria Math" panose="02040503050406030204" pitchFamily="18" charset="0"/>
                           </a:rPr>
@@ -11103,32 +11200,25 @@
                       </m:sSubPr>
                       <m:e>
                         <m:r>
-                          <a:rPr lang="en-US" sz="2800" i="0">
+                          <a:rPr lang="en-US" sz="2800" b="1" i="0">
                             <a:solidFill>
-                              <a:schemeClr val="accent5">
-                                <a:lumMod val="50000"/>
-                              </a:schemeClr>
+                              <a:schemeClr val="accent2"/>
                             </a:solidFill>
                             <a:latin typeface="Cambria Math" panose="02040503050406030204" pitchFamily="18" charset="0"/>
                             <a:ea typeface="Cambria Math" panose="02040503050406030204" pitchFamily="18" charset="0"/>
                           </a:rPr>
-                          <m:t>ℋ</m:t>
+                          <m:t>𝓗</m:t>
                         </m:r>
                       </m:e>
                       <m:sub>
                         <m:r>
-                          <m:rPr>
-                            <m:sty m:val="p"/>
-                          </m:rPr>
-                          <a:rPr lang="en-US" sz="2800" i="0">
+                          <a:rPr lang="en-US" sz="2800" b="1" i="0">
                             <a:solidFill>
-                              <a:schemeClr val="accent5">
-                                <a:lumMod val="50000"/>
-                              </a:schemeClr>
+                              <a:schemeClr val="accent2"/>
                             </a:solidFill>
                             <a:latin typeface="Cambria Math" panose="02040503050406030204" pitchFamily="18" charset="0"/>
                           </a:rPr>
-                          <m:t>vx</m:t>
+                          <m:t>𝐯𝐱</m:t>
                         </m:r>
                       </m:sub>
                     </m:sSub>
@@ -11149,11 +11239,9 @@
                     <m:sSup>
                       <m:sSupPr>
                         <m:ctrlPr>
-                          <a:rPr lang="en-US" sz="2800">
+                          <a:rPr lang="en-US" sz="2800" b="1" i="1" smtClean="0">
                             <a:solidFill>
-                              <a:schemeClr val="accent5">
-                                <a:lumMod val="50000"/>
-                              </a:schemeClr>
+                              <a:schemeClr val="accent2"/>
                             </a:solidFill>
                             <a:latin typeface="Cambria Math" panose="02040503050406030204" pitchFamily="18" charset="0"/>
                             <a:ea typeface="Cambria Math" panose="02040503050406030204" pitchFamily="18" charset="0"/>
@@ -11162,44 +11250,35 @@
                       </m:sSupPr>
                       <m:e>
                         <m:r>
-                          <m:rPr>
-                            <m:sty m:val="p"/>
-                          </m:rPr>
-                          <a:rPr lang="en-US" sz="2800" i="0">
+                          <a:rPr lang="en-US" sz="2800" b="1" i="0">
                             <a:solidFill>
-                              <a:schemeClr val="accent5">
-                                <a:lumMod val="50000"/>
-                              </a:schemeClr>
+                              <a:schemeClr val="accent2"/>
                             </a:solidFill>
                             <a:latin typeface="Cambria Math" panose="02040503050406030204" pitchFamily="18" charset="0"/>
                             <a:ea typeface="Cambria Math" panose="02040503050406030204" pitchFamily="18" charset="0"/>
                           </a:rPr>
-                          <m:t>L</m:t>
+                          <m:t>𝐋</m:t>
                         </m:r>
                       </m:e>
                       <m:sup>
                         <m:r>
-                          <a:rPr lang="en-US" sz="2800" i="0">
+                          <a:rPr lang="en-US" sz="2800" b="1" i="0">
                             <a:solidFill>
-                              <a:schemeClr val="accent5">
-                                <a:lumMod val="50000"/>
-                              </a:schemeClr>
+                              <a:schemeClr val="accent2"/>
                             </a:solidFill>
                             <a:latin typeface="Cambria Math" panose="02040503050406030204" pitchFamily="18" charset="0"/>
                             <a:ea typeface="Cambria Math" panose="02040503050406030204" pitchFamily="18" charset="0"/>
                           </a:rPr>
-                          <m:t>𝓌</m:t>
+                          <m:t>𝔀</m:t>
                         </m:r>
                       </m:sup>
                     </m:sSup>
                     <m:d>
                       <m:dPr>
                         <m:ctrlPr>
-                          <a:rPr lang="en-US" sz="2800">
+                          <a:rPr lang="en-US" sz="2800" b="1" i="1">
                             <a:solidFill>
-                              <a:schemeClr val="accent5">
-                                <a:lumMod val="50000"/>
-                              </a:schemeClr>
+                              <a:schemeClr val="accent2"/>
                             </a:solidFill>
                             <a:latin typeface="Cambria Math" panose="02040503050406030204" pitchFamily="18" charset="0"/>
                             <a:ea typeface="Cambria Math" panose="02040503050406030204" pitchFamily="18" charset="0"/>
@@ -11210,11 +11289,9 @@
                         <m:sSubSup>
                           <m:sSubSupPr>
                             <m:ctrlPr>
-                              <a:rPr lang="en-US" sz="2800" smtClean="0">
+                              <a:rPr lang="en-US" sz="2800" b="1" i="1" smtClean="0">
                                 <a:solidFill>
-                                  <a:schemeClr val="accent5">
-                                    <a:lumMod val="50000"/>
-                                  </a:schemeClr>
+                                  <a:schemeClr val="accent2"/>
                                 </a:solidFill>
                                 <a:latin typeface="Cambria Math" panose="02040503050406030204" pitchFamily="18" charset="0"/>
                                 <a:ea typeface="Cambria Math" panose="02040503050406030204" pitchFamily="18" charset="0"/>
@@ -11223,64 +11300,47 @@
                           </m:sSubSupPr>
                           <m:e>
                             <m:r>
-                              <m:rPr>
-                                <m:sty m:val="p"/>
-                              </m:rPr>
-                              <a:rPr lang="en-US" sz="2800" b="0" i="0" smtClean="0">
+                              <a:rPr lang="en-US" sz="2800" b="1" i="0" smtClean="0">
                                 <a:solidFill>
-                                  <a:schemeClr val="accent5">
-                                    <a:lumMod val="50000"/>
-                                  </a:schemeClr>
+                                  <a:schemeClr val="accent2"/>
                                 </a:solidFill>
                                 <a:latin typeface="Cambria Math" panose="02040503050406030204" pitchFamily="18" charset="0"/>
                                 <a:ea typeface="Cambria Math" panose="02040503050406030204" pitchFamily="18" charset="0"/>
                               </a:rPr>
-                              <m:t>u</m:t>
+                              <m:t>𝐮</m:t>
                             </m:r>
                           </m:e>
                           <m:sub>
                             <m:r>
-                              <m:rPr>
-                                <m:sty m:val="p"/>
-                              </m:rPr>
-                              <a:rPr lang="en-US" sz="2800" b="0" i="0" smtClean="0">
+                              <a:rPr lang="en-US" sz="2800" b="1" i="0" smtClean="0">
                                 <a:solidFill>
-                                  <a:schemeClr val="accent5">
-                                    <a:lumMod val="50000"/>
-                                  </a:schemeClr>
+                                  <a:schemeClr val="accent2"/>
                                 </a:solidFill>
                                 <a:latin typeface="Cambria Math" panose="02040503050406030204" pitchFamily="18" charset="0"/>
                                 <a:ea typeface="Cambria Math" panose="02040503050406030204" pitchFamily="18" charset="0"/>
                               </a:rPr>
-                              <m:t>i</m:t>
+                              <m:t>𝐢</m:t>
                             </m:r>
                           </m:sub>
                           <m:sup>
                             <m:r>
-                              <m:rPr>
-                                <m:sty m:val="p"/>
-                              </m:rPr>
-                              <a:rPr lang="en-US" sz="2800" b="0" i="0" smtClean="0">
+                              <a:rPr lang="en-US" sz="2800" b="1" i="0" smtClean="0">
                                 <a:solidFill>
-                                  <a:schemeClr val="accent5">
-                                    <a:lumMod val="50000"/>
-                                  </a:schemeClr>
+                                  <a:schemeClr val="accent2"/>
                                 </a:solidFill>
                                 <a:latin typeface="Cambria Math" panose="02040503050406030204" pitchFamily="18" charset="0"/>
                                 <a:ea typeface="Cambria Math" panose="02040503050406030204" pitchFamily="18" charset="0"/>
                               </a:rPr>
-                              <m:t>K</m:t>
+                              <m:t>𝐊</m:t>
                             </m:r>
                           </m:sup>
                         </m:sSubSup>
                       </m:e>
                     </m:d>
                     <m:r>
-                      <a:rPr lang="en-US" sz="2800" b="0" i="0" smtClean="0">
+                      <a:rPr lang="en-US" sz="2800" b="1" i="0" smtClean="0">
                         <a:solidFill>
-                          <a:schemeClr val="accent5">
-                            <a:lumMod val="50000"/>
-                          </a:schemeClr>
+                          <a:schemeClr val="accent2"/>
                         </a:solidFill>
                         <a:latin typeface="Cambria Math" panose="02040503050406030204" pitchFamily="18" charset="0"/>
                         <a:ea typeface="Cambria Math" panose="02040503050406030204" pitchFamily="18" charset="0"/>
@@ -11292,11 +11352,9 @@
                         <m:begChr m:val="|"/>
                         <m:endChr m:val="|"/>
                         <m:ctrlPr>
-                          <a:rPr lang="en-US" sz="2800" b="0" smtClean="0">
+                          <a:rPr lang="en-US" sz="2800" b="1" i="1" smtClean="0">
                             <a:solidFill>
-                              <a:schemeClr val="accent5">
-                                <a:lumMod val="50000"/>
-                              </a:schemeClr>
+                              <a:schemeClr val="accent2"/>
                             </a:solidFill>
                             <a:latin typeface="Cambria Math" panose="02040503050406030204" pitchFamily="18" charset="0"/>
                             <a:ea typeface="Cambria Math" panose="02040503050406030204" pitchFamily="18" charset="0"/>
@@ -11307,11 +11365,9 @@
                         <m:sSubSup>
                           <m:sSubSupPr>
                             <m:ctrlPr>
-                              <a:rPr lang="en-US" sz="2800">
+                              <a:rPr lang="en-US" sz="2800" b="1" i="1">
                                 <a:solidFill>
-                                  <a:schemeClr val="accent5">
-                                    <a:lumMod val="50000"/>
-                                  </a:schemeClr>
+                                  <a:schemeClr val="accent2"/>
                                 </a:solidFill>
                                 <a:latin typeface="Cambria Math" panose="02040503050406030204" pitchFamily="18" charset="0"/>
                               </a:rPr>
@@ -11322,11 +11378,9 @@
                               <m:accPr>
                                 <m:chr m:val="̂"/>
                                 <m:ctrlPr>
-                                  <a:rPr lang="en-US" sz="2800">
+                                  <a:rPr lang="en-US" sz="2800" b="1" i="1">
                                     <a:solidFill>
-                                      <a:schemeClr val="accent5">
-                                        <a:lumMod val="50000"/>
-                                      </a:schemeClr>
+                                      <a:schemeClr val="accent2"/>
                                     </a:solidFill>
                                     <a:latin typeface="Cambria Math" panose="02040503050406030204" pitchFamily="18" charset="0"/>
                                   </a:rPr>
@@ -11334,64 +11388,47 @@
                               </m:accPr>
                               <m:e>
                                 <m:r>
-                                  <m:rPr>
-                                    <m:sty m:val="p"/>
-                                  </m:rPr>
-                                  <a:rPr lang="en-US" sz="2800" i="0">
+                                  <a:rPr lang="en-US" sz="2800" b="1" i="0">
                                     <a:solidFill>
-                                      <a:schemeClr val="accent5">
-                                        <a:lumMod val="50000"/>
-                                      </a:schemeClr>
+                                      <a:schemeClr val="accent2"/>
                                     </a:solidFill>
                                     <a:latin typeface="Cambria Math" panose="02040503050406030204" pitchFamily="18" charset="0"/>
                                     <a:ea typeface="Cambria Math" panose="02040503050406030204" pitchFamily="18" charset="0"/>
                                   </a:rPr>
-                                  <m:t>η</m:t>
+                                  <m:t>𝛈</m:t>
                                 </m:r>
                               </m:e>
                             </m:acc>
                           </m:e>
                           <m:sub>
                             <m:r>
-                              <m:rPr>
-                                <m:sty m:val="p"/>
-                              </m:rPr>
-                              <a:rPr lang="en-US" sz="2800" i="0">
+                              <a:rPr lang="en-US" sz="2800" b="1" i="0">
                                 <a:solidFill>
-                                  <a:schemeClr val="accent5">
-                                    <a:lumMod val="50000"/>
-                                  </a:schemeClr>
+                                  <a:schemeClr val="accent2"/>
                                 </a:solidFill>
                                 <a:latin typeface="Cambria Math" panose="02040503050406030204" pitchFamily="18" charset="0"/>
                               </a:rPr>
-                              <m:t>s</m:t>
+                              <m:t>𝐬</m:t>
                             </m:r>
                           </m:sub>
                           <m:sup>
                             <m:r>
-                              <m:rPr>
-                                <m:sty m:val="p"/>
-                              </m:rPr>
-                              <a:rPr lang="en-US" sz="2800" i="0">
+                              <a:rPr lang="en-US" sz="2800" b="1" i="0">
                                 <a:solidFill>
-                                  <a:schemeClr val="accent5">
-                                    <a:lumMod val="50000"/>
-                                  </a:schemeClr>
+                                  <a:schemeClr val="accent2"/>
                                 </a:solidFill>
                                 <a:latin typeface="Cambria Math" panose="02040503050406030204" pitchFamily="18" charset="0"/>
                               </a:rPr>
-                              <m:t>K</m:t>
+                              <m:t>𝐊</m:t>
                             </m:r>
                           </m:sup>
                         </m:sSubSup>
                         <m:d>
                           <m:dPr>
                             <m:ctrlPr>
-                              <a:rPr lang="en-US" sz="2800" smtClean="0">
+                              <a:rPr lang="en-US" sz="2800" b="1" i="1" smtClean="0">
                                 <a:solidFill>
-                                  <a:schemeClr val="accent5">
-                                    <a:lumMod val="50000"/>
-                                  </a:schemeClr>
+                                  <a:schemeClr val="accent2"/>
                                 </a:solidFill>
                                 <a:latin typeface="Cambria Math" panose="02040503050406030204" pitchFamily="18" charset="0"/>
                               </a:rPr>
@@ -11399,46 +11436,34 @@
                           </m:dPr>
                           <m:e>
                             <m:r>
-                              <m:rPr>
-                                <m:sty m:val="p"/>
-                              </m:rPr>
-                              <a:rPr lang="en-US" sz="2800" b="0" i="0" smtClean="0">
+                              <a:rPr lang="en-US" sz="2800" b="1" i="0" smtClean="0">
                                 <a:solidFill>
-                                  <a:schemeClr val="accent5">
-                                    <a:lumMod val="50000"/>
-                                  </a:schemeClr>
+                                  <a:schemeClr val="accent2"/>
                                 </a:solidFill>
                                 <a:latin typeface="Cambria Math" panose="02040503050406030204" pitchFamily="18" charset="0"/>
                               </a:rPr>
-                              <m:t>i</m:t>
+                              <m:t>𝐢</m:t>
                             </m:r>
                           </m:e>
                         </m:d>
                       </m:e>
                     </m:d>
                     <m:r>
-                      <m:rPr>
-                        <m:sty m:val="p"/>
-                      </m:rPr>
-                      <a:rPr lang="en-US" sz="2800" b="0" i="0" smtClean="0">
+                      <a:rPr lang="en-US" sz="2800" b="1" i="0" smtClean="0">
                         <a:solidFill>
-                          <a:schemeClr val="accent5">
-                            <a:lumMod val="50000"/>
-                          </a:schemeClr>
+                          <a:schemeClr val="accent2"/>
                         </a:solidFill>
                         <a:latin typeface="Cambria Math" panose="02040503050406030204" pitchFamily="18" charset="0"/>
                         <a:ea typeface="Cambria Math" panose="02040503050406030204" pitchFamily="18" charset="0"/>
                       </a:rPr>
-                      <m:t>L</m:t>
+                      <m:t>𝐋</m:t>
                     </m:r>
                     <m:d>
                       <m:dPr>
                         <m:ctrlPr>
-                          <a:rPr lang="en-US" sz="2800">
+                          <a:rPr lang="en-US" sz="2800" b="1" i="1">
                             <a:solidFill>
-                              <a:schemeClr val="accent5">
-                                <a:lumMod val="50000"/>
-                              </a:schemeClr>
+                              <a:schemeClr val="accent2"/>
                             </a:solidFill>
                             <a:latin typeface="Cambria Math" panose="02040503050406030204" pitchFamily="18" charset="0"/>
                             <a:ea typeface="Cambria Math" panose="02040503050406030204" pitchFamily="18" charset="0"/>
@@ -11449,11 +11474,9 @@
                         <m:sSubSup>
                           <m:sSubSupPr>
                             <m:ctrlPr>
-                              <a:rPr lang="en-US" sz="2800">
+                              <a:rPr lang="en-US" sz="2800" b="1" i="1">
                                 <a:solidFill>
-                                  <a:schemeClr val="accent5">
-                                    <a:lumMod val="50000"/>
-                                  </a:schemeClr>
+                                  <a:schemeClr val="accent2"/>
                                 </a:solidFill>
                                 <a:latin typeface="Cambria Math" panose="02040503050406030204" pitchFamily="18" charset="0"/>
                                 <a:ea typeface="Cambria Math" panose="02040503050406030204" pitchFamily="18" charset="0"/>
@@ -11462,53 +11485,38 @@
                           </m:sSubSupPr>
                           <m:e>
                             <m:r>
-                              <m:rPr>
-                                <m:sty m:val="p"/>
-                              </m:rPr>
-                              <a:rPr lang="en-US" sz="2800" i="0">
+                              <a:rPr lang="en-US" sz="2800" b="1" i="0">
                                 <a:solidFill>
-                                  <a:schemeClr val="accent5">
-                                    <a:lumMod val="50000"/>
-                                  </a:schemeClr>
+                                  <a:schemeClr val="accent2"/>
                                 </a:solidFill>
                                 <a:latin typeface="Cambria Math" panose="02040503050406030204" pitchFamily="18" charset="0"/>
                                 <a:ea typeface="Cambria Math" panose="02040503050406030204" pitchFamily="18" charset="0"/>
                               </a:rPr>
-                              <m:t>u</m:t>
+                              <m:t>𝐮</m:t>
                             </m:r>
                           </m:e>
                           <m:sub>
                             <m:r>
-                              <m:rPr>
-                                <m:sty m:val="p"/>
-                              </m:rPr>
-                              <a:rPr lang="en-US" sz="2800" i="0">
+                              <a:rPr lang="en-US" sz="2800" b="1" i="0">
                                 <a:solidFill>
-                                  <a:schemeClr val="accent5">
-                                    <a:lumMod val="50000"/>
-                                  </a:schemeClr>
+                                  <a:schemeClr val="accent2"/>
                                 </a:solidFill>
                                 <a:latin typeface="Cambria Math" panose="02040503050406030204" pitchFamily="18" charset="0"/>
                                 <a:ea typeface="Cambria Math" panose="02040503050406030204" pitchFamily="18" charset="0"/>
                               </a:rPr>
-                              <m:t>i</m:t>
+                              <m:t>𝐢</m:t>
                             </m:r>
                           </m:sub>
                           <m:sup>
                             <m:r>
-                              <m:rPr>
-                                <m:sty m:val="p"/>
-                              </m:rPr>
-                              <a:rPr lang="en-US" sz="2800" i="0">
+                              <a:rPr lang="en-US" sz="2800" b="1" i="0">
                                 <a:solidFill>
-                                  <a:schemeClr val="accent5">
-                                    <a:lumMod val="50000"/>
-                                  </a:schemeClr>
+                                  <a:schemeClr val="accent2"/>
                                 </a:solidFill>
                                 <a:latin typeface="Cambria Math" panose="02040503050406030204" pitchFamily="18" charset="0"/>
                                 <a:ea typeface="Cambria Math" panose="02040503050406030204" pitchFamily="18" charset="0"/>
                               </a:rPr>
-                              <m:t>K</m:t>
+                              <m:t>𝐊</m:t>
                             </m:r>
                           </m:sup>
                         </m:sSubSup>
@@ -11546,7 +11554,7 @@
                     <m:sSup>
                       <m:sSupPr>
                         <m:ctrlPr>
-                          <a:rPr lang="en-US" sz="2800">
+                          <a:rPr lang="en-US" sz="2800" i="1">
                             <a:solidFill>
                               <a:schemeClr val="accent5">
                                 <a:lumMod val="50000"/>
@@ -11590,7 +11598,7 @@
                     <m:d>
                       <m:dPr>
                         <m:ctrlPr>
-                          <a:rPr lang="en-US" sz="2800">
+                          <a:rPr lang="en-US" sz="2800" i="1">
                             <a:solidFill>
                               <a:schemeClr val="accent5">
                                 <a:lumMod val="50000"/>
@@ -11633,7 +11641,7 @@
                         <m:begChr m:val="|"/>
                         <m:endChr m:val="|"/>
                         <m:ctrlPr>
-                          <a:rPr lang="en-US" sz="2800" smtClean="0">
+                          <a:rPr lang="en-US" sz="2800" i="1" smtClean="0">
                             <a:solidFill>
                               <a:schemeClr val="accent5">
                                 <a:lumMod val="50000"/>
@@ -11649,7 +11657,7 @@
                             <m:begChr m:val="⟨"/>
                             <m:endChr m:val="⟩"/>
                             <m:ctrlPr>
-                              <a:rPr lang="en-US" sz="2800" smtClean="0">
+                              <a:rPr lang="en-US" sz="2800" i="1" smtClean="0">
                                 <a:solidFill>
                                   <a:schemeClr val="accent5">
                                     <a:lumMod val="50000"/>
@@ -11663,7 +11671,7 @@
                             <m:sSubSup>
                               <m:sSubSupPr>
                                 <m:ctrlPr>
-                                  <a:rPr lang="en-US" sz="2800">
+                                  <a:rPr lang="en-US" sz="2800" i="1">
                                     <a:solidFill>
                                       <a:schemeClr val="accent5">
                                         <a:lumMod val="50000"/>
@@ -11753,7 +11761,7 @@
                             <m:sSubSup>
                               <m:sSubSupPr>
                                 <m:ctrlPr>
-                                  <a:rPr lang="en-US" sz="2800">
+                                  <a:rPr lang="en-US" sz="2800" i="1">
                                     <a:solidFill>
                                       <a:schemeClr val="accent5">
                                         <a:lumMod val="50000"/>
@@ -11863,7 +11871,7 @@
               <a:blipFill>
                 <a:blip r:embed="rId3"/>
                 <a:stretch>
-                  <a:fillRect l="-981" t="-1658" r="-1581" b="-518"/>
+                  <a:fillRect l="-981" t="-2280" b="-622"/>
                 </a:stretch>
               </a:blipFill>
             </p:spPr>
@@ -11895,7 +11903,274 @@
   <p:timing>
     <p:tnLst>
       <p:par>
-        <p:cTn id="1" dur="indefinite" restart="never" nodeType="tmRoot"/>
+        <p:cTn id="1" dur="indefinite" restart="never" nodeType="tmRoot">
+          <p:childTnLst>
+            <p:seq concurrent="1" nextAc="seek">
+              <p:cTn id="2" dur="indefinite" nodeType="mainSeq">
+                <p:childTnLst>
+                  <p:par>
+                    <p:cTn id="3" fill="hold">
+                      <p:stCondLst>
+                        <p:cond delay="indefinite"/>
+                      </p:stCondLst>
+                      <p:childTnLst>
+                        <p:par>
+                          <p:cTn id="4" fill="hold">
+                            <p:stCondLst>
+                              <p:cond delay="0"/>
+                            </p:stCondLst>
+                            <p:childTnLst>
+                              <p:par>
+                                <p:cTn id="5" presetID="10" presetClass="entr" presetSubtype="0" fill="hold" nodeType="clickEffect">
+                                  <p:stCondLst>
+                                    <p:cond delay="0"/>
+                                  </p:stCondLst>
+                                  <p:childTnLst>
+                                    <p:set>
+                                      <p:cBhvr>
+                                        <p:cTn id="6" dur="1" fill="hold">
+                                          <p:stCondLst>
+                                            <p:cond delay="0"/>
+                                          </p:stCondLst>
+                                        </p:cTn>
+                                        <p:tgtEl>
+                                          <p:spTgt spid="3">
+                                            <p:txEl>
+                                              <p:pRg st="4" end="4"/>
+                                            </p:txEl>
+                                          </p:spTgt>
+                                        </p:tgtEl>
+                                        <p:attrNameLst>
+                                          <p:attrName>style.visibility</p:attrName>
+                                        </p:attrNameLst>
+                                      </p:cBhvr>
+                                      <p:to>
+                                        <p:strVal val="visible"/>
+                                      </p:to>
+                                    </p:set>
+                                    <p:animEffect transition="in" filter="fade">
+                                      <p:cBhvr>
+                                        <p:cTn id="7" dur="500"/>
+                                        <p:tgtEl>
+                                          <p:spTgt spid="3">
+                                            <p:txEl>
+                                              <p:pRg st="4" end="4"/>
+                                            </p:txEl>
+                                          </p:spTgt>
+                                        </p:tgtEl>
+                                      </p:cBhvr>
+                                    </p:animEffect>
+                                  </p:childTnLst>
+                                </p:cTn>
+                              </p:par>
+                            </p:childTnLst>
+                          </p:cTn>
+                        </p:par>
+                      </p:childTnLst>
+                    </p:cTn>
+                  </p:par>
+                  <p:par>
+                    <p:cTn id="8" fill="hold">
+                      <p:stCondLst>
+                        <p:cond delay="indefinite"/>
+                      </p:stCondLst>
+                      <p:childTnLst>
+                        <p:par>
+                          <p:cTn id="9" fill="hold">
+                            <p:stCondLst>
+                              <p:cond delay="0"/>
+                            </p:stCondLst>
+                            <p:childTnLst>
+                              <p:par>
+                                <p:cTn id="10" presetID="10" presetClass="entr" presetSubtype="0" fill="hold" nodeType="clickEffect">
+                                  <p:stCondLst>
+                                    <p:cond delay="0"/>
+                                  </p:stCondLst>
+                                  <p:childTnLst>
+                                    <p:set>
+                                      <p:cBhvr>
+                                        <p:cTn id="11" dur="1" fill="hold">
+                                          <p:stCondLst>
+                                            <p:cond delay="0"/>
+                                          </p:stCondLst>
+                                        </p:cTn>
+                                        <p:tgtEl>
+                                          <p:spTgt spid="3">
+                                            <p:txEl>
+                                              <p:pRg st="5" end="5"/>
+                                            </p:txEl>
+                                          </p:spTgt>
+                                        </p:tgtEl>
+                                        <p:attrNameLst>
+                                          <p:attrName>style.visibility</p:attrName>
+                                        </p:attrNameLst>
+                                      </p:cBhvr>
+                                      <p:to>
+                                        <p:strVal val="visible"/>
+                                      </p:to>
+                                    </p:set>
+                                    <p:animEffect transition="in" filter="fade">
+                                      <p:cBhvr>
+                                        <p:cTn id="12" dur="500"/>
+                                        <p:tgtEl>
+                                          <p:spTgt spid="3">
+                                            <p:txEl>
+                                              <p:pRg st="5" end="5"/>
+                                            </p:txEl>
+                                          </p:spTgt>
+                                        </p:tgtEl>
+                                      </p:cBhvr>
+                                    </p:animEffect>
+                                  </p:childTnLst>
+                                </p:cTn>
+                              </p:par>
+                            </p:childTnLst>
+                          </p:cTn>
+                        </p:par>
+                      </p:childTnLst>
+                    </p:cTn>
+                  </p:par>
+                  <p:par>
+                    <p:cTn id="13" fill="hold">
+                      <p:stCondLst>
+                        <p:cond delay="indefinite"/>
+                      </p:stCondLst>
+                      <p:childTnLst>
+                        <p:par>
+                          <p:cTn id="14" fill="hold">
+                            <p:stCondLst>
+                              <p:cond delay="0"/>
+                            </p:stCondLst>
+                            <p:childTnLst>
+                              <p:par>
+                                <p:cTn id="15" presetID="10" presetClass="entr" presetSubtype="0" fill="hold" nodeType="clickEffect">
+                                  <p:stCondLst>
+                                    <p:cond delay="0"/>
+                                  </p:stCondLst>
+                                  <p:childTnLst>
+                                    <p:set>
+                                      <p:cBhvr>
+                                        <p:cTn id="16" dur="1" fill="hold">
+                                          <p:stCondLst>
+                                            <p:cond delay="0"/>
+                                          </p:stCondLst>
+                                        </p:cTn>
+                                        <p:tgtEl>
+                                          <p:spTgt spid="3">
+                                            <p:txEl>
+                                              <p:pRg st="6" end="6"/>
+                                            </p:txEl>
+                                          </p:spTgt>
+                                        </p:tgtEl>
+                                        <p:attrNameLst>
+                                          <p:attrName>style.visibility</p:attrName>
+                                        </p:attrNameLst>
+                                      </p:cBhvr>
+                                      <p:to>
+                                        <p:strVal val="visible"/>
+                                      </p:to>
+                                    </p:set>
+                                    <p:animEffect transition="in" filter="fade">
+                                      <p:cBhvr>
+                                        <p:cTn id="17" dur="500"/>
+                                        <p:tgtEl>
+                                          <p:spTgt spid="3">
+                                            <p:txEl>
+                                              <p:pRg st="6" end="6"/>
+                                            </p:txEl>
+                                          </p:spTgt>
+                                        </p:tgtEl>
+                                      </p:cBhvr>
+                                    </p:animEffect>
+                                  </p:childTnLst>
+                                </p:cTn>
+                              </p:par>
+                            </p:childTnLst>
+                          </p:cTn>
+                        </p:par>
+                      </p:childTnLst>
+                    </p:cTn>
+                  </p:par>
+                  <p:par>
+                    <p:cTn id="18" fill="hold">
+                      <p:stCondLst>
+                        <p:cond delay="indefinite"/>
+                      </p:stCondLst>
+                      <p:childTnLst>
+                        <p:par>
+                          <p:cTn id="19" fill="hold">
+                            <p:stCondLst>
+                              <p:cond delay="0"/>
+                            </p:stCondLst>
+                            <p:childTnLst>
+                              <p:par>
+                                <p:cTn id="20" presetID="10" presetClass="entr" presetSubtype="0" fill="hold" nodeType="clickEffect">
+                                  <p:stCondLst>
+                                    <p:cond delay="0"/>
+                                  </p:stCondLst>
+                                  <p:childTnLst>
+                                    <p:set>
+                                      <p:cBhvr>
+                                        <p:cTn id="21" dur="1" fill="hold">
+                                          <p:stCondLst>
+                                            <p:cond delay="0"/>
+                                          </p:stCondLst>
+                                        </p:cTn>
+                                        <p:tgtEl>
+                                          <p:spTgt spid="3">
+                                            <p:txEl>
+                                              <p:pRg st="7" end="7"/>
+                                            </p:txEl>
+                                          </p:spTgt>
+                                        </p:tgtEl>
+                                        <p:attrNameLst>
+                                          <p:attrName>style.visibility</p:attrName>
+                                        </p:attrNameLst>
+                                      </p:cBhvr>
+                                      <p:to>
+                                        <p:strVal val="visible"/>
+                                      </p:to>
+                                    </p:set>
+                                    <p:animEffect transition="in" filter="fade">
+                                      <p:cBhvr>
+                                        <p:cTn id="22" dur="500"/>
+                                        <p:tgtEl>
+                                          <p:spTgt spid="3">
+                                            <p:txEl>
+                                              <p:pRg st="7" end="7"/>
+                                            </p:txEl>
+                                          </p:spTgt>
+                                        </p:tgtEl>
+                                      </p:cBhvr>
+                                    </p:animEffect>
+                                  </p:childTnLst>
+                                </p:cTn>
+                              </p:par>
+                            </p:childTnLst>
+                          </p:cTn>
+                        </p:par>
+                      </p:childTnLst>
+                    </p:cTn>
+                  </p:par>
+                </p:childTnLst>
+              </p:cTn>
+              <p:prevCondLst>
+                <p:cond evt="onPrev" delay="0">
+                  <p:tgtEl>
+                    <p:sldTgt/>
+                  </p:tgtEl>
+                </p:cond>
+              </p:prevCondLst>
+              <p:nextCondLst>
+                <p:cond evt="onNext" delay="0">
+                  <p:tgtEl>
+                    <p:sldTgt/>
+                  </p:tgtEl>
+                </p:cond>
+              </p:nextCondLst>
+            </p:seq>
+          </p:childTnLst>
+        </p:cTn>
       </p:par>
     </p:tnLst>
   </p:timing>
@@ -11965,11 +12240,6 @@
               </a:rPr>
               <a:t>LN-VX)</a:t>
             </a:r>
-            <a:endParaRPr lang="en-US" b="1" dirty="0">
-              <a:solidFill>
-                <a:schemeClr val="tx2"/>
-              </a:solidFill>
-            </a:endParaRPr>
           </a:p>
         </p:txBody>
       </p:sp>
@@ -13012,15 +13282,7 @@
                   <a:schemeClr val="tx2"/>
                 </a:solidFill>
               </a:rPr>
-              <a:t>Task 1: SGS </a:t>
-            </a:r>
-            <a:r>
-              <a:rPr lang="en-US" b="1" dirty="0" smtClean="0">
-                <a:solidFill>
-                  <a:schemeClr val="tx2"/>
-                </a:solidFill>
-              </a:rPr>
-              <a:t>vs GFT on Real-Valued Graph Signals</a:t>
+              <a:t>Task 1: SGS vs GFT on Real-Valued Graph Signals</a:t>
             </a:r>
             <a:endParaRPr lang="en-US" b="1" dirty="0">
               <a:solidFill>
@@ -13030,8 +13292,8 @@
           </a:p>
         </p:txBody>
       </p:sp>
-      <mc:AlternateContent xmlns:mc="http://schemas.openxmlformats.org/markup-compatibility/2006">
-        <mc:Choice xmlns:a14="http://schemas.microsoft.com/office/drawing/2010/main" Requires="a14">
+      <mc:AlternateContent xmlns:mc="http://schemas.openxmlformats.org/markup-compatibility/2006" xmlns:a14="http://schemas.microsoft.com/office/drawing/2010/main">
+        <mc:Choice Requires="a14">
           <p:sp>
             <p:nvSpPr>
               <p:cNvPr id="7" name="Content Placeholder 6"/>
@@ -13348,7 +13610,7 @@
             </p:txBody>
           </p:sp>
         </mc:Choice>
-        <mc:Fallback>
+        <mc:Fallback xmlns="">
           <p:sp>
             <p:nvSpPr>
               <p:cNvPr id="7" name="Content Placeholder 6"/>
@@ -13581,8 +13843,8 @@
           </a:p>
         </p:txBody>
       </p:sp>
-      <mc:AlternateContent xmlns:mc="http://schemas.openxmlformats.org/markup-compatibility/2006">
-        <mc:Choice xmlns:a14="http://schemas.microsoft.com/office/drawing/2010/main" Requires="a14">
+      <mc:AlternateContent xmlns:mc="http://schemas.openxmlformats.org/markup-compatibility/2006" xmlns:a14="http://schemas.microsoft.com/office/drawing/2010/main">
+        <mc:Choice Requires="a14">
           <p:sp>
             <p:nvSpPr>
               <p:cNvPr id="3" name="Content Placeholder 2"/>
@@ -13879,7 +14141,7 @@
             </p:txBody>
           </p:sp>
         </mc:Choice>
-        <mc:Fallback>
+        <mc:Fallback xmlns="">
           <p:sp>
             <p:nvSpPr>
               <p:cNvPr id="3" name="Content Placeholder 2"/>
@@ -14448,15 +14710,7 @@
                   <a:schemeClr val="tx2"/>
                 </a:solidFill>
               </a:rPr>
-              <a:t>Agreement </a:t>
-            </a:r>
-            <a:r>
-              <a:rPr lang="en-US" b="1" dirty="0">
-                <a:solidFill>
-                  <a:schemeClr val="tx2"/>
-                </a:solidFill>
-              </a:rPr>
-              <a:t>Between SGS Methods</a:t>
+              <a:t>Agreement Between SGS Methods</a:t>
             </a:r>
           </a:p>
         </p:txBody>
@@ -14692,15 +14946,7 @@
                   <a:schemeClr val="tx2"/>
                 </a:solidFill>
               </a:rPr>
-              <a:t>Task 2: Agreement </a:t>
-            </a:r>
-            <a:r>
-              <a:rPr lang="en-US" b="1" dirty="0">
-                <a:solidFill>
-                  <a:schemeClr val="tx2"/>
-                </a:solidFill>
-              </a:rPr>
-              <a:t>Between SGS Methods</a:t>
+              <a:t>Task 2: Agreement Between SGS Methods</a:t>
             </a:r>
           </a:p>
         </p:txBody>
@@ -14799,15 +15045,7 @@
                   <a:schemeClr val="tx2"/>
                 </a:solidFill>
               </a:rPr>
-              <a:t>Task 2: Agreement </a:t>
-            </a:r>
-            <a:r>
-              <a:rPr lang="en-US" b="1" dirty="0">
-                <a:solidFill>
-                  <a:schemeClr val="tx2"/>
-                </a:solidFill>
-              </a:rPr>
-              <a:t>Between SGS Methods</a:t>
+              <a:t>Task 2: Agreement Between SGS Methods</a:t>
             </a:r>
           </a:p>
         </p:txBody>
@@ -14906,21 +15144,13 @@
                   <a:schemeClr val="tx2"/>
                 </a:solidFill>
               </a:rPr>
-              <a:t>Task 2: Agreement </a:t>
-            </a:r>
-            <a:r>
-              <a:rPr lang="en-US" b="1" dirty="0">
-                <a:solidFill>
-                  <a:schemeClr val="tx2"/>
-                </a:solidFill>
-              </a:rPr>
-              <a:t>Between SGS Methods</a:t>
+              <a:t>Task 2: Agreement Between SGS Methods</a:t>
             </a:r>
           </a:p>
         </p:txBody>
       </p:sp>
-      <mc:AlternateContent xmlns:mc="http://schemas.openxmlformats.org/markup-compatibility/2006">
-        <mc:Choice xmlns:a14="http://schemas.microsoft.com/office/drawing/2010/main" Requires="a14">
+      <mc:AlternateContent xmlns:mc="http://schemas.openxmlformats.org/markup-compatibility/2006" xmlns:a14="http://schemas.microsoft.com/office/drawing/2010/main">
+        <mc:Choice Requires="a14">
           <p:sp>
             <p:nvSpPr>
               <p:cNvPr id="3" name="Content Placeholder 2"/>
@@ -15332,7 +15562,7 @@
             </p:txBody>
           </p:sp>
         </mc:Choice>
-        <mc:Fallback>
+        <mc:Fallback xmlns="">
           <p:sp>
             <p:nvSpPr>
               <p:cNvPr id="3" name="Content Placeholder 2"/>
@@ -16025,16 +16255,11 @@
               </a:rPr>
               <a:t>Weight SGS Methods for ENS</a:t>
             </a:r>
-            <a:endParaRPr lang="en-US" b="1" dirty="0">
-              <a:solidFill>
-                <a:schemeClr val="tx2"/>
-              </a:solidFill>
-            </a:endParaRPr>
           </a:p>
         </p:txBody>
       </p:sp>
-      <mc:AlternateContent xmlns:mc="http://schemas.openxmlformats.org/markup-compatibility/2006">
-        <mc:Choice xmlns:a14="http://schemas.microsoft.com/office/drawing/2010/main" Requires="a14">
+      <mc:AlternateContent xmlns:mc="http://schemas.openxmlformats.org/markup-compatibility/2006" xmlns:a14="http://schemas.microsoft.com/office/drawing/2010/main">
+        <mc:Choice Requires="a14">
           <p:sp>
             <p:nvSpPr>
               <p:cNvPr id="3" name="Content Placeholder 2"/>
@@ -16584,7 +16809,7 @@
             </p:txBody>
           </p:sp>
         </mc:Choice>
-        <mc:Fallback>
+        <mc:Fallback xmlns="">
           <p:sp>
             <p:nvSpPr>
               <p:cNvPr id="3" name="Content Placeholder 2"/>
@@ -17052,17 +17277,19 @@
             <a:spLocks noGrp="1"/>
           </p:cNvSpPr>
           <p:nvPr>
-            <p:ph type="ctrTitle"/>
+            <p:ph type="title"/>
           </p:nvPr>
         </p:nvSpPr>
         <p:spPr>
           <a:xfrm>
-            <a:off x="1358537" y="2237048"/>
-            <a:ext cx="9144000" cy="951490"/>
+            <a:off x="457202" y="304165"/>
+            <a:ext cx="10994569" cy="671195"/>
           </a:xfrm>
         </p:spPr>
         <p:txBody>
-          <a:bodyPr/>
+          <a:bodyPr>
+            <a:noAutofit/>
+          </a:bodyPr>
           <a:lstStyle/>
           <a:p>
             <a:r>
@@ -17071,7 +17298,7 @@
                   <a:schemeClr val="tx2"/>
                 </a:solidFill>
               </a:rPr>
-              <a:t>Questions</a:t>
+              <a:t>In-Progress Works</a:t>
             </a:r>
             <a:endParaRPr lang="en-US" b="1" dirty="0">
               <a:solidFill>
@@ -17081,10 +17308,296 @@
           </a:p>
         </p:txBody>
       </p:sp>
+      <p:sp>
+        <p:nvSpPr>
+          <p:cNvPr id="3" name="Content Placeholder 2"/>
+          <p:cNvSpPr>
+            <a:spLocks noGrp="1"/>
+          </p:cNvSpPr>
+          <p:nvPr>
+            <p:ph idx="1"/>
+          </p:nvPr>
+        </p:nvSpPr>
+        <p:spPr>
+          <a:xfrm>
+            <a:off x="457202" y="975360"/>
+            <a:ext cx="11160032" cy="2456311"/>
+          </a:xfrm>
+        </p:spPr>
+        <p:txBody>
+          <a:bodyPr>
+            <a:normAutofit/>
+          </a:bodyPr>
+          <a:lstStyle/>
+          <a:p>
+            <a:r>
+              <a:rPr lang="en-US" dirty="0" smtClean="0">
+                <a:solidFill>
+                  <a:schemeClr val="accent5">
+                    <a:lumMod val="50000"/>
+                  </a:schemeClr>
+                </a:solidFill>
+              </a:rPr>
+              <a:t>Applications of discrete </a:t>
+            </a:r>
+            <a:r>
+              <a:rPr lang="en-US" b="1" dirty="0" smtClean="0">
+                <a:solidFill>
+                  <a:schemeClr val="accent5"/>
+                </a:solidFill>
+              </a:rPr>
+              <a:t>Ricci curvatures </a:t>
+            </a:r>
+            <a:r>
+              <a:rPr lang="en-US" dirty="0" smtClean="0">
+                <a:solidFill>
+                  <a:schemeClr val="accent5">
+                    <a:lumMod val="50000"/>
+                  </a:schemeClr>
+                </a:solidFill>
+              </a:rPr>
+              <a:t>(</a:t>
+            </a:r>
+            <a:r>
+              <a:rPr lang="en-US" dirty="0" err="1" smtClean="0">
+                <a:solidFill>
+                  <a:schemeClr val="accent5">
+                    <a:lumMod val="50000"/>
+                  </a:schemeClr>
+                </a:solidFill>
+              </a:rPr>
+              <a:t>Ollivier</a:t>
+            </a:r>
+            <a:r>
+              <a:rPr lang="en-US" dirty="0" smtClean="0">
+                <a:solidFill>
+                  <a:schemeClr val="accent5">
+                    <a:lumMod val="50000"/>
+                  </a:schemeClr>
+                </a:solidFill>
+              </a:rPr>
+              <a:t> &amp; Forman) and </a:t>
+            </a:r>
+            <a:r>
+              <a:rPr lang="en-US" b="1" dirty="0" smtClean="0">
+                <a:solidFill>
+                  <a:schemeClr val="accent5"/>
+                </a:solidFill>
+              </a:rPr>
+              <a:t>Ricci flow</a:t>
+            </a:r>
+          </a:p>
+          <a:p>
+            <a:pPr lvl="1"/>
+            <a:r>
+              <a:rPr lang="en-US" dirty="0" smtClean="0">
+                <a:solidFill>
+                  <a:schemeClr val="accent5"/>
+                </a:solidFill>
+              </a:rPr>
+              <a:t>Community detection</a:t>
+            </a:r>
+          </a:p>
+          <a:p>
+            <a:pPr lvl="1"/>
+            <a:r>
+              <a:rPr lang="en-US" dirty="0" smtClean="0">
+                <a:solidFill>
+                  <a:schemeClr val="accent5"/>
+                </a:solidFill>
+              </a:rPr>
+              <a:t>Network role labeling</a:t>
+            </a:r>
+          </a:p>
+          <a:p>
+            <a:pPr lvl="1"/>
+            <a:r>
+              <a:rPr lang="en-US" dirty="0" smtClean="0">
+                <a:solidFill>
+                  <a:schemeClr val="accent5"/>
+                </a:solidFill>
+              </a:rPr>
+              <a:t>Dynamics of community structures and roles</a:t>
+            </a:r>
+          </a:p>
+          <a:p>
+            <a:pPr lvl="1"/>
+            <a:r>
+              <a:rPr lang="en-US" dirty="0" smtClean="0">
+                <a:solidFill>
+                  <a:schemeClr val="accent5"/>
+                </a:solidFill>
+              </a:rPr>
+              <a:t>Multimodal Ricci flow</a:t>
+            </a:r>
+          </a:p>
+          <a:p>
+            <a:pPr lvl="1"/>
+            <a:r>
+              <a:rPr lang="en-US" dirty="0" smtClean="0">
+                <a:solidFill>
+                  <a:schemeClr val="accent5"/>
+                </a:solidFill>
+              </a:rPr>
+              <a:t>Shapes of representation spaces of  ML models</a:t>
+            </a:r>
+          </a:p>
+          <a:p>
+            <a:pPr lvl="1"/>
+            <a:endParaRPr lang="en-US" b="1" dirty="0" smtClean="0">
+              <a:solidFill>
+                <a:schemeClr val="accent5"/>
+              </a:solidFill>
+            </a:endParaRPr>
+          </a:p>
+        </p:txBody>
+      </p:sp>
+      <p:pic>
+        <p:nvPicPr>
+          <p:cNvPr id="4" name="Picture 3"/>
+          <p:cNvPicPr>
+            <a:picLocks noChangeAspect="1"/>
+          </p:cNvPicPr>
+          <p:nvPr/>
+        </p:nvPicPr>
+        <p:blipFill>
+          <a:blip r:embed="rId2" cstate="print">
+            <a:extLst>
+              <a:ext uri="{28A0092B-C50C-407E-A947-70E740481C1C}">
+                <a14:useLocalDpi xmlns:a14="http://schemas.microsoft.com/office/drawing/2010/main" val="0"/>
+              </a:ext>
+            </a:extLst>
+          </a:blip>
+          <a:stretch>
+            <a:fillRect/>
+          </a:stretch>
+        </p:blipFill>
+        <p:spPr>
+          <a:xfrm>
+            <a:off x="1225625" y="3370217"/>
+            <a:ext cx="5155690" cy="3456751"/>
+          </a:xfrm>
+          <a:prstGeom prst="rect">
+            <a:avLst/>
+          </a:prstGeom>
+        </p:spPr>
+      </p:pic>
+      <p:pic>
+        <p:nvPicPr>
+          <p:cNvPr id="5" name="Picture 4"/>
+          <p:cNvPicPr>
+            <a:picLocks noChangeAspect="1"/>
+          </p:cNvPicPr>
+          <p:nvPr/>
+        </p:nvPicPr>
+        <p:blipFill>
+          <a:blip r:embed="rId3">
+            <a:extLst>
+              <a:ext uri="{28A0092B-C50C-407E-A947-70E740481C1C}">
+                <a14:useLocalDpi xmlns:a14="http://schemas.microsoft.com/office/drawing/2010/main" val="0"/>
+              </a:ext>
+            </a:extLst>
+          </a:blip>
+          <a:stretch>
+            <a:fillRect/>
+          </a:stretch>
+        </p:blipFill>
+        <p:spPr>
+          <a:xfrm>
+            <a:off x="7149738" y="2938762"/>
+            <a:ext cx="3762102" cy="3888206"/>
+          </a:xfrm>
+          <a:prstGeom prst="rect">
+            <a:avLst/>
+          </a:prstGeom>
+        </p:spPr>
+      </p:pic>
+      <p:sp>
+        <p:nvSpPr>
+          <p:cNvPr id="6" name="TextBox 5"/>
+          <p:cNvSpPr txBox="1"/>
+          <p:nvPr/>
+        </p:nvSpPr>
+        <p:spPr>
+          <a:xfrm>
+            <a:off x="7193280" y="1907178"/>
+            <a:ext cx="3675017" cy="830997"/>
+          </a:xfrm>
+          <a:prstGeom prst="rect">
+            <a:avLst/>
+          </a:prstGeom>
+          <a:noFill/>
+        </p:spPr>
+        <p:txBody>
+          <a:bodyPr wrap="square" rtlCol="0">
+            <a:spAutoFit/>
+          </a:bodyPr>
+          <a:lstStyle/>
+          <a:p>
+            <a:r>
+              <a:rPr lang="en-US" sz="1600" dirty="0">
+                <a:solidFill>
+                  <a:schemeClr val="accent5">
+                    <a:lumMod val="50000"/>
+                  </a:schemeClr>
+                </a:solidFill>
+              </a:rPr>
+              <a:t>Ni, C. C., Lin, Y. Y., Luo, F., &amp; Gao, J. (2019). Community detection on networks with Ricci flow. </a:t>
+            </a:r>
+            <a:r>
+              <a:rPr lang="en-US" sz="1600" i="1" dirty="0">
+                <a:solidFill>
+                  <a:schemeClr val="accent5">
+                    <a:lumMod val="50000"/>
+                  </a:schemeClr>
+                </a:solidFill>
+              </a:rPr>
+              <a:t>Scientific reports</a:t>
+            </a:r>
+            <a:r>
+              <a:rPr lang="en-US" sz="1600" dirty="0">
+                <a:solidFill>
+                  <a:schemeClr val="accent5">
+                    <a:lumMod val="50000"/>
+                  </a:schemeClr>
+                </a:solidFill>
+              </a:rPr>
+              <a:t>, </a:t>
+            </a:r>
+            <a:r>
+              <a:rPr lang="en-US" sz="1600" i="1" dirty="0">
+                <a:solidFill>
+                  <a:schemeClr val="accent5">
+                    <a:lumMod val="50000"/>
+                  </a:schemeClr>
+                </a:solidFill>
+              </a:rPr>
+              <a:t>9</a:t>
+            </a:r>
+            <a:r>
+              <a:rPr lang="en-US" sz="1600" dirty="0">
+                <a:solidFill>
+                  <a:schemeClr val="accent5">
+                    <a:lumMod val="50000"/>
+                  </a:schemeClr>
+                </a:solidFill>
+              </a:rPr>
+              <a:t>(1), 1-12.</a:t>
+            </a:r>
+            <a:endParaRPr lang="en-US" sz="1600" dirty="0">
+              <a:solidFill>
+                <a:schemeClr val="accent5">
+                  <a:lumMod val="50000"/>
+                </a:schemeClr>
+              </a:solidFill>
+            </a:endParaRPr>
+          </a:p>
+        </p:txBody>
+      </p:sp>
     </p:spTree>
     <p:extLst>
       <p:ext uri="{BB962C8B-B14F-4D97-AF65-F5344CB8AC3E}">
-        <p14:creationId xmlns:p14="http://schemas.microsoft.com/office/powerpoint/2010/main" val="584280558"/>
+        <p14:creationId xmlns:p14="http://schemas.microsoft.com/office/powerpoint/2010/main" val="2101531034"/>
       </p:ext>
     </p:extLst>
   </p:cSld>
@@ -17094,9 +17607,311 @@
   <p:timing>
     <p:tnLst>
       <p:par>
-        <p:cTn id="1" dur="indefinite" restart="never" nodeType="tmRoot"/>
+        <p:cTn id="1" dur="indefinite" restart="never" nodeType="tmRoot">
+          <p:childTnLst>
+            <p:seq concurrent="1" nextAc="seek">
+              <p:cTn id="2" dur="indefinite" nodeType="mainSeq">
+                <p:childTnLst>
+                  <p:par>
+                    <p:cTn id="3" fill="hold">
+                      <p:stCondLst>
+                        <p:cond delay="indefinite"/>
+                      </p:stCondLst>
+                      <p:childTnLst>
+                        <p:par>
+                          <p:cTn id="4" fill="hold">
+                            <p:stCondLst>
+                              <p:cond delay="0"/>
+                            </p:stCondLst>
+                            <p:childTnLst>
+                              <p:par>
+                                <p:cTn id="5" presetID="10" presetClass="entr" presetSubtype="0" fill="hold" grpId="0" nodeType="clickEffect">
+                                  <p:stCondLst>
+                                    <p:cond delay="0"/>
+                                  </p:stCondLst>
+                                  <p:childTnLst>
+                                    <p:set>
+                                      <p:cBhvr>
+                                        <p:cTn id="6" dur="1" fill="hold">
+                                          <p:stCondLst>
+                                            <p:cond delay="0"/>
+                                          </p:stCondLst>
+                                        </p:cTn>
+                                        <p:tgtEl>
+                                          <p:spTgt spid="3">
+                                            <p:txEl>
+                                              <p:pRg st="0" end="0"/>
+                                            </p:txEl>
+                                          </p:spTgt>
+                                        </p:tgtEl>
+                                        <p:attrNameLst>
+                                          <p:attrName>style.visibility</p:attrName>
+                                        </p:attrNameLst>
+                                      </p:cBhvr>
+                                      <p:to>
+                                        <p:strVal val="visible"/>
+                                      </p:to>
+                                    </p:set>
+                                    <p:animEffect transition="in" filter="fade">
+                                      <p:cBhvr>
+                                        <p:cTn id="7" dur="500"/>
+                                        <p:tgtEl>
+                                          <p:spTgt spid="3">
+                                            <p:txEl>
+                                              <p:pRg st="0" end="0"/>
+                                            </p:txEl>
+                                          </p:spTgt>
+                                        </p:tgtEl>
+                                      </p:cBhvr>
+                                    </p:animEffect>
+                                  </p:childTnLst>
+                                </p:cTn>
+                              </p:par>
+                              <p:par>
+                                <p:cTn id="8" presetID="10" presetClass="entr" presetSubtype="0" fill="hold" grpId="0" nodeType="withEffect">
+                                  <p:stCondLst>
+                                    <p:cond delay="0"/>
+                                  </p:stCondLst>
+                                  <p:childTnLst>
+                                    <p:set>
+                                      <p:cBhvr>
+                                        <p:cTn id="9" dur="1" fill="hold">
+                                          <p:stCondLst>
+                                            <p:cond delay="0"/>
+                                          </p:stCondLst>
+                                        </p:cTn>
+                                        <p:tgtEl>
+                                          <p:spTgt spid="3">
+                                            <p:txEl>
+                                              <p:pRg st="1" end="1"/>
+                                            </p:txEl>
+                                          </p:spTgt>
+                                        </p:tgtEl>
+                                        <p:attrNameLst>
+                                          <p:attrName>style.visibility</p:attrName>
+                                        </p:attrNameLst>
+                                      </p:cBhvr>
+                                      <p:to>
+                                        <p:strVal val="visible"/>
+                                      </p:to>
+                                    </p:set>
+                                    <p:animEffect transition="in" filter="fade">
+                                      <p:cBhvr>
+                                        <p:cTn id="10" dur="500"/>
+                                        <p:tgtEl>
+                                          <p:spTgt spid="3">
+                                            <p:txEl>
+                                              <p:pRg st="1" end="1"/>
+                                            </p:txEl>
+                                          </p:spTgt>
+                                        </p:tgtEl>
+                                      </p:cBhvr>
+                                    </p:animEffect>
+                                  </p:childTnLst>
+                                </p:cTn>
+                              </p:par>
+                              <p:par>
+                                <p:cTn id="11" presetID="10" presetClass="entr" presetSubtype="0" fill="hold" grpId="0" nodeType="withEffect">
+                                  <p:stCondLst>
+                                    <p:cond delay="0"/>
+                                  </p:stCondLst>
+                                  <p:childTnLst>
+                                    <p:set>
+                                      <p:cBhvr>
+                                        <p:cTn id="12" dur="1" fill="hold">
+                                          <p:stCondLst>
+                                            <p:cond delay="0"/>
+                                          </p:stCondLst>
+                                        </p:cTn>
+                                        <p:tgtEl>
+                                          <p:spTgt spid="3">
+                                            <p:txEl>
+                                              <p:pRg st="2" end="2"/>
+                                            </p:txEl>
+                                          </p:spTgt>
+                                        </p:tgtEl>
+                                        <p:attrNameLst>
+                                          <p:attrName>style.visibility</p:attrName>
+                                        </p:attrNameLst>
+                                      </p:cBhvr>
+                                      <p:to>
+                                        <p:strVal val="visible"/>
+                                      </p:to>
+                                    </p:set>
+                                    <p:animEffect transition="in" filter="fade">
+                                      <p:cBhvr>
+                                        <p:cTn id="13" dur="500"/>
+                                        <p:tgtEl>
+                                          <p:spTgt spid="3">
+                                            <p:txEl>
+                                              <p:pRg st="2" end="2"/>
+                                            </p:txEl>
+                                          </p:spTgt>
+                                        </p:tgtEl>
+                                      </p:cBhvr>
+                                    </p:animEffect>
+                                  </p:childTnLst>
+                                </p:cTn>
+                              </p:par>
+                              <p:par>
+                                <p:cTn id="14" presetID="10" presetClass="entr" presetSubtype="0" fill="hold" grpId="0" nodeType="withEffect">
+                                  <p:stCondLst>
+                                    <p:cond delay="0"/>
+                                  </p:stCondLst>
+                                  <p:childTnLst>
+                                    <p:set>
+                                      <p:cBhvr>
+                                        <p:cTn id="15" dur="1" fill="hold">
+                                          <p:stCondLst>
+                                            <p:cond delay="0"/>
+                                          </p:stCondLst>
+                                        </p:cTn>
+                                        <p:tgtEl>
+                                          <p:spTgt spid="3">
+                                            <p:txEl>
+                                              <p:pRg st="3" end="3"/>
+                                            </p:txEl>
+                                          </p:spTgt>
+                                        </p:tgtEl>
+                                        <p:attrNameLst>
+                                          <p:attrName>style.visibility</p:attrName>
+                                        </p:attrNameLst>
+                                      </p:cBhvr>
+                                      <p:to>
+                                        <p:strVal val="visible"/>
+                                      </p:to>
+                                    </p:set>
+                                    <p:animEffect transition="in" filter="fade">
+                                      <p:cBhvr>
+                                        <p:cTn id="16" dur="500"/>
+                                        <p:tgtEl>
+                                          <p:spTgt spid="3">
+                                            <p:txEl>
+                                              <p:pRg st="3" end="3"/>
+                                            </p:txEl>
+                                          </p:spTgt>
+                                        </p:tgtEl>
+                                      </p:cBhvr>
+                                    </p:animEffect>
+                                  </p:childTnLst>
+                                </p:cTn>
+                              </p:par>
+                              <p:par>
+                                <p:cTn id="17" presetID="10" presetClass="entr" presetSubtype="0" fill="hold" grpId="0" nodeType="withEffect">
+                                  <p:stCondLst>
+                                    <p:cond delay="0"/>
+                                  </p:stCondLst>
+                                  <p:childTnLst>
+                                    <p:set>
+                                      <p:cBhvr>
+                                        <p:cTn id="18" dur="1" fill="hold">
+                                          <p:stCondLst>
+                                            <p:cond delay="0"/>
+                                          </p:stCondLst>
+                                        </p:cTn>
+                                        <p:tgtEl>
+                                          <p:spTgt spid="3">
+                                            <p:txEl>
+                                              <p:pRg st="4" end="4"/>
+                                            </p:txEl>
+                                          </p:spTgt>
+                                        </p:tgtEl>
+                                        <p:attrNameLst>
+                                          <p:attrName>style.visibility</p:attrName>
+                                        </p:attrNameLst>
+                                      </p:cBhvr>
+                                      <p:to>
+                                        <p:strVal val="visible"/>
+                                      </p:to>
+                                    </p:set>
+                                    <p:animEffect transition="in" filter="fade">
+                                      <p:cBhvr>
+                                        <p:cTn id="19" dur="500"/>
+                                        <p:tgtEl>
+                                          <p:spTgt spid="3">
+                                            <p:txEl>
+                                              <p:pRg st="4" end="4"/>
+                                            </p:txEl>
+                                          </p:spTgt>
+                                        </p:tgtEl>
+                                      </p:cBhvr>
+                                    </p:animEffect>
+                                  </p:childTnLst>
+                                </p:cTn>
+                              </p:par>
+                              <p:par>
+                                <p:cTn id="20" presetID="10" presetClass="entr" presetSubtype="0" fill="hold" grpId="0" nodeType="withEffect">
+                                  <p:stCondLst>
+                                    <p:cond delay="0"/>
+                                  </p:stCondLst>
+                                  <p:childTnLst>
+                                    <p:set>
+                                      <p:cBhvr>
+                                        <p:cTn id="21" dur="1" fill="hold">
+                                          <p:stCondLst>
+                                            <p:cond delay="0"/>
+                                          </p:stCondLst>
+                                        </p:cTn>
+                                        <p:tgtEl>
+                                          <p:spTgt spid="3">
+                                            <p:txEl>
+                                              <p:pRg st="5" end="5"/>
+                                            </p:txEl>
+                                          </p:spTgt>
+                                        </p:tgtEl>
+                                        <p:attrNameLst>
+                                          <p:attrName>style.visibility</p:attrName>
+                                        </p:attrNameLst>
+                                      </p:cBhvr>
+                                      <p:to>
+                                        <p:strVal val="visible"/>
+                                      </p:to>
+                                    </p:set>
+                                    <p:animEffect transition="in" filter="fade">
+                                      <p:cBhvr>
+                                        <p:cTn id="22" dur="500"/>
+                                        <p:tgtEl>
+                                          <p:spTgt spid="3">
+                                            <p:txEl>
+                                              <p:pRg st="5" end="5"/>
+                                            </p:txEl>
+                                          </p:spTgt>
+                                        </p:tgtEl>
+                                      </p:cBhvr>
+                                    </p:animEffect>
+                                  </p:childTnLst>
+                                </p:cTn>
+                              </p:par>
+                            </p:childTnLst>
+                          </p:cTn>
+                        </p:par>
+                      </p:childTnLst>
+                    </p:cTn>
+                  </p:par>
+                </p:childTnLst>
+              </p:cTn>
+              <p:prevCondLst>
+                <p:cond evt="onPrev" delay="0">
+                  <p:tgtEl>
+                    <p:sldTgt/>
+                  </p:tgtEl>
+                </p:cond>
+              </p:prevCondLst>
+              <p:nextCondLst>
+                <p:cond evt="onNext" delay="0">
+                  <p:tgtEl>
+                    <p:sldTgt/>
+                  </p:tgtEl>
+                </p:cond>
+              </p:nextCondLst>
+            </p:seq>
+          </p:childTnLst>
+        </p:cTn>
       </p:par>
     </p:tnLst>
+    <p:bldLst>
+      <p:bldP spid="3" grpId="0" build="p"/>
+    </p:bldLst>
   </p:timing>
 </p:sld>
 </file>
@@ -17296,6 +18111,79 @@
     <p:extLst>
       <p:ext uri="{BB962C8B-B14F-4D97-AF65-F5344CB8AC3E}">
         <p14:creationId xmlns:p14="http://schemas.microsoft.com/office/powerpoint/2010/main" val="3244489482"/>
+      </p:ext>
+    </p:extLst>
+  </p:cSld>
+  <p:clrMapOvr>
+    <a:masterClrMapping/>
+  </p:clrMapOvr>
+  <p:timing>
+    <p:tnLst>
+      <p:par>
+        <p:cTn id="1" dur="indefinite" restart="never" nodeType="tmRoot"/>
+      </p:par>
+    </p:tnLst>
+  </p:timing>
+</p:sld>
+</file>
+
+<file path=ppt/slides/slide30.xml><?xml version="1.0" encoding="utf-8"?>
+<p:sld xmlns:a="http://schemas.openxmlformats.org/drawingml/2006/main" xmlns:r="http://schemas.openxmlformats.org/officeDocument/2006/relationships" xmlns:p="http://schemas.openxmlformats.org/presentationml/2006/main">
+  <p:cSld>
+    <p:spTree>
+      <p:nvGrpSpPr>
+        <p:cNvPr id="1" name=""/>
+        <p:cNvGrpSpPr/>
+        <p:nvPr/>
+      </p:nvGrpSpPr>
+      <p:grpSpPr>
+        <a:xfrm>
+          <a:off x="0" y="0"/>
+          <a:ext cx="0" cy="0"/>
+          <a:chOff x="0" y="0"/>
+          <a:chExt cx="0" cy="0"/>
+        </a:xfrm>
+      </p:grpSpPr>
+      <p:sp>
+        <p:nvSpPr>
+          <p:cNvPr id="2" name="Title 1"/>
+          <p:cNvSpPr>
+            <a:spLocks noGrp="1"/>
+          </p:cNvSpPr>
+          <p:nvPr>
+            <p:ph type="ctrTitle"/>
+          </p:nvPr>
+        </p:nvSpPr>
+        <p:spPr>
+          <a:xfrm>
+            <a:off x="1358537" y="2237048"/>
+            <a:ext cx="9144000" cy="951490"/>
+          </a:xfrm>
+        </p:spPr>
+        <p:txBody>
+          <a:bodyPr/>
+          <a:lstStyle/>
+          <a:p>
+            <a:r>
+              <a:rPr lang="en-US" b="1" dirty="0" smtClean="0">
+                <a:solidFill>
+                  <a:schemeClr val="tx2"/>
+                </a:solidFill>
+              </a:rPr>
+              <a:t>Questions</a:t>
+            </a:r>
+            <a:endParaRPr lang="en-US" b="1" dirty="0">
+              <a:solidFill>
+                <a:schemeClr val="tx2"/>
+              </a:solidFill>
+            </a:endParaRPr>
+          </a:p>
+        </p:txBody>
+      </p:sp>
+    </p:spTree>
+    <p:extLst>
+      <p:ext uri="{BB962C8B-B14F-4D97-AF65-F5344CB8AC3E}">
+        <p14:creationId xmlns:p14="http://schemas.microsoft.com/office/powerpoint/2010/main" val="584280558"/>
       </p:ext>
     </p:extLst>
   </p:cSld>
@@ -21712,8 +22600,8 @@
           </a:p>
         </p:txBody>
       </p:sp>
-      <mc:AlternateContent xmlns:mc="http://schemas.openxmlformats.org/markup-compatibility/2006">
-        <mc:Choice xmlns:a14="http://schemas.microsoft.com/office/drawing/2010/main" Requires="a14">
+      <mc:AlternateContent xmlns:mc="http://schemas.openxmlformats.org/markup-compatibility/2006" xmlns:a14="http://schemas.microsoft.com/office/drawing/2010/main">
+        <mc:Choice Requires="a14">
           <p:sp>
             <p:nvSpPr>
               <p:cNvPr id="3" name="Content Placeholder 2"/>
@@ -21764,23 +22652,7 @@
                       <a:srgbClr val="002060"/>
                     </a:solidFill>
                   </a:rPr>
-                  <a:t> suggests a set of graph signals, each of which corresponds to a specific smoothness level w.r.t. the structure of a given graph. </a:t>
-                </a:r>
-                <a:r>
-                  <a:rPr lang="en-US" dirty="0" smtClean="0">
-                    <a:solidFill>
-                      <a:srgbClr val="002060"/>
-                    </a:solidFill>
-                  </a:rPr>
-                  <a:t>GFT compares an input signal to every signal obtained in the decomposition. </a:t>
-                </a:r>
-                <a:r>
-                  <a:rPr lang="en-US" dirty="0" smtClean="0">
-                    <a:solidFill>
-                      <a:srgbClr val="002060"/>
-                    </a:solidFill>
-                  </a:rPr>
-                  <a:t> </a:t>
+                  <a:t> suggests a set of graph signals, each of which corresponds to a specific smoothness level w.r.t. the structure of a given graph. GFT compares an input signal to every signal obtained in the decomposition.  </a:t>
                 </a:r>
               </a:p>
               <a:p>
@@ -21823,7 +22695,7 @@
             </p:txBody>
           </p:sp>
         </mc:Choice>
-        <mc:Fallback>
+        <mc:Fallback xmlns="">
           <p:sp>
             <p:nvSpPr>
               <p:cNvPr id="3" name="Content Placeholder 2"/>

--- a/stratified_graph_spectra.pptx
+++ b/stratified_graph_spectra.pptx
@@ -3311,8 +3311,8 @@
           </a:p>
         </p:txBody>
       </p:sp>
-      <mc:AlternateContent xmlns:mc="http://schemas.openxmlformats.org/markup-compatibility/2006" xmlns:a14="http://schemas.microsoft.com/office/drawing/2010/main">
-        <mc:Choice Requires="a14">
+      <mc:AlternateContent xmlns:mc="http://schemas.openxmlformats.org/markup-compatibility/2006">
+        <mc:Choice xmlns:a14="http://schemas.microsoft.com/office/drawing/2010/main" Requires="a14">
           <p:sp>
             <p:nvSpPr>
               <p:cNvPr id="3" name="Content Placeholder 2"/>
@@ -3389,7 +3389,7 @@
                     <m:d>
                       <m:dPr>
                         <m:ctrlPr>
-                          <a:rPr lang="en-US" sz="2800" i="1" smtClean="0">
+                          <a:rPr lang="en-US" sz="2800" smtClean="0">
                             <a:solidFill>
                               <a:schemeClr val="accent5">
                                 <a:lumMod val="50000"/>
@@ -3466,7 +3466,7 @@
                     <m:sSub>
                       <m:sSubPr>
                         <m:ctrlPr>
-                          <a:rPr lang="en-US" sz="2800" i="1" smtClean="0">
+                          <a:rPr lang="en-US" sz="2800" smtClean="0">
                             <a:solidFill>
                               <a:schemeClr val="accent5">
                                 <a:lumMod val="50000"/>
@@ -3601,7 +3601,7 @@
                     <m:sSub>
                       <m:sSubPr>
                         <m:ctrlPr>
-                          <a:rPr lang="en-US" sz="2800" i="1">
+                          <a:rPr lang="en-US" sz="2800">
                             <a:solidFill>
                               <a:schemeClr val="accent5">
                                 <a:lumMod val="50000"/>
@@ -3680,7 +3680,7 @@
                     <m:sSub>
                       <m:sSubPr>
                         <m:ctrlPr>
-                          <a:rPr lang="en-US" sz="2800" i="1" smtClean="0">
+                          <a:rPr lang="en-US" sz="2800" smtClean="0">
                             <a:solidFill>
                               <a:schemeClr val="accent5">
                                 <a:lumMod val="50000"/>
@@ -3738,7 +3738,7 @@
                     <m:d>
                       <m:dPr>
                         <m:ctrlPr>
-                          <a:rPr lang="en-US" sz="2800" i="1">
+                          <a:rPr lang="en-US" sz="2800">
                             <a:solidFill>
                               <a:schemeClr val="accent5">
                                 <a:lumMod val="50000"/>
@@ -3753,7 +3753,7 @@
                         <m:sSub>
                           <m:sSubPr>
                             <m:ctrlPr>
-                              <a:rPr lang="en-US" sz="2800" i="1" smtClean="0">
+                              <a:rPr lang="en-US" sz="2800" smtClean="0">
                                 <a:solidFill>
                                   <a:schemeClr val="accent5">
                                     <a:lumMod val="50000"/>
@@ -3811,7 +3811,7 @@
                         <m:sSub>
                           <m:sSubPr>
                             <m:ctrlPr>
-                              <a:rPr lang="en-US" sz="2800" i="1" smtClean="0">
+                              <a:rPr lang="en-US" sz="2800" smtClean="0">
                                 <a:solidFill>
                                   <a:schemeClr val="accent5">
                                     <a:lumMod val="50000"/>
@@ -3895,7 +3895,7 @@
                     <m:sSub>
                       <m:sSubPr>
                         <m:ctrlPr>
-                          <a:rPr lang="en-US" sz="3200" i="1">
+                          <a:rPr lang="en-US" sz="3200">
                             <a:solidFill>
                               <a:schemeClr val="accent5">
                                 <a:lumMod val="50000"/>
@@ -3982,7 +3982,7 @@
                     <m:sSub>
                       <m:sSubPr>
                         <m:ctrlPr>
-                          <a:rPr lang="en-US" sz="3200" i="1">
+                          <a:rPr lang="en-US" sz="3200">
                             <a:solidFill>
                               <a:schemeClr val="accent5">
                                 <a:lumMod val="50000"/>
@@ -4042,7 +4042,7 @@
                         <m:begChr m:val="{"/>
                         <m:endChr m:val="}"/>
                         <m:ctrlPr>
-                          <a:rPr lang="en-US" sz="3200" b="0" i="1" smtClean="0">
+                          <a:rPr lang="en-US" sz="3200" b="0" smtClean="0">
                             <a:solidFill>
                               <a:schemeClr val="accent5">
                                 <a:lumMod val="50000"/>
@@ -4069,7 +4069,7 @@
                         <m:sSub>
                           <m:sSubPr>
                             <m:ctrlPr>
-                              <a:rPr lang="en-US" sz="3200" b="0" i="1" smtClean="0">
+                              <a:rPr lang="en-US" sz="3200" b="0" smtClean="0">
                                 <a:solidFill>
                                   <a:schemeClr val="accent5">
                                     <a:lumMod val="50000"/>
@@ -4180,7 +4180,7 @@
                         <m:sSub>
                           <m:sSubPr>
                             <m:ctrlPr>
-                              <a:rPr lang="en-US" sz="3200" b="0" i="1" smtClean="0">
+                              <a:rPr lang="en-US" sz="3200" b="0" smtClean="0">
                                 <a:solidFill>
                                   <a:schemeClr val="accent5">
                                     <a:lumMod val="50000"/>
@@ -4226,7 +4226,7 @@
                         <m:d>
                           <m:dPr>
                             <m:ctrlPr>
-                              <a:rPr lang="en-US" sz="3200" b="0" i="1" smtClean="0">
+                              <a:rPr lang="en-US" sz="3200" b="0" smtClean="0">
                                 <a:solidFill>
                                   <a:schemeClr val="accent5">
                                     <a:lumMod val="50000"/>
@@ -4351,7 +4351,7 @@
                     <m:sSub>
                       <m:sSubPr>
                         <m:ctrlPr>
-                          <a:rPr lang="en-US" sz="2800" i="1">
+                          <a:rPr lang="en-US" sz="2800">
                             <a:solidFill>
                               <a:schemeClr val="accent5">
                                 <a:lumMod val="50000"/>
@@ -4507,7 +4507,7 @@
                         <m:begChr m:val="{"/>
                         <m:endChr m:val="}"/>
                         <m:ctrlPr>
-                          <a:rPr lang="en-US" sz="2800" i="1" smtClean="0">
+                          <a:rPr lang="en-US" sz="2800" smtClean="0">
                             <a:solidFill>
                               <a:schemeClr val="accent5">
                                 <a:lumMod val="50000"/>
@@ -4521,7 +4521,7 @@
                         <m:sSub>
                           <m:sSubPr>
                             <m:ctrlPr>
-                              <a:rPr lang="en-US" sz="2800" i="1">
+                              <a:rPr lang="en-US" sz="2800">
                                 <a:solidFill>
                                   <a:schemeClr val="accent5">
                                     <a:lumMod val="50000"/>
@@ -4643,7 +4643,7 @@
             </p:txBody>
           </p:sp>
         </mc:Choice>
-        <mc:Fallback xmlns="">
+        <mc:Fallback>
           <p:sp>
             <p:nvSpPr>
               <p:cNvPr id="3" name="Content Placeholder 2"/>
@@ -5862,8 +5862,8 @@
           </a:p>
         </p:txBody>
       </p:sp>
-      <mc:AlternateContent xmlns:mc="http://schemas.openxmlformats.org/markup-compatibility/2006">
-        <mc:Choice xmlns:a14="http://schemas.microsoft.com/office/drawing/2010/main" Requires="a14">
+      <mc:AlternateContent xmlns:mc="http://schemas.openxmlformats.org/markup-compatibility/2006" xmlns:a14="http://schemas.microsoft.com/office/drawing/2010/main">
+        <mc:Choice Requires="a14">
           <p:sp>
             <p:nvSpPr>
               <p:cNvPr id="3" name="Content Placeholder 2"/>
@@ -5961,7 +5961,7 @@
                     <m:sSub>
                       <m:sSubPr>
                         <m:ctrlPr>
-                          <a:rPr lang="en-US" sz="2800">
+                          <a:rPr lang="en-US" sz="2800" i="1">
                             <a:solidFill>
                               <a:schemeClr val="accent5">
                                 <a:lumMod val="50000"/>
@@ -6036,7 +6036,7 @@
                     <m:sSub>
                       <m:sSubPr>
                         <m:ctrlPr>
-                          <a:rPr lang="en-US" sz="2800">
+                          <a:rPr lang="en-US" sz="2800" i="1">
                             <a:solidFill>
                               <a:schemeClr val="accent5">
                                 <a:lumMod val="50000"/>
@@ -6111,7 +6111,7 @@
                     <m:d>
                       <m:dPr>
                         <m:ctrlPr>
-                          <a:rPr lang="en-US" sz="2800" smtClean="0">
+                          <a:rPr lang="en-US" sz="2800" i="1" smtClean="0">
                             <a:solidFill>
                               <a:schemeClr val="accent5">
                                 <a:lumMod val="50000"/>
@@ -6132,7 +6132,7 @@
                             <a:latin typeface="Cambria Math" panose="02040503050406030204" pitchFamily="18" charset="0"/>
                             <a:ea typeface="Cambria Math" panose="02040503050406030204" pitchFamily="18" charset="0"/>
                           </a:rPr>
-                          <m:t>∇</m:t>
+                          <m:t>𝛻</m:t>
                         </m:r>
                         <m:r>
                           <m:rPr>
@@ -6154,7 +6154,7 @@
                     <m:d>
                       <m:dPr>
                         <m:ctrlPr>
-                          <a:rPr lang="en-US" sz="2800" smtClean="0">
+                          <a:rPr lang="en-US" sz="2800" i="1" smtClean="0">
                             <a:solidFill>
                               <a:schemeClr val="accent5">
                                 <a:lumMod val="50000"/>
@@ -6223,7 +6223,7 @@
                     <m:d>
                       <m:dPr>
                         <m:ctrlPr>
-                          <a:rPr lang="en-US" sz="2800" smtClean="0">
+                          <a:rPr lang="en-US" sz="2800" i="1" smtClean="0">
                             <a:solidFill>
                               <a:schemeClr val="accent5">
                                 <a:lumMod val="50000"/>
@@ -6290,7 +6290,7 @@
                     <m:sSub>
                       <m:sSubPr>
                         <m:ctrlPr>
-                          <a:rPr lang="en-US" sz="2800">
+                          <a:rPr lang="en-US" sz="2800" i="1">
                             <a:solidFill>
                               <a:schemeClr val="accent5">
                                 <a:lumMod val="50000"/>
@@ -6357,7 +6357,7 @@
                         <a:latin typeface="Cambria Math" panose="02040503050406030204" pitchFamily="18" charset="0"/>
                         <a:ea typeface="Cambria Math" panose="02040503050406030204" pitchFamily="18" charset="0"/>
                       </a:rPr>
-                      <m:t>∇</m:t>
+                      <m:t>𝛻</m:t>
                     </m:r>
                     <m:r>
                       <m:rPr>
@@ -6393,7 +6393,7 @@
                         <m:begChr m:val="["/>
                         <m:endChr m:val="]"/>
                         <m:ctrlPr>
-                          <a:rPr lang="en-US" sz="2800" smtClean="0">
+                          <a:rPr lang="en-US" sz="2800" i="1" smtClean="0">
                             <a:solidFill>
                               <a:schemeClr val="accent5">
                                 <a:lumMod val="50000"/>
@@ -6449,7 +6449,7 @@
                     <m:sSub>
                       <m:sSubPr>
                         <m:ctrlPr>
-                          <a:rPr lang="en-US" sz="2800" b="1" smtClean="0">
+                          <a:rPr lang="en-US" sz="2800" b="1" i="1" smtClean="0">
                             <a:solidFill>
                               <a:schemeClr val="accent2"/>
                             </a:solidFill>
@@ -6496,7 +6496,7 @@
                     <m:sSub>
                       <m:sSubPr>
                         <m:ctrlPr>
-                          <a:rPr lang="en-US" sz="2800" b="1" smtClean="0">
+                          <a:rPr lang="en-US" sz="2800" b="1" i="1" smtClean="0">
                             <a:solidFill>
                               <a:schemeClr val="accent2"/>
                             </a:solidFill>
@@ -6510,7 +6510,7 @@
                           <m:accPr>
                             <m:chr m:val="̂"/>
                             <m:ctrlPr>
-                              <a:rPr lang="en-US" sz="2800" b="1" smtClean="0">
+                              <a:rPr lang="en-US" sz="2800" b="1" i="1" smtClean="0">
                                 <a:solidFill>
                                   <a:schemeClr val="accent2"/>
                                 </a:solidFill>
@@ -6569,7 +6569,7 @@
                     <m:sSub>
                       <m:sSubPr>
                         <m:ctrlPr>
-                          <a:rPr lang="en-US" sz="2800" b="1" smtClean="0">
+                          <a:rPr lang="en-US" sz="2800" b="1" i="1" smtClean="0">
                             <a:solidFill>
                               <a:schemeClr val="accent2"/>
                             </a:solidFill>
@@ -6620,7 +6620,7 @@
                     <m:sSub>
                       <m:sSubPr>
                         <m:ctrlPr>
-                          <a:rPr lang="en-US" sz="2800" b="1" smtClean="0">
+                          <a:rPr lang="en-US" sz="2800" b="1" i="1" smtClean="0">
                             <a:solidFill>
                               <a:schemeClr val="accent2"/>
                             </a:solidFill>
@@ -6634,7 +6634,7 @@
                           <m:accPr>
                             <m:chr m:val="̂"/>
                             <m:ctrlPr>
-                              <a:rPr lang="en-US" sz="2800" b="1">
+                              <a:rPr lang="en-US" sz="2800" b="1" i="1">
                                 <a:solidFill>
                                   <a:schemeClr val="accent2"/>
                                 </a:solidFill>
@@ -6702,12 +6702,12 @@
                         <a:latin typeface="Cambria Math" panose="02040503050406030204" pitchFamily="18" charset="0"/>
                         <a:ea typeface="Cambria Math" panose="02040503050406030204" pitchFamily="18" charset="0"/>
                       </a:rPr>
-                      <m:t>∇</m:t>
+                      <m:t>𝛻</m:t>
                     </m:r>
                     <m:sSub>
                       <m:sSubPr>
                         <m:ctrlPr>
-                          <a:rPr lang="en-US" sz="2800">
+                          <a:rPr lang="en-US" sz="2800" i="1">
                             <a:solidFill>
                               <a:schemeClr val="accent5">
                                 <a:lumMod val="50000"/>
@@ -6770,7 +6770,7 @@
                     <m:d>
                       <m:dPr>
                         <m:ctrlPr>
-                          <a:rPr lang="en-US" sz="2800">
+                          <a:rPr lang="en-US" sz="2800" i="1">
                             <a:solidFill>
                               <a:schemeClr val="accent5">
                                 <a:lumMod val="50000"/>
@@ -6791,7 +6791,7 @@
                             <a:latin typeface="Cambria Math" panose="02040503050406030204" pitchFamily="18" charset="0"/>
                             <a:ea typeface="Cambria Math" panose="02040503050406030204" pitchFamily="18" charset="0"/>
                           </a:rPr>
-                          <m:t>∇</m:t>
+                          <m:t>𝛻</m:t>
                         </m:r>
                         <m:r>
                           <m:rPr>
@@ -6813,7 +6813,7 @@
                     <m:d>
                       <m:dPr>
                         <m:ctrlPr>
-                          <a:rPr lang="en-US" sz="2800">
+                          <a:rPr lang="en-US" sz="2800" i="1">
                             <a:solidFill>
                               <a:schemeClr val="accent5">
                                 <a:lumMod val="50000"/>
@@ -6905,7 +6905,7 @@
                     <m:sSubSup>
                       <m:sSubSupPr>
                         <m:ctrlPr>
-                          <a:rPr lang="en-US" sz="2800" smtClean="0">
+                          <a:rPr lang="en-US" sz="2800" i="1" smtClean="0">
                             <a:solidFill>
                               <a:schemeClr val="accent5">
                                 <a:lumMod val="50000"/>
@@ -6920,7 +6920,7 @@
                           <m:accPr>
                             <m:chr m:val="̂"/>
                             <m:ctrlPr>
-                              <a:rPr lang="en-US" sz="2800" smtClean="0">
+                              <a:rPr lang="en-US" sz="2800" i="1" smtClean="0">
                                 <a:solidFill>
                                   <a:schemeClr val="accent5">
                                     <a:lumMod val="50000"/>
@@ -6996,7 +6996,7 @@
                     <m:sSubSup>
                       <m:sSubSupPr>
                         <m:ctrlPr>
-                          <a:rPr lang="en-US" sz="2800" b="0" smtClean="0">
+                          <a:rPr lang="en-US" sz="2800" b="0" i="1" smtClean="0">
                             <a:solidFill>
                               <a:schemeClr val="accent5">
                                 <a:lumMod val="50000"/>
@@ -7065,7 +7065,7 @@
                     <m:sSub>
                       <m:sSubPr>
                         <m:ctrlPr>
-                          <a:rPr lang="en-US" sz="2800">
+                          <a:rPr lang="en-US" sz="2800" i="1">
                             <a:solidFill>
                               <a:schemeClr val="accent5">
                                 <a:lumMod val="50000"/>
@@ -7081,7 +7081,7 @@
                           <m:accPr>
                             <m:chr m:val="̂"/>
                             <m:ctrlPr>
-                              <a:rPr lang="en-US" sz="2800">
+                              <a:rPr lang="en-US" sz="2800" i="1">
                                 <a:solidFill>
                                   <a:schemeClr val="accent5">
                                     <a:lumMod val="50000"/>
@@ -7148,7 +7148,7 @@
                         <m:begChr m:val="|"/>
                         <m:endChr m:val="|"/>
                         <m:ctrlPr>
-                          <a:rPr lang="en-US" sz="2800" smtClean="0">
+                          <a:rPr lang="en-US" sz="2800" i="1" smtClean="0">
                             <a:solidFill>
                               <a:schemeClr val="accent5">
                                 <a:lumMod val="50000"/>
@@ -7162,7 +7162,7 @@
                         <m:sSubSup>
                           <m:sSubSupPr>
                             <m:ctrlPr>
-                              <a:rPr lang="en-US" sz="2800">
+                              <a:rPr lang="en-US" sz="2800" i="1">
                                 <a:solidFill>
                                   <a:schemeClr val="accent5">
                                     <a:lumMod val="50000"/>
@@ -7177,7 +7177,7 @@
                               <m:accPr>
                                 <m:chr m:val="̂"/>
                                 <m:ctrlPr>
-                                  <a:rPr lang="en-US" sz="2800">
+                                  <a:rPr lang="en-US" sz="2800" i="1">
                                     <a:solidFill>
                                       <a:schemeClr val="accent5">
                                         <a:lumMod val="50000"/>
@@ -7257,7 +7257,7 @@
             </p:txBody>
           </p:sp>
         </mc:Choice>
-        <mc:Fallback>
+        <mc:Fallback xmlns="">
           <p:sp>
             <p:nvSpPr>
               <p:cNvPr id="3" name="Content Placeholder 2"/>
@@ -7739,7 +7739,7 @@
                     <m:sSub>
                       <m:sSubPr>
                         <m:ctrlPr>
-                          <a:rPr lang="en-US" sz="2800" i="1">
+                          <a:rPr lang="en-US" sz="2800">
                             <a:solidFill>
                               <a:schemeClr val="accent5">
                                 <a:lumMod val="50000"/>
@@ -7826,7 +7826,7 @@
                     <m:sSub>
                       <m:sSubPr>
                         <m:ctrlPr>
-                          <a:rPr lang="en-US" sz="2800" i="1" smtClean="0">
+                          <a:rPr lang="en-US" sz="2800" smtClean="0">
                             <a:solidFill>
                               <a:schemeClr val="accent5">
                                 <a:lumMod val="50000"/>
@@ -7887,7 +7887,7 @@
                     <m:sSub>
                       <m:sSubPr>
                         <m:ctrlPr>
-                          <a:rPr lang="en-US" sz="2800" i="1">
+                          <a:rPr lang="en-US" sz="2800">
                             <a:solidFill>
                               <a:schemeClr val="accent5">
                                 <a:lumMod val="50000"/>
@@ -7952,12 +7952,12 @@
                         <a:latin typeface="Cambria Math" panose="02040503050406030204" pitchFamily="18" charset="0"/>
                         <a:ea typeface="Cambria Math" panose="02040503050406030204" pitchFamily="18" charset="0"/>
                       </a:rPr>
-                      <m:t>𝛻</m:t>
+                      <m:t>∇</m:t>
                     </m:r>
                     <m:sSub>
                       <m:sSubPr>
                         <m:ctrlPr>
-                          <a:rPr lang="en-US" sz="2800" i="1">
+                          <a:rPr lang="en-US" sz="2800">
                             <a:solidFill>
                               <a:schemeClr val="accent5">
                                 <a:lumMod val="50000"/>
@@ -8020,7 +8020,7 @@
                     <m:d>
                       <m:dPr>
                         <m:ctrlPr>
-                          <a:rPr lang="en-US" sz="2800" i="1" smtClean="0">
+                          <a:rPr lang="en-US" sz="2800" smtClean="0">
                             <a:solidFill>
                               <a:schemeClr val="accent5">
                                 <a:lumMod val="50000"/>
@@ -8064,7 +8064,7 @@
                     <m:d>
                       <m:dPr>
                         <m:ctrlPr>
-                          <a:rPr lang="en-US" sz="2800" i="1" smtClean="0">
+                          <a:rPr lang="en-US" sz="2800" smtClean="0">
                             <a:solidFill>
                               <a:schemeClr val="accent5">
                                 <a:lumMod val="50000"/>
@@ -8110,7 +8110,7 @@
                         <m:chr m:val="∑"/>
                         <m:supHide m:val="on"/>
                         <m:ctrlPr>
-                          <a:rPr lang="en-US" sz="2800" b="0" i="1" smtClean="0">
+                          <a:rPr lang="en-US" sz="2800" b="0" smtClean="0">
                             <a:solidFill>
                               <a:schemeClr val="accent5">
                                 <a:lumMod val="50000"/>
@@ -8185,7 +8185,7 @@
                         <m:d>
                           <m:dPr>
                             <m:ctrlPr>
-                              <a:rPr lang="en-US" sz="2800" b="0" i="1" smtClean="0">
+                              <a:rPr lang="en-US" sz="2800" b="0" smtClean="0">
                                 <a:solidFill>
                                   <a:schemeClr val="accent5">
                                     <a:lumMod val="50000"/>
@@ -8207,7 +8207,7 @@
                                 <a:latin typeface="Cambria Math" panose="02040503050406030204" pitchFamily="18" charset="0"/>
                                 <a:ea typeface="Cambria Math" panose="02040503050406030204" pitchFamily="18" charset="0"/>
                               </a:rPr>
-                              <m:t>𝛻</m:t>
+                              <m:t>∇</m:t>
                             </m:r>
                             <m:r>
                               <m:rPr>
@@ -8229,7 +8229,7 @@
                         <m:d>
                           <m:dPr>
                             <m:ctrlPr>
-                              <a:rPr lang="en-US" sz="2800" i="1">
+                              <a:rPr lang="en-US" sz="2800">
                                 <a:solidFill>
                                   <a:schemeClr val="accent5">
                                     <a:lumMod val="50000"/>
@@ -8319,7 +8319,7 @@
                     <m:sSub>
                       <m:sSubPr>
                         <m:ctrlPr>
-                          <a:rPr lang="en-US" sz="2800" b="1" i="1" smtClean="0">
+                          <a:rPr lang="en-US" sz="2800" b="1" smtClean="0">
                             <a:solidFill>
                               <a:schemeClr val="accent2"/>
                             </a:solidFill>
@@ -8333,7 +8333,7 @@
                           <m:accPr>
                             <m:chr m:val="̂"/>
                             <m:ctrlPr>
-                              <a:rPr lang="en-US" sz="2800" b="1" i="1">
+                              <a:rPr lang="en-US" sz="2800" b="1">
                                 <a:solidFill>
                                   <a:schemeClr val="accent2"/>
                                 </a:solidFill>
@@ -8372,7 +8372,7 @@
                     <m:d>
                       <m:dPr>
                         <m:ctrlPr>
-                          <a:rPr lang="en-US" sz="2800" b="1" i="1" smtClean="0">
+                          <a:rPr lang="en-US" sz="2800" b="1" smtClean="0">
                             <a:solidFill>
                               <a:schemeClr val="accent2"/>
                             </a:solidFill>
@@ -8419,7 +8419,7 @@
                         <m:begChr m:val="["/>
                         <m:endChr m:val="]"/>
                         <m:ctrlPr>
-                          <a:rPr lang="en-US" sz="2800" b="1" i="1" smtClean="0">
+                          <a:rPr lang="en-US" sz="2800" b="1" smtClean="0">
                             <a:solidFill>
                               <a:schemeClr val="accent2"/>
                             </a:solidFill>
@@ -8432,7 +8432,7 @@
                         <m:d>
                           <m:dPr>
                             <m:ctrlPr>
-                              <a:rPr lang="en-US" sz="2800" b="1" i="1">
+                              <a:rPr lang="en-US" sz="2800" b="1">
                                 <a:solidFill>
                                   <a:schemeClr val="accent2"/>
                                 </a:solidFill>
@@ -8467,7 +8467,7 @@
                         <m:d>
                           <m:dPr>
                             <m:ctrlPr>
-                              <a:rPr lang="en-US" sz="2800" b="1" i="1">
+                              <a:rPr lang="en-US" sz="2800" b="1">
                                 <a:solidFill>
                                   <a:schemeClr val="accent2"/>
                                 </a:solidFill>
@@ -8514,7 +8514,7 @@
                     <m:sSub>
                       <m:sSubPr>
                         <m:ctrlPr>
-                          <a:rPr lang="en-US" sz="2800" b="1" i="1" smtClean="0">
+                          <a:rPr lang="en-US" sz="2800" b="1" smtClean="0">
                             <a:solidFill>
                               <a:schemeClr val="accent2"/>
                             </a:solidFill>
@@ -8594,7 +8594,7 @@
                     <m:f>
                       <m:fPr>
                         <m:ctrlPr>
-                          <a:rPr lang="en-US" sz="2800" b="1" i="1" smtClean="0">
+                          <a:rPr lang="en-US" sz="2800" b="1" smtClean="0">
                             <a:solidFill>
                               <a:schemeClr val="accent2"/>
                             </a:solidFill>
@@ -8617,7 +8617,7 @@
                         <m:sSub>
                           <m:sSubPr>
                             <m:ctrlPr>
-                              <a:rPr lang="en-US" sz="2800" b="1" i="1">
+                              <a:rPr lang="en-US" sz="2800" b="1">
                                 <a:solidFill>
                                   <a:schemeClr val="accent2"/>
                                 </a:solidFill>
@@ -8651,6 +8651,31 @@
                             </m:r>
                           </m:sub>
                         </m:sSub>
+                        <m:d>
+                          <m:dPr>
+                            <m:ctrlPr>
+                              <a:rPr lang="en-US" sz="2800" b="1" smtClean="0">
+                                <a:solidFill>
+                                  <a:schemeClr val="accent2"/>
+                                </a:solidFill>
+                                <a:latin typeface="Cambria Math" panose="02040503050406030204" pitchFamily="18" charset="0"/>
+                                <a:ea typeface="Cambria Math" panose="02040503050406030204" pitchFamily="18" charset="0"/>
+                              </a:rPr>
+                            </m:ctrlPr>
+                          </m:dPr>
+                          <m:e>
+                            <m:r>
+                              <a:rPr lang="en-US" sz="2800" b="1" i="0" smtClean="0">
+                                <a:solidFill>
+                                  <a:schemeClr val="accent2"/>
+                                </a:solidFill>
+                                <a:latin typeface="Cambria Math" panose="02040503050406030204" pitchFamily="18" charset="0"/>
+                                <a:ea typeface="Cambria Math" panose="02040503050406030204" pitchFamily="18" charset="0"/>
+                              </a:rPr>
+                              <m:t>𝐯</m:t>
+                            </m:r>
+                          </m:e>
+                        </m:d>
                       </m:num>
                       <m:den>
                         <m:d>
@@ -8658,7 +8683,7 @@
                             <m:begChr m:val="|"/>
                             <m:endChr m:val="|"/>
                             <m:ctrlPr>
-                              <a:rPr lang="en-US" sz="2800" b="1" i="1" smtClean="0">
+                              <a:rPr lang="en-US" sz="2800" b="1" smtClean="0">
                                 <a:solidFill>
                                   <a:schemeClr val="accent2"/>
                                 </a:solidFill>
@@ -8681,7 +8706,7 @@
                             <m:d>
                               <m:dPr>
                                 <m:ctrlPr>
-                                  <a:rPr lang="en-US" sz="2800" b="1" i="1" smtClean="0">
+                                  <a:rPr lang="en-US" sz="2800" b="1" smtClean="0">
                                     <a:solidFill>
                                       <a:schemeClr val="accent2"/>
                                     </a:solidFill>
@@ -8756,7 +8781,7 @@
                     <m:d>
                       <m:dPr>
                         <m:ctrlPr>
-                          <a:rPr lang="en-US" sz="2800" i="1">
+                          <a:rPr lang="en-US" sz="2800">
                             <a:solidFill>
                               <a:schemeClr val="accent5">
                                 <a:lumMod val="50000"/>
@@ -8868,7 +8893,7 @@
                     <m:sSub>
                       <m:sSubPr>
                         <m:ctrlPr>
-                          <a:rPr lang="en-US" sz="2800" i="1">
+                          <a:rPr lang="en-US" sz="2800">
                             <a:solidFill>
                               <a:schemeClr val="accent5">
                                 <a:lumMod val="50000"/>
@@ -8884,7 +8909,7 @@
                           <m:accPr>
                             <m:chr m:val="̂"/>
                             <m:ctrlPr>
-                              <a:rPr lang="en-US" sz="2800" i="1">
+                              <a:rPr lang="en-US" sz="2800">
                                 <a:solidFill>
                                   <a:schemeClr val="accent5">
                                     <a:lumMod val="50000"/>
@@ -8999,213 +9024,7 @@
   <p:timing>
     <p:tnLst>
       <p:par>
-        <p:cTn id="1" dur="indefinite" restart="never" nodeType="tmRoot">
-          <p:childTnLst>
-            <p:seq concurrent="1" nextAc="seek">
-              <p:cTn id="2" dur="indefinite" nodeType="mainSeq">
-                <p:childTnLst>
-                  <p:par>
-                    <p:cTn id="3" fill="hold">
-                      <p:stCondLst>
-                        <p:cond delay="indefinite"/>
-                      </p:stCondLst>
-                      <p:childTnLst>
-                        <p:par>
-                          <p:cTn id="4" fill="hold">
-                            <p:stCondLst>
-                              <p:cond delay="0"/>
-                            </p:stCondLst>
-                            <p:childTnLst>
-                              <p:par>
-                                <p:cTn id="5" presetID="10" presetClass="entr" presetSubtype="0" fill="hold" nodeType="clickEffect">
-                                  <p:stCondLst>
-                                    <p:cond delay="0"/>
-                                  </p:stCondLst>
-                                  <p:childTnLst>
-                                    <p:set>
-                                      <p:cBhvr>
-                                        <p:cTn id="6" dur="1" fill="hold">
-                                          <p:stCondLst>
-                                            <p:cond delay="0"/>
-                                          </p:stCondLst>
-                                        </p:cTn>
-                                        <p:tgtEl>
-                                          <p:spTgt spid="3">
-                                            <p:txEl>
-                                              <p:pRg st="4" end="4"/>
-                                            </p:txEl>
-                                          </p:spTgt>
-                                        </p:tgtEl>
-                                        <p:attrNameLst>
-                                          <p:attrName>style.visibility</p:attrName>
-                                        </p:attrNameLst>
-                                      </p:cBhvr>
-                                      <p:to>
-                                        <p:strVal val="visible"/>
-                                      </p:to>
-                                    </p:set>
-                                    <p:animEffect transition="in" filter="fade">
-                                      <p:cBhvr>
-                                        <p:cTn id="7" dur="500"/>
-                                        <p:tgtEl>
-                                          <p:spTgt spid="3">
-                                            <p:txEl>
-                                              <p:pRg st="4" end="4"/>
-                                            </p:txEl>
-                                          </p:spTgt>
-                                        </p:tgtEl>
-                                      </p:cBhvr>
-                                    </p:animEffect>
-                                  </p:childTnLst>
-                                </p:cTn>
-                              </p:par>
-                            </p:childTnLst>
-                          </p:cTn>
-                        </p:par>
-                      </p:childTnLst>
-                    </p:cTn>
-                  </p:par>
-                  <p:par>
-                    <p:cTn id="8" fill="hold">
-                      <p:stCondLst>
-                        <p:cond delay="indefinite"/>
-                      </p:stCondLst>
-                      <p:childTnLst>
-                        <p:par>
-                          <p:cTn id="9" fill="hold">
-                            <p:stCondLst>
-                              <p:cond delay="0"/>
-                            </p:stCondLst>
-                            <p:childTnLst>
-                              <p:par>
-                                <p:cTn id="10" presetID="10" presetClass="entr" presetSubtype="0" fill="hold" nodeType="clickEffect">
-                                  <p:stCondLst>
-                                    <p:cond delay="0"/>
-                                  </p:stCondLst>
-                                  <p:childTnLst>
-                                    <p:set>
-                                      <p:cBhvr>
-                                        <p:cTn id="11" dur="1" fill="hold">
-                                          <p:stCondLst>
-                                            <p:cond delay="0"/>
-                                          </p:stCondLst>
-                                        </p:cTn>
-                                        <p:tgtEl>
-                                          <p:spTgt spid="3">
-                                            <p:txEl>
-                                              <p:pRg st="5" end="5"/>
-                                            </p:txEl>
-                                          </p:spTgt>
-                                        </p:tgtEl>
-                                        <p:attrNameLst>
-                                          <p:attrName>style.visibility</p:attrName>
-                                        </p:attrNameLst>
-                                      </p:cBhvr>
-                                      <p:to>
-                                        <p:strVal val="visible"/>
-                                      </p:to>
-                                    </p:set>
-                                    <p:animEffect transition="in" filter="fade">
-                                      <p:cBhvr>
-                                        <p:cTn id="12" dur="500"/>
-                                        <p:tgtEl>
-                                          <p:spTgt spid="3">
-                                            <p:txEl>
-                                              <p:pRg st="5" end="5"/>
-                                            </p:txEl>
-                                          </p:spTgt>
-                                        </p:tgtEl>
-                                      </p:cBhvr>
-                                    </p:animEffect>
-                                  </p:childTnLst>
-                                </p:cTn>
-                              </p:par>
-                            </p:childTnLst>
-                          </p:cTn>
-                        </p:par>
-                      </p:childTnLst>
-                    </p:cTn>
-                  </p:par>
-                  <p:par>
-                    <p:cTn id="13" fill="hold">
-                      <p:stCondLst>
-                        <p:cond delay="indefinite"/>
-                      </p:stCondLst>
-                      <p:childTnLst>
-                        <p:par>
-                          <p:cTn id="14" fill="hold">
-                            <p:stCondLst>
-                              <p:cond delay="0"/>
-                            </p:stCondLst>
-                            <p:childTnLst>
-                              <p:par>
-                                <p:cTn id="15" presetID="10" presetClass="entr" presetSubtype="0" fill="hold" nodeType="clickEffect">
-                                  <p:stCondLst>
-                                    <p:cond delay="0"/>
-                                  </p:stCondLst>
-                                  <p:childTnLst>
-                                    <p:set>
-                                      <p:cBhvr>
-                                        <p:cTn id="16" dur="1" fill="hold">
-                                          <p:stCondLst>
-                                            <p:cond delay="0"/>
-                                          </p:stCondLst>
-                                        </p:cTn>
-                                        <p:tgtEl>
-                                          <p:spTgt spid="3">
-                                            <p:txEl>
-                                              <p:pRg st="6" end="6"/>
-                                            </p:txEl>
-                                          </p:spTgt>
-                                        </p:tgtEl>
-                                        <p:attrNameLst>
-                                          <p:attrName>style.visibility</p:attrName>
-                                        </p:attrNameLst>
-                                      </p:cBhvr>
-                                      <p:to>
-                                        <p:strVal val="visible"/>
-                                      </p:to>
-                                    </p:set>
-                                    <p:animEffect transition="in" filter="fade">
-                                      <p:cBhvr>
-                                        <p:cTn id="17" dur="500"/>
-                                        <p:tgtEl>
-                                          <p:spTgt spid="3">
-                                            <p:txEl>
-                                              <p:pRg st="6" end="6"/>
-                                            </p:txEl>
-                                          </p:spTgt>
-                                        </p:tgtEl>
-                                      </p:cBhvr>
-                                    </p:animEffect>
-                                  </p:childTnLst>
-                                </p:cTn>
-                              </p:par>
-                            </p:childTnLst>
-                          </p:cTn>
-                        </p:par>
-                      </p:childTnLst>
-                    </p:cTn>
-                  </p:par>
-                </p:childTnLst>
-              </p:cTn>
-              <p:prevCondLst>
-                <p:cond evt="onPrev" delay="0">
-                  <p:tgtEl>
-                    <p:sldTgt/>
-                  </p:tgtEl>
-                </p:cond>
-              </p:prevCondLst>
-              <p:nextCondLst>
-                <p:cond evt="onNext" delay="0">
-                  <p:tgtEl>
-                    <p:sldTgt/>
-                  </p:tgtEl>
-                </p:cond>
-              </p:nextCondLst>
-            </p:seq>
-          </p:childTnLst>
-        </p:cTn>
+        <p:cTn id="1" dur="indefinite" restart="never" nodeType="tmRoot"/>
       </p:par>
     </p:tnLst>
   </p:timing>
@@ -9283,8 +9102,8 @@
           </a:p>
         </p:txBody>
       </p:sp>
-      <mc:AlternateContent xmlns:mc="http://schemas.openxmlformats.org/markup-compatibility/2006">
-        <mc:Choice xmlns:a14="http://schemas.microsoft.com/office/drawing/2010/main" Requires="a14">
+      <mc:AlternateContent xmlns:mc="http://schemas.openxmlformats.org/markup-compatibility/2006" xmlns:a14="http://schemas.microsoft.com/office/drawing/2010/main">
+        <mc:Choice Requires="a14">
           <p:sp>
             <p:nvSpPr>
               <p:cNvPr id="3" name="Content Placeholder 2"/>
@@ -9820,7 +9639,7 @@
             </p:txBody>
           </p:sp>
         </mc:Choice>
-        <mc:Fallback>
+        <mc:Fallback xmlns="">
           <p:sp>
             <p:nvSpPr>
               <p:cNvPr id="3" name="Content Placeholder 2"/>
@@ -9944,8 +9763,8 @@
           </a:p>
         </p:txBody>
       </p:sp>
-      <mc:AlternateContent xmlns:mc="http://schemas.openxmlformats.org/markup-compatibility/2006">
-        <mc:Choice xmlns:a14="http://schemas.microsoft.com/office/drawing/2010/main" Requires="a14">
+      <mc:AlternateContent xmlns:mc="http://schemas.openxmlformats.org/markup-compatibility/2006" xmlns:a14="http://schemas.microsoft.com/office/drawing/2010/main">
+        <mc:Choice Requires="a14">
           <p:sp>
             <p:nvSpPr>
               <p:cNvPr id="3" name="Content Placeholder 2"/>
@@ -10164,17 +9983,7 @@
                       </a:schemeClr>
                     </a:solidFill>
                   </a:rPr>
-                  <a:t>Algorithm Outline</a:t>
-                </a:r>
-                <a:r>
-                  <a:rPr lang="en-US" b="1" dirty="0" smtClean="0">
-                    <a:solidFill>
-                      <a:schemeClr val="accent5">
-                        <a:lumMod val="50000"/>
-                      </a:schemeClr>
-                    </a:solidFill>
-                  </a:rPr>
-                  <a:t>:</a:t>
+                  <a:t>Algorithm Outline:</a:t>
                 </a:r>
               </a:p>
               <a:p>
@@ -10271,17 +10080,7 @@
                       </a:schemeClr>
                     </a:solidFill>
                   </a:rPr>
-                  <a:t>Compute </a:t>
-                </a:r>
-                <a:r>
-                  <a:rPr lang="en-US" sz="2800" dirty="0" smtClean="0">
-                    <a:solidFill>
-                      <a:schemeClr val="accent5">
-                        <a:lumMod val="50000"/>
-                      </a:schemeClr>
-                    </a:solidFill>
-                  </a:rPr>
-                  <a:t>the GFT </a:t>
+                  <a:t>Compute the GFT </a:t>
                 </a:r>
                 <a14:m>
                   <m:oMath xmlns:m="http://schemas.openxmlformats.org/officeDocument/2006/math">
@@ -11852,7 +11651,7 @@
             </p:txBody>
           </p:sp>
         </mc:Choice>
-        <mc:Fallback>
+        <mc:Fallback xmlns="">
           <p:sp>
             <p:nvSpPr>
               <p:cNvPr id="3" name="Content Placeholder 2"/>
@@ -14745,7 +14544,27 @@
                   </a:schemeClr>
                 </a:solidFill>
               </a:rPr>
-              <a:t>Settings are the same at Task 1.</a:t>
+              <a:t>Settings are the same </a:t>
+            </a:r>
+            <a:r>
+              <a:rPr lang="en-US" dirty="0" smtClean="0">
+                <a:solidFill>
+                  <a:schemeClr val="accent5">
+                    <a:lumMod val="50000"/>
+                  </a:schemeClr>
+                </a:solidFill>
+              </a:rPr>
+              <a:t>as </a:t>
+            </a:r>
+            <a:r>
+              <a:rPr lang="en-US" dirty="0" smtClean="0">
+                <a:solidFill>
+                  <a:schemeClr val="accent5">
+                    <a:lumMod val="50000"/>
+                  </a:schemeClr>
+                </a:solidFill>
+              </a:rPr>
+              <a:t>Task 1.</a:t>
             </a:r>
           </a:p>
           <a:p>
@@ -14757,7 +14576,27 @@
                   </a:schemeClr>
                 </a:solidFill>
               </a:rPr>
-              <a:t>Compute normalized dot product between SGS results.</a:t>
+              <a:t>Compute normalized dot </a:t>
+            </a:r>
+            <a:r>
+              <a:rPr lang="en-US" dirty="0" smtClean="0">
+                <a:solidFill>
+                  <a:schemeClr val="accent5">
+                    <a:lumMod val="50000"/>
+                  </a:schemeClr>
+                </a:solidFill>
+              </a:rPr>
+              <a:t>products </a:t>
+            </a:r>
+            <a:r>
+              <a:rPr lang="en-US" dirty="0" smtClean="0">
+                <a:solidFill>
+                  <a:schemeClr val="accent5">
+                    <a:lumMod val="50000"/>
+                  </a:schemeClr>
+                </a:solidFill>
+              </a:rPr>
+              <a:t>between SGS results.</a:t>
             </a:r>
           </a:p>
           <a:p>
@@ -14790,11 +14629,7 @@
                   </a:schemeClr>
                 </a:solidFill>
               </a:rPr>
-              <a:t> = </a:t>
-            </a:r>
-            <a:r>
-              <a:rPr lang="en-US" sz="2800" dirty="0" smtClean="0"/>
-              <a:t>ADJ-DIFF</a:t>
+              <a:t> = ADJ-DIFF</a:t>
             </a:r>
           </a:p>
           <a:p>
@@ -14815,11 +14650,7 @@
                   </a:schemeClr>
                 </a:solidFill>
               </a:rPr>
-              <a:t> = </a:t>
-            </a:r>
-            <a:r>
-              <a:rPr lang="en-US" sz="2800" dirty="0" smtClean="0"/>
-              <a:t>APPRX-LS</a:t>
+              <a:t> = APPRX-LS</a:t>
             </a:r>
           </a:p>
           <a:p>
@@ -14840,11 +14671,7 @@
                   </a:schemeClr>
                 </a:solidFill>
               </a:rPr>
-              <a:t> = </a:t>
-            </a:r>
-            <a:r>
-              <a:rPr lang="en-US" sz="2800" dirty="0" smtClean="0"/>
-              <a:t>IN-AGG</a:t>
+              <a:t> = IN-AGG</a:t>
             </a:r>
           </a:p>
           <a:p>
@@ -14868,7 +14695,13 @@
               <a:t> = </a:t>
             </a:r>
             <a:r>
-              <a:rPr lang="en-US" sz="2800" dirty="0"/>
+              <a:rPr lang="en-US" sz="2800" dirty="0">
+                <a:solidFill>
+                  <a:schemeClr val="accent5">
+                    <a:lumMod val="50000"/>
+                  </a:schemeClr>
+                </a:solidFill>
+              </a:rPr>
               <a:t>LN-VX</a:t>
             </a:r>
             <a:endParaRPr lang="en-US" sz="2800" dirty="0" smtClean="0">
@@ -17584,13 +17417,6 @@
               </a:rPr>
               <a:t>(1), 1-12.</a:t>
             </a:r>
-            <a:endParaRPr lang="en-US" sz="1600" dirty="0">
-              <a:solidFill>
-                <a:schemeClr val="accent5">
-                  <a:lumMod val="50000"/>
-                </a:schemeClr>
-              </a:solidFill>
-            </a:endParaRPr>
           </a:p>
         </p:txBody>
       </p:sp>
@@ -17888,6 +17714,129 @@
                       </p:childTnLst>
                     </p:cTn>
                   </p:par>
+                  <p:par>
+                    <p:cTn id="23" fill="hold">
+                      <p:stCondLst>
+                        <p:cond delay="indefinite"/>
+                      </p:stCondLst>
+                      <p:childTnLst>
+                        <p:par>
+                          <p:cTn id="24" fill="hold">
+                            <p:stCondLst>
+                              <p:cond delay="0"/>
+                            </p:stCondLst>
+                            <p:childTnLst>
+                              <p:par>
+                                <p:cTn id="25" presetID="10" presetClass="entr" presetSubtype="0" fill="hold" nodeType="clickEffect">
+                                  <p:stCondLst>
+                                    <p:cond delay="0"/>
+                                  </p:stCondLst>
+                                  <p:childTnLst>
+                                    <p:set>
+                                      <p:cBhvr>
+                                        <p:cTn id="26" dur="1" fill="hold">
+                                          <p:stCondLst>
+                                            <p:cond delay="0"/>
+                                          </p:stCondLst>
+                                        </p:cTn>
+                                        <p:tgtEl>
+                                          <p:spTgt spid="4"/>
+                                        </p:tgtEl>
+                                        <p:attrNameLst>
+                                          <p:attrName>style.visibility</p:attrName>
+                                        </p:attrNameLst>
+                                      </p:cBhvr>
+                                      <p:to>
+                                        <p:strVal val="visible"/>
+                                      </p:to>
+                                    </p:set>
+                                    <p:animEffect transition="in" filter="fade">
+                                      <p:cBhvr>
+                                        <p:cTn id="27" dur="500"/>
+                                        <p:tgtEl>
+                                          <p:spTgt spid="4"/>
+                                        </p:tgtEl>
+                                      </p:cBhvr>
+                                    </p:animEffect>
+                                  </p:childTnLst>
+                                </p:cTn>
+                              </p:par>
+                              <p:par>
+                                <p:cTn id="28" presetID="10" presetClass="entr" presetSubtype="0" fill="hold" nodeType="withEffect">
+                                  <p:stCondLst>
+                                    <p:cond delay="0"/>
+                                  </p:stCondLst>
+                                  <p:childTnLst>
+                                    <p:set>
+                                      <p:cBhvr>
+                                        <p:cTn id="29" dur="1" fill="hold">
+                                          <p:stCondLst>
+                                            <p:cond delay="0"/>
+                                          </p:stCondLst>
+                                        </p:cTn>
+                                        <p:tgtEl>
+                                          <p:spTgt spid="5"/>
+                                        </p:tgtEl>
+                                        <p:attrNameLst>
+                                          <p:attrName>style.visibility</p:attrName>
+                                        </p:attrNameLst>
+                                      </p:cBhvr>
+                                      <p:to>
+                                        <p:strVal val="visible"/>
+                                      </p:to>
+                                    </p:set>
+                                    <p:animEffect transition="in" filter="fade">
+                                      <p:cBhvr>
+                                        <p:cTn id="30" dur="500"/>
+                                        <p:tgtEl>
+                                          <p:spTgt spid="5"/>
+                                        </p:tgtEl>
+                                      </p:cBhvr>
+                                    </p:animEffect>
+                                  </p:childTnLst>
+                                </p:cTn>
+                              </p:par>
+                              <p:par>
+                                <p:cTn id="31" presetID="10" presetClass="entr" presetSubtype="0" fill="hold" grpId="0" nodeType="withEffect">
+                                  <p:stCondLst>
+                                    <p:cond delay="0"/>
+                                  </p:stCondLst>
+                                  <p:childTnLst>
+                                    <p:set>
+                                      <p:cBhvr>
+                                        <p:cTn id="32" dur="1" fill="hold">
+                                          <p:stCondLst>
+                                            <p:cond delay="0"/>
+                                          </p:stCondLst>
+                                        </p:cTn>
+                                        <p:tgtEl>
+                                          <p:spTgt spid="6"/>
+                                        </p:tgtEl>
+                                        <p:attrNameLst>
+                                          <p:attrName>style.visibility</p:attrName>
+                                        </p:attrNameLst>
+                                      </p:cBhvr>
+                                      <p:to>
+                                        <p:strVal val="visible"/>
+                                      </p:to>
+                                    </p:set>
+                                    <p:animEffect transition="in" filter="fade">
+                                      <p:cBhvr>
+                                        <p:cTn id="33" dur="500"/>
+                                        <p:tgtEl>
+                                          <p:spTgt spid="6"/>
+                                        </p:tgtEl>
+                                      </p:cBhvr>
+                                    </p:animEffect>
+                                  </p:childTnLst>
+                                </p:cTn>
+                              </p:par>
+                            </p:childTnLst>
+                          </p:cTn>
+                        </p:par>
+                      </p:childTnLst>
+                    </p:cTn>
+                  </p:par>
                 </p:childTnLst>
               </p:cTn>
               <p:prevCondLst>
@@ -17911,6 +17860,7 @@
     </p:tnLst>
     <p:bldLst>
       <p:bldP spid="3" grpId="0" build="p"/>
+      <p:bldP spid="6" grpId="0"/>
     </p:bldLst>
   </p:timing>
 </p:sld>

--- a/stratified_graph_spectra.pptx
+++ b/stratified_graph_spectra.pptx
@@ -272,7 +272,7 @@
           <a:p>
             <a:fld id="{DCCF82E4-3F76-4F5B-BE21-D7E6120F8EBE}" type="datetimeFigureOut">
               <a:rPr lang="en-US" smtClean="0"/>
-              <a:t>3/29/2022</a:t>
+              <a:t>4/8/2022</a:t>
             </a:fld>
             <a:endParaRPr lang="en-US"/>
           </a:p>
@@ -442,7 +442,7 @@
           <a:p>
             <a:fld id="{DCCF82E4-3F76-4F5B-BE21-D7E6120F8EBE}" type="datetimeFigureOut">
               <a:rPr lang="en-US" smtClean="0"/>
-              <a:t>3/29/2022</a:t>
+              <a:t>4/8/2022</a:t>
             </a:fld>
             <a:endParaRPr lang="en-US"/>
           </a:p>
@@ -622,7 +622,7 @@
           <a:p>
             <a:fld id="{DCCF82E4-3F76-4F5B-BE21-D7E6120F8EBE}" type="datetimeFigureOut">
               <a:rPr lang="en-US" smtClean="0"/>
-              <a:t>3/29/2022</a:t>
+              <a:t>4/8/2022</a:t>
             </a:fld>
             <a:endParaRPr lang="en-US"/>
           </a:p>
@@ -792,7 +792,7 @@
           <a:p>
             <a:fld id="{DCCF82E4-3F76-4F5B-BE21-D7E6120F8EBE}" type="datetimeFigureOut">
               <a:rPr lang="en-US" smtClean="0"/>
-              <a:t>3/29/2022</a:t>
+              <a:t>4/8/2022</a:t>
             </a:fld>
             <a:endParaRPr lang="en-US"/>
           </a:p>
@@ -1038,7 +1038,7 @@
           <a:p>
             <a:fld id="{DCCF82E4-3F76-4F5B-BE21-D7E6120F8EBE}" type="datetimeFigureOut">
               <a:rPr lang="en-US" smtClean="0"/>
-              <a:t>3/29/2022</a:t>
+              <a:t>4/8/2022</a:t>
             </a:fld>
             <a:endParaRPr lang="en-US"/>
           </a:p>
@@ -1270,7 +1270,7 @@
           <a:p>
             <a:fld id="{DCCF82E4-3F76-4F5B-BE21-D7E6120F8EBE}" type="datetimeFigureOut">
               <a:rPr lang="en-US" smtClean="0"/>
-              <a:t>3/29/2022</a:t>
+              <a:t>4/8/2022</a:t>
             </a:fld>
             <a:endParaRPr lang="en-US"/>
           </a:p>
@@ -1637,7 +1637,7 @@
           <a:p>
             <a:fld id="{DCCF82E4-3F76-4F5B-BE21-D7E6120F8EBE}" type="datetimeFigureOut">
               <a:rPr lang="en-US" smtClean="0"/>
-              <a:t>3/29/2022</a:t>
+              <a:t>4/8/2022</a:t>
             </a:fld>
             <a:endParaRPr lang="en-US"/>
           </a:p>
@@ -1755,7 +1755,7 @@
           <a:p>
             <a:fld id="{DCCF82E4-3F76-4F5B-BE21-D7E6120F8EBE}" type="datetimeFigureOut">
               <a:rPr lang="en-US" smtClean="0"/>
-              <a:t>3/29/2022</a:t>
+              <a:t>4/8/2022</a:t>
             </a:fld>
             <a:endParaRPr lang="en-US"/>
           </a:p>
@@ -1850,7 +1850,7 @@
           <a:p>
             <a:fld id="{DCCF82E4-3F76-4F5B-BE21-D7E6120F8EBE}" type="datetimeFigureOut">
               <a:rPr lang="en-US" smtClean="0"/>
-              <a:t>3/29/2022</a:t>
+              <a:t>4/8/2022</a:t>
             </a:fld>
             <a:endParaRPr lang="en-US"/>
           </a:p>
@@ -2127,7 +2127,7 @@
           <a:p>
             <a:fld id="{DCCF82E4-3F76-4F5B-BE21-D7E6120F8EBE}" type="datetimeFigureOut">
               <a:rPr lang="en-US" smtClean="0"/>
-              <a:t>3/29/2022</a:t>
+              <a:t>4/8/2022</a:t>
             </a:fld>
             <a:endParaRPr lang="en-US"/>
           </a:p>
@@ -2380,7 +2380,7 @@
           <a:p>
             <a:fld id="{DCCF82E4-3F76-4F5B-BE21-D7E6120F8EBE}" type="datetimeFigureOut">
               <a:rPr lang="en-US" smtClean="0"/>
-              <a:t>3/29/2022</a:t>
+              <a:t>4/8/2022</a:t>
             </a:fld>
             <a:endParaRPr lang="en-US"/>
           </a:p>
@@ -2593,7 +2593,7 @@
           <a:p>
             <a:fld id="{DCCF82E4-3F76-4F5B-BE21-D7E6120F8EBE}" type="datetimeFigureOut">
               <a:rPr lang="en-US" smtClean="0"/>
-              <a:t>3/29/2022</a:t>
+              <a:t>4/8/2022</a:t>
             </a:fld>
             <a:endParaRPr lang="en-US"/>
           </a:p>
@@ -3311,8 +3311,8 @@
           </a:p>
         </p:txBody>
       </p:sp>
-      <mc:AlternateContent xmlns:mc="http://schemas.openxmlformats.org/markup-compatibility/2006">
-        <mc:Choice xmlns:a14="http://schemas.microsoft.com/office/drawing/2010/main" Requires="a14">
+      <mc:AlternateContent xmlns:mc="http://schemas.openxmlformats.org/markup-compatibility/2006" xmlns:a14="http://schemas.microsoft.com/office/drawing/2010/main">
+        <mc:Choice Requires="a14">
           <p:sp>
             <p:nvSpPr>
               <p:cNvPr id="3" name="Content Placeholder 2"/>
@@ -3389,7 +3389,7 @@
                     <m:d>
                       <m:dPr>
                         <m:ctrlPr>
-                          <a:rPr lang="en-US" sz="2800" smtClean="0">
+                          <a:rPr lang="en-US" sz="2800" i="1" smtClean="0">
                             <a:solidFill>
                               <a:schemeClr val="accent5">
                                 <a:lumMod val="50000"/>
@@ -3466,7 +3466,7 @@
                     <m:sSub>
                       <m:sSubPr>
                         <m:ctrlPr>
-                          <a:rPr lang="en-US" sz="2800" smtClean="0">
+                          <a:rPr lang="en-US" sz="2800" i="1" smtClean="0">
                             <a:solidFill>
                               <a:schemeClr val="accent5">
                                 <a:lumMod val="50000"/>
@@ -3601,7 +3601,7 @@
                     <m:sSub>
                       <m:sSubPr>
                         <m:ctrlPr>
-                          <a:rPr lang="en-US" sz="2800">
+                          <a:rPr lang="en-US" sz="2800" i="1">
                             <a:solidFill>
                               <a:schemeClr val="accent5">
                                 <a:lumMod val="50000"/>
@@ -3680,7 +3680,7 @@
                     <m:sSub>
                       <m:sSubPr>
                         <m:ctrlPr>
-                          <a:rPr lang="en-US" sz="2800" smtClean="0">
+                          <a:rPr lang="en-US" sz="2800" i="1" smtClean="0">
                             <a:solidFill>
                               <a:schemeClr val="accent5">
                                 <a:lumMod val="50000"/>
@@ -3738,7 +3738,7 @@
                     <m:d>
                       <m:dPr>
                         <m:ctrlPr>
-                          <a:rPr lang="en-US" sz="2800">
+                          <a:rPr lang="en-US" sz="2800" i="1">
                             <a:solidFill>
                               <a:schemeClr val="accent5">
                                 <a:lumMod val="50000"/>
@@ -3753,7 +3753,7 @@
                         <m:sSub>
                           <m:sSubPr>
                             <m:ctrlPr>
-                              <a:rPr lang="en-US" sz="2800" smtClean="0">
+                              <a:rPr lang="en-US" sz="2800" i="1" smtClean="0">
                                 <a:solidFill>
                                   <a:schemeClr val="accent5">
                                     <a:lumMod val="50000"/>
@@ -3811,7 +3811,7 @@
                         <m:sSub>
                           <m:sSubPr>
                             <m:ctrlPr>
-                              <a:rPr lang="en-US" sz="2800" smtClean="0">
+                              <a:rPr lang="en-US" sz="2800" i="1" smtClean="0">
                                 <a:solidFill>
                                   <a:schemeClr val="accent5">
                                     <a:lumMod val="50000"/>
@@ -3895,7 +3895,7 @@
                     <m:sSub>
                       <m:sSubPr>
                         <m:ctrlPr>
-                          <a:rPr lang="en-US" sz="3200">
+                          <a:rPr lang="en-US" sz="3200" i="1">
                             <a:solidFill>
                               <a:schemeClr val="accent5">
                                 <a:lumMod val="50000"/>
@@ -3982,7 +3982,7 @@
                     <m:sSub>
                       <m:sSubPr>
                         <m:ctrlPr>
-                          <a:rPr lang="en-US" sz="3200">
+                          <a:rPr lang="en-US" sz="3200" i="1">
                             <a:solidFill>
                               <a:schemeClr val="accent5">
                                 <a:lumMod val="50000"/>
@@ -4042,7 +4042,7 @@
                         <m:begChr m:val="{"/>
                         <m:endChr m:val="}"/>
                         <m:ctrlPr>
-                          <a:rPr lang="en-US" sz="3200" b="0" smtClean="0">
+                          <a:rPr lang="en-US" sz="3200" b="0" i="1" smtClean="0">
                             <a:solidFill>
                               <a:schemeClr val="accent5">
                                 <a:lumMod val="50000"/>
@@ -4069,7 +4069,7 @@
                         <m:sSub>
                           <m:sSubPr>
                             <m:ctrlPr>
-                              <a:rPr lang="en-US" sz="3200" b="0" smtClean="0">
+                              <a:rPr lang="en-US" sz="3200" b="0" i="1" smtClean="0">
                                 <a:solidFill>
                                   <a:schemeClr val="accent5">
                                     <a:lumMod val="50000"/>
@@ -4180,7 +4180,7 @@
                         <m:sSub>
                           <m:sSubPr>
                             <m:ctrlPr>
-                              <a:rPr lang="en-US" sz="3200" b="0" smtClean="0">
+                              <a:rPr lang="en-US" sz="3200" b="0" i="1" smtClean="0">
                                 <a:solidFill>
                                   <a:schemeClr val="accent5">
                                     <a:lumMod val="50000"/>
@@ -4226,7 +4226,7 @@
                         <m:d>
                           <m:dPr>
                             <m:ctrlPr>
-                              <a:rPr lang="en-US" sz="3200" b="0" smtClean="0">
+                              <a:rPr lang="en-US" sz="3200" b="0" i="1" smtClean="0">
                                 <a:solidFill>
                                   <a:schemeClr val="accent5">
                                     <a:lumMod val="50000"/>
@@ -4351,7 +4351,7 @@
                     <m:sSub>
                       <m:sSubPr>
                         <m:ctrlPr>
-                          <a:rPr lang="en-US" sz="2800">
+                          <a:rPr lang="en-US" sz="2800" i="1">
                             <a:solidFill>
                               <a:schemeClr val="accent5">
                                 <a:lumMod val="50000"/>
@@ -4507,7 +4507,7 @@
                         <m:begChr m:val="{"/>
                         <m:endChr m:val="}"/>
                         <m:ctrlPr>
-                          <a:rPr lang="en-US" sz="2800" smtClean="0">
+                          <a:rPr lang="en-US" sz="2800" i="1" smtClean="0">
                             <a:solidFill>
                               <a:schemeClr val="accent5">
                                 <a:lumMod val="50000"/>
@@ -4521,7 +4521,7 @@
                         <m:sSub>
                           <m:sSubPr>
                             <m:ctrlPr>
-                              <a:rPr lang="en-US" sz="2800">
+                              <a:rPr lang="en-US" sz="2800" i="1">
                                 <a:solidFill>
                                   <a:schemeClr val="accent5">
                                     <a:lumMod val="50000"/>
@@ -4643,7 +4643,7 @@
             </p:txBody>
           </p:sp>
         </mc:Choice>
-        <mc:Fallback>
+        <mc:Fallback xmlns="">
           <p:sp>
             <p:nvSpPr>
               <p:cNvPr id="3" name="Content Placeholder 2"/>
@@ -5862,8 +5862,8 @@
           </a:p>
         </p:txBody>
       </p:sp>
-      <mc:AlternateContent xmlns:mc="http://schemas.openxmlformats.org/markup-compatibility/2006" xmlns:a14="http://schemas.microsoft.com/office/drawing/2010/main">
-        <mc:Choice Requires="a14">
+      <mc:AlternateContent xmlns:mc="http://schemas.openxmlformats.org/markup-compatibility/2006">
+        <mc:Choice xmlns:a14="http://schemas.microsoft.com/office/drawing/2010/main" Requires="a14">
           <p:sp>
             <p:nvSpPr>
               <p:cNvPr id="3" name="Content Placeholder 2"/>
@@ -6343,7 +6343,65 @@
                       </a:schemeClr>
                     </a:solidFill>
                   </a:rPr>
-                  <a:t>, where </a:t>
+                  <a:t> (</a:t>
+                </a:r>
+                <a:r>
+                  <a:rPr lang="en-US" sz="2800" dirty="0" smtClean="0">
+                    <a:solidFill>
+                      <a:schemeClr val="accent5">
+                        <a:lumMod val="50000"/>
+                      </a:schemeClr>
+                    </a:solidFill>
+                  </a:rPr>
+                  <a:t>called the </a:t>
+                </a:r>
+                <a:r>
+                  <a:rPr lang="en-US" sz="2800" b="1" dirty="0" smtClean="0">
+                    <a:solidFill>
+                      <a:schemeClr val="accent5"/>
+                    </a:solidFill>
+                  </a:rPr>
+                  <a:t>gradient</a:t>
+                </a:r>
+                <a:r>
+                  <a:rPr lang="en-US" sz="2800" dirty="0" smtClean="0">
+                    <a:solidFill>
+                      <a:schemeClr val="accent5">
+                        <a:lumMod val="50000"/>
+                      </a:schemeClr>
+                    </a:solidFill>
+                  </a:rPr>
+                  <a:t> </a:t>
+                </a:r>
+                <a:r>
+                  <a:rPr lang="en-US" sz="2800" dirty="0">
+                    <a:solidFill>
+                      <a:schemeClr val="accent5">
+                        <a:lumMod val="50000"/>
+                      </a:schemeClr>
+                    </a:solidFill>
+                  </a:rPr>
+                  <a:t>on </a:t>
+                </a:r>
+                <a:r>
+                  <a:rPr lang="en-US" sz="2800" dirty="0" smtClean="0">
+                    <a:solidFill>
+                      <a:schemeClr val="accent5">
+                        <a:lumMod val="50000"/>
+                      </a:schemeClr>
+                    </a:solidFill>
+                  </a:rPr>
+                  <a:t>edge), </a:t>
+                </a:r>
+                <a:r>
+                  <a:rPr lang="en-US" sz="2800" dirty="0" smtClean="0">
+                    <a:solidFill>
+                      <a:schemeClr val="accent5">
+                        <a:lumMod val="50000"/>
+                      </a:schemeClr>
+                    </a:solidFill>
+                  </a:rPr>
+                  <a:t>where </a:t>
                 </a:r>
                 <a14:m>
                   <m:oMath xmlns:m="http://schemas.openxmlformats.org/officeDocument/2006/math">
@@ -6427,8 +6485,15 @@
                       </a:schemeClr>
                     </a:solidFill>
                   </a:rPr>
-                  <a:t> (which is also a gradient on edges);</a:t>
-                </a:r>
+                  <a:t>;</a:t>
+                </a:r>
+                <a:endParaRPr lang="en-US" sz="2800" dirty="0" smtClean="0">
+                  <a:solidFill>
+                    <a:schemeClr val="accent5">
+                      <a:lumMod val="50000"/>
+                    </a:schemeClr>
+                  </a:solidFill>
+                </a:endParaRPr>
               </a:p>
               <a:p>
                 <a:pPr marL="971550" lvl="1" indent="-514350">
@@ -6678,7 +6743,23 @@
                       <a:schemeClr val="accent2"/>
                     </a:solidFill>
                   </a:rPr>
-                  <a:t> is desired real-valued signal</a:t>
+                  <a:t> is </a:t>
+                </a:r>
+                <a:r>
+                  <a:rPr lang="en-US" sz="2800" b="1" dirty="0" smtClean="0">
+                    <a:solidFill>
+                      <a:schemeClr val="accent2"/>
+                    </a:solidFill>
+                  </a:rPr>
+                  <a:t>the desired </a:t>
+                </a:r>
+                <a:r>
+                  <a:rPr lang="en-US" sz="2800" b="1" dirty="0" smtClean="0">
+                    <a:solidFill>
+                      <a:schemeClr val="accent2"/>
+                    </a:solidFill>
+                  </a:rPr>
+                  <a:t>real-valued signal</a:t>
                 </a:r>
                 <a:r>
                   <a:rPr lang="en-US" sz="2800" dirty="0" smtClean="0">
@@ -6898,7 +6979,108 @@
                       </a:schemeClr>
                     </a:solidFill>
                   </a:rPr>
-                  <a:t>Compute the GFT: </a:t>
+                  <a:t>Compute </a:t>
+                </a:r>
+                <a:r>
+                  <a:rPr lang="en-US" sz="2800" dirty="0" smtClean="0">
+                    <a:solidFill>
+                      <a:schemeClr val="accent5">
+                        <a:lumMod val="50000"/>
+                      </a:schemeClr>
+                    </a:solidFill>
+                  </a:rPr>
+                  <a:t>the absolute of </a:t>
+                </a:r>
+                <a:r>
+                  <a:rPr lang="en-US" sz="2800" dirty="0" smtClean="0">
+                    <a:solidFill>
+                      <a:schemeClr val="accent5">
+                        <a:lumMod val="50000"/>
+                      </a:schemeClr>
+                    </a:solidFill>
+                  </a:rPr>
+                  <a:t>GFT of </a:t>
+                </a:r>
+                <a14:m>
+                  <m:oMath xmlns:m="http://schemas.openxmlformats.org/officeDocument/2006/math">
+                    <m:sSub>
+                      <m:sSubPr>
+                        <m:ctrlPr>
+                          <a:rPr lang="en-US" sz="2800" i="1">
+                            <a:solidFill>
+                              <a:schemeClr val="accent5">
+                                <a:lumMod val="50000"/>
+                              </a:schemeClr>
+                            </a:solidFill>
+                            <a:latin typeface="Cambria Math" panose="02040503050406030204" pitchFamily="18" charset="0"/>
+                            <a:ea typeface="Cambria Math" panose="02040503050406030204" pitchFamily="18" charset="0"/>
+                          </a:rPr>
+                        </m:ctrlPr>
+                      </m:sSubPr>
+                      <m:e>
+                        <m:acc>
+                          <m:accPr>
+                            <m:chr m:val="̂"/>
+                            <m:ctrlPr>
+                              <a:rPr lang="en-US" sz="2800" i="1">
+                                <a:solidFill>
+                                  <a:schemeClr val="accent5">
+                                    <a:lumMod val="50000"/>
+                                  </a:schemeClr>
+                                </a:solidFill>
+                                <a:latin typeface="Cambria Math" panose="02040503050406030204" pitchFamily="18" charset="0"/>
+                                <a:ea typeface="Cambria Math" panose="02040503050406030204" pitchFamily="18" charset="0"/>
+                              </a:rPr>
+                            </m:ctrlPr>
+                          </m:accPr>
+                          <m:e>
+                            <m:r>
+                              <m:rPr>
+                                <m:sty m:val="p"/>
+                              </m:rPr>
+                              <a:rPr lang="en-US" sz="2800">
+                                <a:solidFill>
+                                  <a:schemeClr val="accent5">
+                                    <a:lumMod val="50000"/>
+                                  </a:schemeClr>
+                                </a:solidFill>
+                                <a:latin typeface="Cambria Math" panose="02040503050406030204" pitchFamily="18" charset="0"/>
+                                <a:ea typeface="Cambria Math" panose="02040503050406030204" pitchFamily="18" charset="0"/>
+                              </a:rPr>
+                              <m:t>f</m:t>
+                            </m:r>
+                          </m:e>
+                        </m:acc>
+                      </m:e>
+                      <m:sub>
+                        <m:r>
+                          <m:rPr>
+                            <m:sty m:val="p"/>
+                          </m:rPr>
+                          <a:rPr lang="en-US" sz="2800">
+                            <a:solidFill>
+                              <a:schemeClr val="accent5">
+                                <a:lumMod val="50000"/>
+                              </a:schemeClr>
+                            </a:solidFill>
+                            <a:latin typeface="Cambria Math" panose="02040503050406030204" pitchFamily="18" charset="0"/>
+                            <a:ea typeface="Cambria Math" panose="02040503050406030204" pitchFamily="18" charset="0"/>
+                          </a:rPr>
+                          <m:t>K</m:t>
+                        </m:r>
+                      </m:sub>
+                    </m:sSub>
+                  </m:oMath>
+                </a14:m>
+                <a:r>
+                  <a:rPr lang="en-US" sz="2800" dirty="0" smtClean="0">
+                    <a:solidFill>
+                      <a:schemeClr val="accent5">
+                        <a:lumMod val="50000"/>
+                      </a:schemeClr>
+                    </a:solidFill>
+                  </a:rPr>
+                  <a:t>: </a:t>
                 </a:r>
                 <a14:m>
                   <m:oMath xmlns:m="http://schemas.openxmlformats.org/officeDocument/2006/math">
@@ -7139,125 +7321,20 @@
                       </a:schemeClr>
                     </a:solidFill>
                   </a:rPr>
-                  <a:t>, and output </a:t>
-                </a:r>
-                <a14:m>
-                  <m:oMath xmlns:m="http://schemas.openxmlformats.org/officeDocument/2006/math">
-                    <m:d>
-                      <m:dPr>
-                        <m:begChr m:val="|"/>
-                        <m:endChr m:val="|"/>
-                        <m:ctrlPr>
-                          <a:rPr lang="en-US" sz="2800" i="1" smtClean="0">
-                            <a:solidFill>
-                              <a:schemeClr val="accent5">
-                                <a:lumMod val="50000"/>
-                              </a:schemeClr>
-                            </a:solidFill>
-                            <a:latin typeface="Cambria Math" panose="02040503050406030204" pitchFamily="18" charset="0"/>
-                          </a:rPr>
-                        </m:ctrlPr>
-                      </m:dPr>
-                      <m:e>
-                        <m:sSubSup>
-                          <m:sSubSupPr>
-                            <m:ctrlPr>
-                              <a:rPr lang="en-US" sz="2800" i="1">
-                                <a:solidFill>
-                                  <a:schemeClr val="accent5">
-                                    <a:lumMod val="50000"/>
-                                  </a:schemeClr>
-                                </a:solidFill>
-                                <a:latin typeface="Cambria Math" panose="02040503050406030204" pitchFamily="18" charset="0"/>
-                              </a:rPr>
-                            </m:ctrlPr>
-                          </m:sSubSupPr>
-                          <m:e>
-                            <m:acc>
-                              <m:accPr>
-                                <m:chr m:val="̂"/>
-                                <m:ctrlPr>
-                                  <a:rPr lang="en-US" sz="2800" i="1">
-                                    <a:solidFill>
-                                      <a:schemeClr val="accent5">
-                                        <a:lumMod val="50000"/>
-                                      </a:schemeClr>
-                                    </a:solidFill>
-                                    <a:latin typeface="Cambria Math" panose="02040503050406030204" pitchFamily="18" charset="0"/>
-                                  </a:rPr>
-                                </m:ctrlPr>
-                              </m:accPr>
-                              <m:e>
-                                <m:r>
-                                  <m:rPr>
-                                    <m:sty m:val="p"/>
-                                  </m:rPr>
-                                  <a:rPr lang="en-US" sz="2800" i="0">
-                                    <a:solidFill>
-                                      <a:schemeClr val="accent5">
-                                        <a:lumMod val="50000"/>
-                                      </a:schemeClr>
-                                    </a:solidFill>
-                                    <a:latin typeface="Cambria Math" panose="02040503050406030204" pitchFamily="18" charset="0"/>
-                                    <a:ea typeface="Cambria Math" panose="02040503050406030204" pitchFamily="18" charset="0"/>
-                                  </a:rPr>
-                                  <m:t>η</m:t>
-                                </m:r>
-                              </m:e>
-                            </m:acc>
-                          </m:e>
-                          <m:sub>
-                            <m:r>
-                              <m:rPr>
-                                <m:sty m:val="p"/>
-                              </m:rPr>
-                              <a:rPr lang="en-US" sz="2800" i="0">
-                                <a:solidFill>
-                                  <a:schemeClr val="accent5">
-                                    <a:lumMod val="50000"/>
-                                  </a:schemeClr>
-                                </a:solidFill>
-                                <a:latin typeface="Cambria Math" panose="02040503050406030204" pitchFamily="18" charset="0"/>
-                              </a:rPr>
-                              <m:t>s</m:t>
-                            </m:r>
-                          </m:sub>
-                          <m:sup>
-                            <m:r>
-                              <m:rPr>
-                                <m:sty m:val="p"/>
-                              </m:rPr>
-                              <a:rPr lang="en-US" sz="2800" i="0">
-                                <a:solidFill>
-                                  <a:schemeClr val="accent5">
-                                    <a:lumMod val="50000"/>
-                                  </a:schemeClr>
-                                </a:solidFill>
-                                <a:latin typeface="Cambria Math" panose="02040503050406030204" pitchFamily="18" charset="0"/>
-                              </a:rPr>
-                              <m:t>K</m:t>
-                            </m:r>
-                          </m:sup>
-                        </m:sSubSup>
-                      </m:e>
-                    </m:d>
-                  </m:oMath>
-                </a14:m>
-                <a:r>
-                  <a:rPr lang="en-US" sz="2800" dirty="0" smtClean="0">
-                    <a:solidFill>
-                      <a:schemeClr val="accent5">
-                        <a:lumMod val="50000"/>
-                      </a:schemeClr>
-                    </a:solidFill>
-                  </a:rPr>
                   <a:t>.</a:t>
                 </a:r>
+                <a:endParaRPr lang="en-US" sz="2800" dirty="0" smtClean="0">
+                  <a:solidFill>
+                    <a:schemeClr val="accent5">
+                      <a:lumMod val="50000"/>
+                    </a:schemeClr>
+                  </a:solidFill>
+                </a:endParaRPr>
               </a:p>
             </p:txBody>
           </p:sp>
         </mc:Choice>
-        <mc:Fallback xmlns="">
+        <mc:Fallback>
           <p:sp>
             <p:nvSpPr>
               <p:cNvPr id="3" name="Content Placeholder 2"/>
@@ -7739,7 +7816,7 @@
                     <m:sSub>
                       <m:sSubPr>
                         <m:ctrlPr>
-                          <a:rPr lang="en-US" sz="2800">
+                          <a:rPr lang="en-US" sz="2800" i="1">
                             <a:solidFill>
                               <a:schemeClr val="accent5">
                                 <a:lumMod val="50000"/>
@@ -7826,7 +7903,7 @@
                     <m:sSub>
                       <m:sSubPr>
                         <m:ctrlPr>
-                          <a:rPr lang="en-US" sz="2800" smtClean="0">
+                          <a:rPr lang="en-US" sz="2800" i="1" smtClean="0">
                             <a:solidFill>
                               <a:schemeClr val="accent5">
                                 <a:lumMod val="50000"/>
@@ -7887,7 +7964,7 @@
                     <m:sSub>
                       <m:sSubPr>
                         <m:ctrlPr>
-                          <a:rPr lang="en-US" sz="2800">
+                          <a:rPr lang="en-US" sz="2800" i="1">
                             <a:solidFill>
                               <a:schemeClr val="accent5">
                                 <a:lumMod val="50000"/>
@@ -7952,12 +8029,12 @@
                         <a:latin typeface="Cambria Math" panose="02040503050406030204" pitchFamily="18" charset="0"/>
                         <a:ea typeface="Cambria Math" panose="02040503050406030204" pitchFamily="18" charset="0"/>
                       </a:rPr>
-                      <m:t>∇</m:t>
+                      <m:t>𝛻</m:t>
                     </m:r>
                     <m:sSub>
                       <m:sSubPr>
                         <m:ctrlPr>
-                          <a:rPr lang="en-US" sz="2800">
+                          <a:rPr lang="en-US" sz="2800" i="1">
                             <a:solidFill>
                               <a:schemeClr val="accent5">
                                 <a:lumMod val="50000"/>
@@ -8013,14 +8090,62 @@
                       </a:schemeClr>
                     </a:solidFill>
                   </a:rPr>
-                  <a:t>, where </a:t>
+                  <a:t> </a:t>
+                </a:r>
+                <a:r>
+                  <a:rPr lang="en-US" sz="2800" dirty="0">
+                    <a:solidFill>
+                      <a:schemeClr val="accent5">
+                        <a:lumMod val="50000"/>
+                      </a:schemeClr>
+                    </a:solidFill>
+                  </a:rPr>
+                  <a:t>(called the </a:t>
+                </a:r>
+                <a:r>
+                  <a:rPr lang="en-US" sz="2800" b="1" dirty="0">
+                    <a:solidFill>
+                      <a:schemeClr val="accent5"/>
+                    </a:solidFill>
+                  </a:rPr>
+                  <a:t>divergence</a:t>
+                </a:r>
+                <a:r>
+                  <a:rPr lang="en-US" sz="2800" dirty="0">
+                    <a:solidFill>
+                      <a:schemeClr val="accent5">
+                        <a:lumMod val="50000"/>
+                      </a:schemeClr>
+                    </a:solidFill>
+                  </a:rPr>
+                  <a:t> on </a:t>
+                </a:r>
+                <a:r>
+                  <a:rPr lang="en-US" sz="2800" dirty="0" smtClean="0">
+                    <a:solidFill>
+                      <a:schemeClr val="accent5">
+                        <a:lumMod val="50000"/>
+                      </a:schemeClr>
+                    </a:solidFill>
+                  </a:rPr>
+                  <a:t>node), </a:t>
+                </a:r>
+                <a:r>
+                  <a:rPr lang="en-US" sz="2800" dirty="0" smtClean="0">
+                    <a:solidFill>
+                      <a:schemeClr val="accent5">
+                        <a:lumMod val="50000"/>
+                      </a:schemeClr>
+                    </a:solidFill>
+                  </a:rPr>
+                  <a:t>where </a:t>
                 </a:r>
                 <a14:m>
                   <m:oMath xmlns:m="http://schemas.openxmlformats.org/officeDocument/2006/math">
                     <m:d>
                       <m:dPr>
                         <m:ctrlPr>
-                          <a:rPr lang="en-US" sz="2800" smtClean="0">
+                          <a:rPr lang="en-US" sz="2800" i="1" smtClean="0">
                             <a:solidFill>
                               <a:schemeClr val="accent5">
                                 <a:lumMod val="50000"/>
@@ -8064,7 +8189,7 @@
                     <m:d>
                       <m:dPr>
                         <m:ctrlPr>
-                          <a:rPr lang="en-US" sz="2800" smtClean="0">
+                          <a:rPr lang="en-US" sz="2800" i="1" smtClean="0">
                             <a:solidFill>
                               <a:schemeClr val="accent5">
                                 <a:lumMod val="50000"/>
@@ -8110,7 +8235,7 @@
                         <m:chr m:val="∑"/>
                         <m:supHide m:val="on"/>
                         <m:ctrlPr>
-                          <a:rPr lang="en-US" sz="2800" b="0" smtClean="0">
+                          <a:rPr lang="en-US" sz="2800" b="0" i="1" smtClean="0">
                             <a:solidFill>
                               <a:schemeClr val="accent5">
                                 <a:lumMod val="50000"/>
@@ -8185,7 +8310,7 @@
                         <m:d>
                           <m:dPr>
                             <m:ctrlPr>
-                              <a:rPr lang="en-US" sz="2800" b="0" smtClean="0">
+                              <a:rPr lang="en-US" sz="2800" b="0" i="1" smtClean="0">
                                 <a:solidFill>
                                   <a:schemeClr val="accent5">
                                     <a:lumMod val="50000"/>
@@ -8207,7 +8332,7 @@
                                 <a:latin typeface="Cambria Math" panose="02040503050406030204" pitchFamily="18" charset="0"/>
                                 <a:ea typeface="Cambria Math" panose="02040503050406030204" pitchFamily="18" charset="0"/>
                               </a:rPr>
-                              <m:t>∇</m:t>
+                              <m:t>𝛻</m:t>
                             </m:r>
                             <m:r>
                               <m:rPr>
@@ -8229,7 +8354,7 @@
                         <m:d>
                           <m:dPr>
                             <m:ctrlPr>
-                              <a:rPr lang="en-US" sz="2800">
+                              <a:rPr lang="en-US" sz="2800" i="1">
                                 <a:solidFill>
                                   <a:schemeClr val="accent5">
                                     <a:lumMod val="50000"/>
@@ -8297,8 +8422,15 @@
                       </a:schemeClr>
                     </a:solidFill>
                   </a:rPr>
-                  <a:t> (which is the divergence on nodes);</a:t>
-                </a:r>
+                  <a:t>;</a:t>
+                </a:r>
+                <a:endParaRPr lang="en-US" sz="2800" dirty="0" smtClean="0">
+                  <a:solidFill>
+                    <a:schemeClr val="accent5">
+                      <a:lumMod val="50000"/>
+                    </a:schemeClr>
+                  </a:solidFill>
+                </a:endParaRPr>
               </a:p>
               <a:p>
                 <a:pPr marL="971550" lvl="1" indent="-514350">
@@ -8319,7 +8451,7 @@
                     <m:sSub>
                       <m:sSubPr>
                         <m:ctrlPr>
-                          <a:rPr lang="en-US" sz="2800" b="1" smtClean="0">
+                          <a:rPr lang="en-US" sz="2800" b="1" i="1" smtClean="0">
                             <a:solidFill>
                               <a:schemeClr val="accent2"/>
                             </a:solidFill>
@@ -8333,7 +8465,7 @@
                           <m:accPr>
                             <m:chr m:val="̂"/>
                             <m:ctrlPr>
-                              <a:rPr lang="en-US" sz="2800" b="1">
+                              <a:rPr lang="en-US" sz="2800" b="1" i="1">
                                 <a:solidFill>
                                   <a:schemeClr val="accent2"/>
                                 </a:solidFill>
@@ -8372,7 +8504,7 @@
                     <m:d>
                       <m:dPr>
                         <m:ctrlPr>
-                          <a:rPr lang="en-US" sz="2800" b="1" smtClean="0">
+                          <a:rPr lang="en-US" sz="2800" b="1" i="1" smtClean="0">
                             <a:solidFill>
                               <a:schemeClr val="accent2"/>
                             </a:solidFill>
@@ -8419,7 +8551,7 @@
                         <m:begChr m:val="["/>
                         <m:endChr m:val="]"/>
                         <m:ctrlPr>
-                          <a:rPr lang="en-US" sz="2800" b="1" smtClean="0">
+                          <a:rPr lang="en-US" sz="2800" b="1" i="1" smtClean="0">
                             <a:solidFill>
                               <a:schemeClr val="accent2"/>
                             </a:solidFill>
@@ -8432,7 +8564,7 @@
                         <m:d>
                           <m:dPr>
                             <m:ctrlPr>
-                              <a:rPr lang="en-US" sz="2800" b="1">
+                              <a:rPr lang="en-US" sz="2800" b="1" i="1">
                                 <a:solidFill>
                                   <a:schemeClr val="accent2"/>
                                 </a:solidFill>
@@ -8467,7 +8599,7 @@
                         <m:d>
                           <m:dPr>
                             <m:ctrlPr>
-                              <a:rPr lang="en-US" sz="2800" b="1">
+                              <a:rPr lang="en-US" sz="2800" b="1" i="1">
                                 <a:solidFill>
                                   <a:schemeClr val="accent2"/>
                                 </a:solidFill>
@@ -8514,7 +8646,7 @@
                     <m:sSub>
                       <m:sSubPr>
                         <m:ctrlPr>
-                          <a:rPr lang="en-US" sz="2800" b="1" smtClean="0">
+                          <a:rPr lang="en-US" sz="2800" b="1" i="1" smtClean="0">
                             <a:solidFill>
                               <a:schemeClr val="accent2"/>
                             </a:solidFill>
@@ -8594,7 +8726,7 @@
                     <m:f>
                       <m:fPr>
                         <m:ctrlPr>
-                          <a:rPr lang="en-US" sz="2800" b="1" smtClean="0">
+                          <a:rPr lang="en-US" sz="2800" b="1" i="1" smtClean="0">
                             <a:solidFill>
                               <a:schemeClr val="accent2"/>
                             </a:solidFill>
@@ -8617,7 +8749,7 @@
                         <m:sSub>
                           <m:sSubPr>
                             <m:ctrlPr>
-                              <a:rPr lang="en-US" sz="2800" b="1">
+                              <a:rPr lang="en-US" sz="2800" b="1" i="1">
                                 <a:solidFill>
                                   <a:schemeClr val="accent2"/>
                                 </a:solidFill>
@@ -8654,7 +8786,7 @@
                         <m:d>
                           <m:dPr>
                             <m:ctrlPr>
-                              <a:rPr lang="en-US" sz="2800" b="1" smtClean="0">
+                              <a:rPr lang="en-US" sz="2800" b="1" i="1" smtClean="0">
                                 <a:solidFill>
                                   <a:schemeClr val="accent2"/>
                                 </a:solidFill>
@@ -8683,7 +8815,7 @@
                             <m:begChr m:val="|"/>
                             <m:endChr m:val="|"/>
                             <m:ctrlPr>
-                              <a:rPr lang="en-US" sz="2800" b="1" smtClean="0">
+                              <a:rPr lang="en-US" sz="2800" b="1" i="1" smtClean="0">
                                 <a:solidFill>
                                   <a:schemeClr val="accent2"/>
                                 </a:solidFill>
@@ -8706,7 +8838,7 @@
                             <m:d>
                               <m:dPr>
                                 <m:ctrlPr>
-                                  <a:rPr lang="en-US" sz="2800" b="1" smtClean="0">
+                                  <a:rPr lang="en-US" sz="2800" b="1" i="1" smtClean="0">
                                     <a:solidFill>
                                       <a:schemeClr val="accent2"/>
                                     </a:solidFill>
@@ -8781,7 +8913,7 @@
                     <m:d>
                       <m:dPr>
                         <m:ctrlPr>
-                          <a:rPr lang="en-US" sz="2800">
+                          <a:rPr lang="en-US" sz="2800" i="1">
                             <a:solidFill>
                               <a:schemeClr val="accent5">
                                 <a:lumMod val="50000"/>
@@ -8893,7 +9025,7 @@
                     <m:sSub>
                       <m:sSubPr>
                         <m:ctrlPr>
-                          <a:rPr lang="en-US" sz="2800">
+                          <a:rPr lang="en-US" sz="2800" i="1">
                             <a:solidFill>
                               <a:schemeClr val="accent5">
                                 <a:lumMod val="50000"/>
@@ -8909,7 +9041,7 @@
                           <m:accPr>
                             <m:chr m:val="̂"/>
                             <m:ctrlPr>
-                              <a:rPr lang="en-US" sz="2800">
+                              <a:rPr lang="en-US" sz="2800" i="1">
                                 <a:solidFill>
                                   <a:schemeClr val="accent5">
                                     <a:lumMod val="50000"/>
@@ -9024,7 +9156,213 @@
   <p:timing>
     <p:tnLst>
       <p:par>
-        <p:cTn id="1" dur="indefinite" restart="never" nodeType="tmRoot"/>
+        <p:cTn id="1" dur="indefinite" restart="never" nodeType="tmRoot">
+          <p:childTnLst>
+            <p:seq concurrent="1" nextAc="seek">
+              <p:cTn id="2" dur="indefinite" nodeType="mainSeq">
+                <p:childTnLst>
+                  <p:par>
+                    <p:cTn id="3" fill="hold">
+                      <p:stCondLst>
+                        <p:cond delay="indefinite"/>
+                      </p:stCondLst>
+                      <p:childTnLst>
+                        <p:par>
+                          <p:cTn id="4" fill="hold">
+                            <p:stCondLst>
+                              <p:cond delay="0"/>
+                            </p:stCondLst>
+                            <p:childTnLst>
+                              <p:par>
+                                <p:cTn id="5" presetID="10" presetClass="entr" presetSubtype="0" fill="hold" nodeType="clickEffect">
+                                  <p:stCondLst>
+                                    <p:cond delay="0"/>
+                                  </p:stCondLst>
+                                  <p:childTnLst>
+                                    <p:set>
+                                      <p:cBhvr>
+                                        <p:cTn id="6" dur="1" fill="hold">
+                                          <p:stCondLst>
+                                            <p:cond delay="0"/>
+                                          </p:stCondLst>
+                                        </p:cTn>
+                                        <p:tgtEl>
+                                          <p:spTgt spid="3">
+                                            <p:txEl>
+                                              <p:pRg st="4" end="4"/>
+                                            </p:txEl>
+                                          </p:spTgt>
+                                        </p:tgtEl>
+                                        <p:attrNameLst>
+                                          <p:attrName>style.visibility</p:attrName>
+                                        </p:attrNameLst>
+                                      </p:cBhvr>
+                                      <p:to>
+                                        <p:strVal val="visible"/>
+                                      </p:to>
+                                    </p:set>
+                                    <p:animEffect transition="in" filter="fade">
+                                      <p:cBhvr>
+                                        <p:cTn id="7" dur="500"/>
+                                        <p:tgtEl>
+                                          <p:spTgt spid="3">
+                                            <p:txEl>
+                                              <p:pRg st="4" end="4"/>
+                                            </p:txEl>
+                                          </p:spTgt>
+                                        </p:tgtEl>
+                                      </p:cBhvr>
+                                    </p:animEffect>
+                                  </p:childTnLst>
+                                </p:cTn>
+                              </p:par>
+                            </p:childTnLst>
+                          </p:cTn>
+                        </p:par>
+                      </p:childTnLst>
+                    </p:cTn>
+                  </p:par>
+                  <p:par>
+                    <p:cTn id="8" fill="hold">
+                      <p:stCondLst>
+                        <p:cond delay="indefinite"/>
+                      </p:stCondLst>
+                      <p:childTnLst>
+                        <p:par>
+                          <p:cTn id="9" fill="hold">
+                            <p:stCondLst>
+                              <p:cond delay="0"/>
+                            </p:stCondLst>
+                            <p:childTnLst>
+                              <p:par>
+                                <p:cTn id="10" presetID="10" presetClass="entr" presetSubtype="0" fill="hold" nodeType="clickEffect">
+                                  <p:stCondLst>
+                                    <p:cond delay="0"/>
+                                  </p:stCondLst>
+                                  <p:childTnLst>
+                                    <p:set>
+                                      <p:cBhvr>
+                                        <p:cTn id="11" dur="1" fill="hold">
+                                          <p:stCondLst>
+                                            <p:cond delay="0"/>
+                                          </p:stCondLst>
+                                        </p:cTn>
+                                        <p:tgtEl>
+                                          <p:spTgt spid="3">
+                                            <p:txEl>
+                                              <p:pRg st="5" end="5"/>
+                                            </p:txEl>
+                                          </p:spTgt>
+                                        </p:tgtEl>
+                                        <p:attrNameLst>
+                                          <p:attrName>style.visibility</p:attrName>
+                                        </p:attrNameLst>
+                                      </p:cBhvr>
+                                      <p:to>
+                                        <p:strVal val="visible"/>
+                                      </p:to>
+                                    </p:set>
+                                    <p:animEffect transition="in" filter="fade">
+                                      <p:cBhvr>
+                                        <p:cTn id="12" dur="500"/>
+                                        <p:tgtEl>
+                                          <p:spTgt spid="3">
+                                            <p:txEl>
+                                              <p:pRg st="5" end="5"/>
+                                            </p:txEl>
+                                          </p:spTgt>
+                                        </p:tgtEl>
+                                      </p:cBhvr>
+                                    </p:animEffect>
+                                  </p:childTnLst>
+                                </p:cTn>
+                              </p:par>
+                            </p:childTnLst>
+                          </p:cTn>
+                        </p:par>
+                      </p:childTnLst>
+                    </p:cTn>
+                  </p:par>
+                  <p:par>
+                    <p:cTn id="13" fill="hold">
+                      <p:stCondLst>
+                        <p:cond delay="indefinite"/>
+                      </p:stCondLst>
+                      <p:childTnLst>
+                        <p:par>
+                          <p:cTn id="14" fill="hold">
+                            <p:stCondLst>
+                              <p:cond delay="0"/>
+                            </p:stCondLst>
+                            <p:childTnLst>
+                              <p:par>
+                                <p:cTn id="15" presetID="10" presetClass="entr" presetSubtype="0" fill="hold" nodeType="clickEffect">
+                                  <p:stCondLst>
+                                    <p:cond delay="0"/>
+                                  </p:stCondLst>
+                                  <p:childTnLst>
+                                    <p:set>
+                                      <p:cBhvr>
+                                        <p:cTn id="16" dur="1" fill="hold">
+                                          <p:stCondLst>
+                                            <p:cond delay="0"/>
+                                          </p:stCondLst>
+                                        </p:cTn>
+                                        <p:tgtEl>
+                                          <p:spTgt spid="3">
+                                            <p:txEl>
+                                              <p:pRg st="6" end="6"/>
+                                            </p:txEl>
+                                          </p:spTgt>
+                                        </p:tgtEl>
+                                        <p:attrNameLst>
+                                          <p:attrName>style.visibility</p:attrName>
+                                        </p:attrNameLst>
+                                      </p:cBhvr>
+                                      <p:to>
+                                        <p:strVal val="visible"/>
+                                      </p:to>
+                                    </p:set>
+                                    <p:animEffect transition="in" filter="fade">
+                                      <p:cBhvr>
+                                        <p:cTn id="17" dur="500"/>
+                                        <p:tgtEl>
+                                          <p:spTgt spid="3">
+                                            <p:txEl>
+                                              <p:pRg st="6" end="6"/>
+                                            </p:txEl>
+                                          </p:spTgt>
+                                        </p:tgtEl>
+                                      </p:cBhvr>
+                                    </p:animEffect>
+                                  </p:childTnLst>
+                                </p:cTn>
+                              </p:par>
+                            </p:childTnLst>
+                          </p:cTn>
+                        </p:par>
+                      </p:childTnLst>
+                    </p:cTn>
+                  </p:par>
+                </p:childTnLst>
+              </p:cTn>
+              <p:prevCondLst>
+                <p:cond evt="onPrev" delay="0">
+                  <p:tgtEl>
+                    <p:sldTgt/>
+                  </p:tgtEl>
+                </p:cond>
+              </p:prevCondLst>
+              <p:nextCondLst>
+                <p:cond evt="onNext" delay="0">
+                  <p:tgtEl>
+                    <p:sldTgt/>
+                  </p:tgtEl>
+                </p:cond>
+              </p:nextCondLst>
+            </p:seq>
+          </p:childTnLst>
+        </p:cTn>
       </p:par>
     </p:tnLst>
   </p:timing>
@@ -9102,8 +9440,8 @@
           </a:p>
         </p:txBody>
       </p:sp>
-      <mc:AlternateContent xmlns:mc="http://schemas.openxmlformats.org/markup-compatibility/2006" xmlns:a14="http://schemas.microsoft.com/office/drawing/2010/main">
-        <mc:Choice Requires="a14">
+      <mc:AlternateContent xmlns:mc="http://schemas.openxmlformats.org/markup-compatibility/2006">
+        <mc:Choice xmlns:a14="http://schemas.microsoft.com/office/drawing/2010/main" Requires="a14">
           <p:sp>
             <p:nvSpPr>
               <p:cNvPr id="3" name="Content Placeholder 2"/>
@@ -9117,7 +9455,7 @@
             <p:spPr>
               <a:xfrm>
                 <a:off x="457202" y="1573077"/>
-                <a:ext cx="10515600" cy="4351338"/>
+                <a:ext cx="10515600" cy="3747860"/>
               </a:xfrm>
             </p:spPr>
             <p:txBody>
@@ -9633,13 +9971,38 @@
                       </a:schemeClr>
                     </a:solidFill>
                   </a:rPr>
-                  <a:t>.</a:t>
-                </a:r>
+                  <a:t> (i.e. a </a:t>
+                </a:r>
+                <a:r>
+                  <a:rPr lang="en-US" sz="2800" b="1" dirty="0" smtClean="0">
+                    <a:solidFill>
+                      <a:schemeClr val="accent5"/>
+                    </a:solidFill>
+                  </a:rPr>
+                  <a:t>Dirichlet form</a:t>
+                </a:r>
+                <a:r>
+                  <a:rPr lang="en-US" sz="2800" dirty="0" smtClean="0">
+                    <a:solidFill>
+                      <a:schemeClr val="accent5">
+                        <a:lumMod val="50000"/>
+                      </a:schemeClr>
+                    </a:solidFill>
+                  </a:rPr>
+                  <a:t>).</a:t>
+                </a:r>
+                <a:endParaRPr lang="en-US" sz="2800" dirty="0" smtClean="0">
+                  <a:solidFill>
+                    <a:schemeClr val="accent5">
+                      <a:lumMod val="50000"/>
+                    </a:schemeClr>
+                  </a:solidFill>
+                </a:endParaRPr>
               </a:p>
             </p:txBody>
           </p:sp>
         </mc:Choice>
-        <mc:Fallback xmlns="">
+        <mc:Fallback>
           <p:sp>
             <p:nvSpPr>
               <p:cNvPr id="3" name="Content Placeholder 2"/>
@@ -9653,12 +10016,12 @@
             <p:spPr>
               <a:xfrm>
                 <a:off x="457202" y="1573077"/>
-                <a:ext cx="10515600" cy="4351338"/>
+                <a:ext cx="10515600" cy="3747860"/>
               </a:xfrm>
               <a:blipFill>
                 <a:blip r:embed="rId2"/>
                 <a:stretch>
-                  <a:fillRect l="-1043" t="-2241"/>
+                  <a:fillRect l="-1043" t="-2602"/>
                 </a:stretch>
               </a:blipFill>
             </p:spPr>
@@ -9677,6 +10040,67 @@
           </p:sp>
         </mc:Fallback>
       </mc:AlternateContent>
+      <p:sp>
+        <p:nvSpPr>
+          <p:cNvPr id="4" name="TextBox 3"/>
+          <p:cNvSpPr txBox="1"/>
+          <p:nvPr/>
+        </p:nvSpPr>
+        <p:spPr>
+          <a:xfrm>
+            <a:off x="5780314" y="5251268"/>
+            <a:ext cx="5497285" cy="954107"/>
+          </a:xfrm>
+          <a:prstGeom prst="rect">
+            <a:avLst/>
+          </a:prstGeom>
+          <a:noFill/>
+          <a:ln>
+            <a:solidFill>
+              <a:schemeClr val="accent5">
+                <a:lumMod val="50000"/>
+              </a:schemeClr>
+            </a:solidFill>
+          </a:ln>
+        </p:spPr>
+        <p:txBody>
+          <a:bodyPr wrap="square" rtlCol="0">
+            <a:spAutoFit/>
+          </a:bodyPr>
+          <a:lstStyle/>
+          <a:p>
+            <a:r>
+              <a:rPr lang="en-US" sz="2800" b="1" dirty="0" smtClean="0">
+                <a:solidFill>
+                  <a:srgbClr val="7030A0"/>
+                </a:solidFill>
+              </a:rPr>
+              <a:t>How </a:t>
+            </a:r>
+            <a:r>
+              <a:rPr lang="en-US" sz="2800" b="1" dirty="0">
+                <a:solidFill>
+                  <a:srgbClr val="7030A0"/>
+                </a:solidFill>
+              </a:rPr>
+              <a:t>one function changes relative to the changes of </a:t>
+            </a:r>
+            <a:r>
+              <a:rPr lang="en-US" sz="2800" b="1" dirty="0" smtClean="0">
+                <a:solidFill>
+                  <a:srgbClr val="7030A0"/>
+                </a:solidFill>
+              </a:rPr>
+              <a:t>another.</a:t>
+            </a:r>
+            <a:endParaRPr lang="en-US" sz="2800" b="1" dirty="0">
+              <a:solidFill>
+                <a:srgbClr val="7030A0"/>
+              </a:solidFill>
+            </a:endParaRPr>
+          </a:p>
+        </p:txBody>
+      </p:sp>
     </p:spTree>
     <p:extLst>
       <p:ext uri="{BB962C8B-B14F-4D97-AF65-F5344CB8AC3E}">
@@ -9690,9 +10114,149 @@
   <p:timing>
     <p:tnLst>
       <p:par>
-        <p:cTn id="1" dur="indefinite" restart="never" nodeType="tmRoot"/>
+        <p:cTn id="1" dur="indefinite" restart="never" nodeType="tmRoot">
+          <p:childTnLst>
+            <p:seq concurrent="1" nextAc="seek">
+              <p:cTn id="2" dur="indefinite" nodeType="mainSeq">
+                <p:childTnLst>
+                  <p:par>
+                    <p:cTn id="3" fill="hold">
+                      <p:stCondLst>
+                        <p:cond delay="indefinite"/>
+                      </p:stCondLst>
+                      <p:childTnLst>
+                        <p:par>
+                          <p:cTn id="4" fill="hold">
+                            <p:stCondLst>
+                              <p:cond delay="0"/>
+                            </p:stCondLst>
+                            <p:childTnLst>
+                              <p:par>
+                                <p:cTn id="5" presetID="10" presetClass="entr" presetSubtype="0" fill="hold" nodeType="clickEffect">
+                                  <p:stCondLst>
+                                    <p:cond delay="0"/>
+                                  </p:stCondLst>
+                                  <p:childTnLst>
+                                    <p:set>
+                                      <p:cBhvr>
+                                        <p:cTn id="6" dur="1" fill="hold">
+                                          <p:stCondLst>
+                                            <p:cond delay="0"/>
+                                          </p:stCondLst>
+                                        </p:cTn>
+                                        <p:tgtEl>
+                                          <p:spTgt spid="3">
+                                            <p:txEl>
+                                              <p:pRg st="4" end="4"/>
+                                            </p:txEl>
+                                          </p:spTgt>
+                                        </p:tgtEl>
+                                        <p:attrNameLst>
+                                          <p:attrName>style.visibility</p:attrName>
+                                        </p:attrNameLst>
+                                      </p:cBhvr>
+                                      <p:to>
+                                        <p:strVal val="visible"/>
+                                      </p:to>
+                                    </p:set>
+                                    <p:animEffect transition="in" filter="fade">
+                                      <p:cBhvr>
+                                        <p:cTn id="7" dur="500"/>
+                                        <p:tgtEl>
+                                          <p:spTgt spid="3">
+                                            <p:txEl>
+                                              <p:pRg st="4" end="4"/>
+                                            </p:txEl>
+                                          </p:spTgt>
+                                        </p:tgtEl>
+                                      </p:cBhvr>
+                                    </p:animEffect>
+                                  </p:childTnLst>
+                                </p:cTn>
+                              </p:par>
+                            </p:childTnLst>
+                          </p:cTn>
+                        </p:par>
+                      </p:childTnLst>
+                    </p:cTn>
+                  </p:par>
+                  <p:par>
+                    <p:cTn id="8" fill="hold">
+                      <p:stCondLst>
+                        <p:cond delay="indefinite"/>
+                      </p:stCondLst>
+                      <p:childTnLst>
+                        <p:par>
+                          <p:cTn id="9" fill="hold">
+                            <p:stCondLst>
+                              <p:cond delay="0"/>
+                            </p:stCondLst>
+                            <p:childTnLst>
+                              <p:par>
+                                <p:cTn id="10" presetID="10" presetClass="entr" presetSubtype="0" fill="hold" grpId="0" nodeType="clickEffect">
+                                  <p:stCondLst>
+                                    <p:cond delay="0"/>
+                                  </p:stCondLst>
+                                  <p:childTnLst>
+                                    <p:set>
+                                      <p:cBhvr>
+                                        <p:cTn id="11" dur="1" fill="hold">
+                                          <p:stCondLst>
+                                            <p:cond delay="0"/>
+                                          </p:stCondLst>
+                                        </p:cTn>
+                                        <p:tgtEl>
+                                          <p:spTgt spid="4"/>
+                                        </p:tgtEl>
+                                        <p:attrNameLst>
+                                          <p:attrName>style.visibility</p:attrName>
+                                        </p:attrNameLst>
+                                      </p:cBhvr>
+                                      <p:to>
+                                        <p:strVal val="visible"/>
+                                      </p:to>
+                                    </p:set>
+                                    <p:animEffect transition="in" filter="fade">
+                                      <p:cBhvr>
+                                        <p:cTn id="12" dur="500"/>
+                                        <p:tgtEl>
+                                          <p:spTgt spid="4"/>
+                                        </p:tgtEl>
+                                      </p:cBhvr>
+                                    </p:animEffect>
+                                  </p:childTnLst>
+                                </p:cTn>
+                              </p:par>
+                            </p:childTnLst>
+                          </p:cTn>
+                        </p:par>
+                      </p:childTnLst>
+                    </p:cTn>
+                  </p:par>
+                </p:childTnLst>
+              </p:cTn>
+              <p:prevCondLst>
+                <p:cond evt="onPrev" delay="0">
+                  <p:tgtEl>
+                    <p:sldTgt/>
+                  </p:tgtEl>
+                </p:cond>
+              </p:prevCondLst>
+              <p:nextCondLst>
+                <p:cond evt="onNext" delay="0">
+                  <p:tgtEl>
+                    <p:sldTgt/>
+                  </p:tgtEl>
+                </p:cond>
+              </p:nextCondLst>
+            </p:seq>
+          </p:childTnLst>
+        </p:cTn>
       </p:par>
     </p:tnLst>
+    <p:bldLst>
+      <p:bldP spid="4" grpId="0" animBg="1"/>
+    </p:bldLst>
   </p:timing>
 </p:sld>
 </file>
@@ -12382,13 +12946,13 @@
         </p:nvSpPr>
         <p:spPr>
           <a:xfrm>
-            <a:off x="457202" y="1337943"/>
-            <a:ext cx="11155678" cy="5213079"/>
+            <a:off x="457202" y="1280160"/>
+            <a:ext cx="11155678" cy="5199017"/>
           </a:xfrm>
         </p:spPr>
         <p:txBody>
           <a:bodyPr>
-            <a:normAutofit/>
+            <a:noAutofit/>
           </a:bodyPr>
           <a:lstStyle/>
           <a:p>
@@ -12406,7 +12970,7 @@
           <a:p>
             <a:pPr lvl="1"/>
             <a:r>
-              <a:rPr lang="en-US" sz="2800" b="1" dirty="0" smtClean="0">
+              <a:rPr lang="en-US" b="1" dirty="0" smtClean="0">
                 <a:solidFill>
                   <a:schemeClr val="accent5">
                     <a:lumMod val="50000"/>
@@ -12416,7 +12980,7 @@
               <a:t>Graph Fourier Transform (GFT) </a:t>
             </a:r>
             <a:r>
-              <a:rPr lang="en-US" sz="2800" dirty="0" smtClean="0">
+              <a:rPr lang="en-US" dirty="0" smtClean="0">
                 <a:solidFill>
                   <a:schemeClr val="accent5">
                     <a:lumMod val="50000"/>
@@ -12426,7 +12990,7 @@
               <a:t>is a fundamental tool in profiling spectral characteristics of </a:t>
             </a:r>
             <a:r>
-              <a:rPr lang="en-US" sz="2800" b="1" dirty="0" smtClean="0">
+              <a:rPr lang="en-US" b="1" dirty="0" smtClean="0">
                 <a:solidFill>
                   <a:schemeClr val="accent5">
                     <a:lumMod val="50000"/>
@@ -12436,7 +13000,7 @@
               <a:t>real-valued graph signals</a:t>
             </a:r>
             <a:r>
-              <a:rPr lang="en-US" sz="2800" dirty="0" smtClean="0">
+              <a:rPr lang="en-US" dirty="0" smtClean="0">
                 <a:solidFill>
                   <a:schemeClr val="accent5">
                     <a:lumMod val="50000"/>
@@ -12461,7 +13025,7 @@
           <a:p>
             <a:pPr lvl="1"/>
             <a:r>
-              <a:rPr lang="en-US" sz="2800" dirty="0" smtClean="0">
+              <a:rPr lang="en-US" dirty="0" smtClean="0">
                 <a:solidFill>
                   <a:schemeClr val="accent5">
                     <a:lumMod val="50000"/>
@@ -12471,7 +13035,7 @@
               <a:t>Most graph learning models (e.g. GCN) use </a:t>
             </a:r>
             <a:r>
-              <a:rPr lang="en-US" sz="2800" b="1" dirty="0" smtClean="0">
+              <a:rPr lang="en-US" b="1" dirty="0" smtClean="0">
                 <a:solidFill>
                   <a:schemeClr val="accent5">
                     <a:lumMod val="50000"/>
@@ -12481,7 +13045,7 @@
               <a:t>vector-valued graph signals</a:t>
             </a:r>
             <a:r>
-              <a:rPr lang="en-US" sz="2800" dirty="0" smtClean="0">
+              <a:rPr lang="en-US" dirty="0" smtClean="0">
                 <a:solidFill>
                   <a:schemeClr val="accent5">
                     <a:lumMod val="50000"/>
@@ -12491,7 +13055,7 @@
               <a:t>. </a:t>
             </a:r>
             <a:r>
-              <a:rPr lang="en-US" sz="2800" dirty="0">
+              <a:rPr lang="en-US" dirty="0">
                 <a:solidFill>
                   <a:schemeClr val="accent5">
                     <a:lumMod val="50000"/>
@@ -12501,7 +13065,7 @@
               <a:t>And theoretically </a:t>
             </a:r>
             <a:r>
-              <a:rPr lang="en-US" sz="2800" dirty="0" smtClean="0">
+              <a:rPr lang="en-US" dirty="0" smtClean="0">
                 <a:solidFill>
                   <a:schemeClr val="accent5">
                     <a:lumMod val="50000"/>
@@ -12514,7 +13078,7 @@
           <a:p>
             <a:pPr lvl="1"/>
             <a:r>
-              <a:rPr lang="en-US" sz="2800" dirty="0" smtClean="0">
+              <a:rPr lang="en-US" dirty="0" smtClean="0">
                 <a:solidFill>
                   <a:schemeClr val="accent5">
                     <a:lumMod val="50000"/>
@@ -12539,7 +13103,7 @@
           <a:p>
             <a:pPr lvl="1"/>
             <a:r>
-              <a:rPr lang="en-US" sz="2800" b="1" dirty="0" smtClean="0">
+              <a:rPr lang="en-US" b="1" dirty="0" smtClean="0">
                 <a:solidFill>
                   <a:schemeClr val="accent5"/>
                 </a:solidFill>
@@ -12547,7 +13111,7 @@
               <a:t>Five methods </a:t>
             </a:r>
             <a:r>
-              <a:rPr lang="en-US" sz="2800" dirty="0" smtClean="0">
+              <a:rPr lang="en-US" dirty="0" smtClean="0">
                 <a:solidFill>
                   <a:schemeClr val="accent5">
                     <a:lumMod val="50000"/>
@@ -12560,7 +13124,7 @@
           <a:p>
             <a:pPr lvl="1"/>
             <a:r>
-              <a:rPr lang="en-US" sz="2800" b="1" dirty="0" smtClean="0">
+              <a:rPr lang="en-US" b="1" dirty="0" smtClean="0">
                 <a:solidFill>
                   <a:schemeClr val="accent5"/>
                 </a:solidFill>
@@ -12568,7 +13132,7 @@
               <a:t>Stratified graphs</a:t>
             </a:r>
             <a:r>
-              <a:rPr lang="en-US" sz="2800" dirty="0">
+              <a:rPr lang="en-US" dirty="0" smtClean="0">
                 <a:solidFill>
                   <a:schemeClr val="accent5"/>
                 </a:solidFill>
@@ -12576,7 +13140,7 @@
               <a:t> </a:t>
             </a:r>
             <a:r>
-              <a:rPr lang="en-US" sz="2800" dirty="0" smtClean="0">
+              <a:rPr lang="en-US" dirty="0" smtClean="0">
                 <a:solidFill>
                   <a:schemeClr val="accent5">
                     <a:lumMod val="50000"/>
@@ -12585,13 +13149,31 @@
               </a:rPr>
               <a:t>seeing the same graph from different levels of adjacency.</a:t>
             </a:r>
-            <a:endParaRPr lang="en-US" sz="2800" dirty="0">
-              <a:solidFill>
-                <a:schemeClr val="accent5">
-                  <a:lumMod val="50000"/>
-                </a:schemeClr>
-              </a:solidFill>
-            </a:endParaRPr>
+          </a:p>
+          <a:p>
+            <a:r>
+              <a:rPr lang="en-US" altLang="zh-CN" b="1" dirty="0" smtClean="0">
+                <a:solidFill>
+                  <a:schemeClr val="accent5">
+                    <a:lumMod val="50000"/>
+                  </a:schemeClr>
+                </a:solidFill>
+              </a:rPr>
+              <a:t>In-Progress Works</a:t>
+            </a:r>
+          </a:p>
+          <a:p>
+            <a:pPr lvl="1"/>
+            <a:r>
+              <a:rPr lang="en-US" dirty="0" smtClean="0">
+                <a:solidFill>
+                  <a:schemeClr val="accent5">
+                    <a:lumMod val="50000"/>
+                  </a:schemeClr>
+                </a:solidFill>
+              </a:rPr>
+              <a:t>Applications of graph curvatures and Ricci flow.</a:t>
+            </a:r>
           </a:p>
         </p:txBody>
       </p:sp>
@@ -12997,6 +13579,110 @@
                                           <p:spTgt spid="3">
                                             <p:txEl>
                                               <p:pRg st="7" end="7"/>
+                                            </p:txEl>
+                                          </p:spTgt>
+                                        </p:tgtEl>
+                                      </p:cBhvr>
+                                    </p:animEffect>
+                                  </p:childTnLst>
+                                </p:cTn>
+                              </p:par>
+                            </p:childTnLst>
+                          </p:cTn>
+                        </p:par>
+                      </p:childTnLst>
+                    </p:cTn>
+                  </p:par>
+                  <p:par>
+                    <p:cTn id="33" fill="hold">
+                      <p:stCondLst>
+                        <p:cond delay="indefinite"/>
+                      </p:stCondLst>
+                      <p:childTnLst>
+                        <p:par>
+                          <p:cTn id="34" fill="hold">
+                            <p:stCondLst>
+                              <p:cond delay="0"/>
+                            </p:stCondLst>
+                            <p:childTnLst>
+                              <p:par>
+                                <p:cTn id="35" presetID="10" presetClass="entr" presetSubtype="0" fill="hold" nodeType="clickEffect">
+                                  <p:stCondLst>
+                                    <p:cond delay="0"/>
+                                  </p:stCondLst>
+                                  <p:childTnLst>
+                                    <p:set>
+                                      <p:cBhvr>
+                                        <p:cTn id="36" dur="1" fill="hold">
+                                          <p:stCondLst>
+                                            <p:cond delay="0"/>
+                                          </p:stCondLst>
+                                        </p:cTn>
+                                        <p:tgtEl>
+                                          <p:spTgt spid="3">
+                                            <p:txEl>
+                                              <p:pRg st="8" end="8"/>
+                                            </p:txEl>
+                                          </p:spTgt>
+                                        </p:tgtEl>
+                                        <p:attrNameLst>
+                                          <p:attrName>style.visibility</p:attrName>
+                                        </p:attrNameLst>
+                                      </p:cBhvr>
+                                      <p:to>
+                                        <p:strVal val="visible"/>
+                                      </p:to>
+                                    </p:set>
+                                    <p:animEffect transition="in" filter="fade">
+                                      <p:cBhvr>
+                                        <p:cTn id="37" dur="500"/>
+                                        <p:tgtEl>
+                                          <p:spTgt spid="3">
+                                            <p:txEl>
+                                              <p:pRg st="8" end="8"/>
+                                            </p:txEl>
+                                          </p:spTgt>
+                                        </p:tgtEl>
+                                      </p:cBhvr>
+                                    </p:animEffect>
+                                  </p:childTnLst>
+                                </p:cTn>
+                              </p:par>
+                              <p:par>
+                                <p:cTn id="38" presetID="10" presetClass="entr" presetSubtype="0" fill="hold" nodeType="withEffect">
+                                  <p:stCondLst>
+                                    <p:cond delay="0"/>
+                                  </p:stCondLst>
+                                  <p:childTnLst>
+                                    <p:set>
+                                      <p:cBhvr>
+                                        <p:cTn id="39" dur="1" fill="hold">
+                                          <p:stCondLst>
+                                            <p:cond delay="0"/>
+                                          </p:stCondLst>
+                                        </p:cTn>
+                                        <p:tgtEl>
+                                          <p:spTgt spid="3">
+                                            <p:txEl>
+                                              <p:pRg st="9" end="9"/>
+                                            </p:txEl>
+                                          </p:spTgt>
+                                        </p:tgtEl>
+                                        <p:attrNameLst>
+                                          <p:attrName>style.visibility</p:attrName>
+                                        </p:attrNameLst>
+                                      </p:cBhvr>
+                                      <p:to>
+                                        <p:strVal val="visible"/>
+                                      </p:to>
+                                    </p:set>
+                                    <p:animEffect transition="in" filter="fade">
+                                      <p:cBhvr>
+                                        <p:cTn id="40" dur="500"/>
+                                        <p:tgtEl>
+                                          <p:spTgt spid="3">
+                                            <p:txEl>
+                                              <p:pRg st="9" end="9"/>
                                             </p:txEl>
                                           </p:spTgt>
                                         </p:tgtEl>
@@ -14544,27 +15230,7 @@
                   </a:schemeClr>
                 </a:solidFill>
               </a:rPr>
-              <a:t>Settings are the same </a:t>
-            </a:r>
-            <a:r>
-              <a:rPr lang="en-US" dirty="0" smtClean="0">
-                <a:solidFill>
-                  <a:schemeClr val="accent5">
-                    <a:lumMod val="50000"/>
-                  </a:schemeClr>
-                </a:solidFill>
-              </a:rPr>
-              <a:t>as </a:t>
-            </a:r>
-            <a:r>
-              <a:rPr lang="en-US" dirty="0" smtClean="0">
-                <a:solidFill>
-                  <a:schemeClr val="accent5">
-                    <a:lumMod val="50000"/>
-                  </a:schemeClr>
-                </a:solidFill>
-              </a:rPr>
-              <a:t>Task 1.</a:t>
+              <a:t>Settings are the same as Task 1.</a:t>
             </a:r>
           </a:p>
           <a:p>
@@ -14576,27 +15242,7 @@
                   </a:schemeClr>
                 </a:solidFill>
               </a:rPr>
-              <a:t>Compute normalized dot </a:t>
-            </a:r>
-            <a:r>
-              <a:rPr lang="en-US" dirty="0" smtClean="0">
-                <a:solidFill>
-                  <a:schemeClr val="accent5">
-                    <a:lumMod val="50000"/>
-                  </a:schemeClr>
-                </a:solidFill>
-              </a:rPr>
-              <a:t>products </a:t>
-            </a:r>
-            <a:r>
-              <a:rPr lang="en-US" dirty="0" smtClean="0">
-                <a:solidFill>
-                  <a:schemeClr val="accent5">
-                    <a:lumMod val="50000"/>
-                  </a:schemeClr>
-                </a:solidFill>
-              </a:rPr>
-              <a:t>between SGS results.</a:t>
+              <a:t>Compute normalized dot products between SGS results.</a:t>
             </a:r>
           </a:p>
           <a:p>
